--- a/StoryBoards/StoryBoard_RF3_AcessoAAcervo_BuscaDetalhada.pptx
+++ b/StoryBoards/StoryBoard_RF3_AcessoAAcervo_BuscaDetalhada.pptx
@@ -2,15 +2,15 @@
 <file path=ppt/presentation.xml><?xml version="1.0" encoding="utf-8"?>
 <p:presentation xmlns:a="http://schemas.openxmlformats.org/drawingml/2006/main" xmlns:r="http://schemas.openxmlformats.org/officeDocument/2006/relationships" xmlns:p="http://schemas.openxmlformats.org/presentationml/2006/main" saveSubsetFonts="1">
   <p:sldMasterIdLst>
-    <p:sldMasterId id="2147483648" r:id="rId81"/>
+    <p:sldMasterId id="2147483648" r:id="rId167"/>
   </p:sldMasterIdLst>
   <p:sldIdLst>
-    <p:sldId id="259" r:id="rId82"/>
-    <p:sldId id="260" r:id="rId83"/>
-    <p:sldId id="261" r:id="rId84"/>
-    <p:sldId id="263" r:id="rId85"/>
-    <p:sldId id="265" r:id="rId86"/>
-    <p:sldId id="264" r:id="rId87"/>
+    <p:sldId id="259" r:id="rId168"/>
+    <p:sldId id="266" r:id="rId169"/>
+    <p:sldId id="267" r:id="rId170"/>
+    <p:sldId id="268" r:id="rId171"/>
+    <p:sldId id="269" r:id="rId172"/>
+    <p:sldId id="264" r:id="rId173"/>
   </p:sldIdLst>
   <p:sldSz cx="12192000" cy="6858000"/>
   <p:notesSz cx="6858000" cy="9144000"/>
@@ -250,7 +250,7 @@
           <a:p>
             <a:fld id="{E2057550-DEF1-4E8A-AB2F-6508DE17DAEE}" type="datetimeFigureOut">
               <a:rPr lang="pt-BR" smtClean="0"/>
-              <a:t>14/05/2017</a:t>
+              <a:t>15/05/2017</a:t>
             </a:fld>
             <a:endParaRPr lang="pt-BR"/>
           </a:p>
@@ -418,7 +418,7 @@
           <a:p>
             <a:fld id="{E2057550-DEF1-4E8A-AB2F-6508DE17DAEE}" type="datetimeFigureOut">
               <a:rPr lang="pt-BR" smtClean="0"/>
-              <a:t>14/05/2017</a:t>
+              <a:t>15/05/2017</a:t>
             </a:fld>
             <a:endParaRPr lang="pt-BR"/>
           </a:p>
@@ -596,7 +596,7 @@
           <a:p>
             <a:fld id="{E2057550-DEF1-4E8A-AB2F-6508DE17DAEE}" type="datetimeFigureOut">
               <a:rPr lang="pt-BR" smtClean="0"/>
-              <a:t>14/05/2017</a:t>
+              <a:t>15/05/2017</a:t>
             </a:fld>
             <a:endParaRPr lang="pt-BR"/>
           </a:p>
@@ -764,7 +764,7 @@
           <a:p>
             <a:fld id="{E2057550-DEF1-4E8A-AB2F-6508DE17DAEE}" type="datetimeFigureOut">
               <a:rPr lang="pt-BR" smtClean="0"/>
-              <a:t>14/05/2017</a:t>
+              <a:t>15/05/2017</a:t>
             </a:fld>
             <a:endParaRPr lang="pt-BR"/>
           </a:p>
@@ -1009,7 +1009,7 @@
           <a:p>
             <a:fld id="{E2057550-DEF1-4E8A-AB2F-6508DE17DAEE}" type="datetimeFigureOut">
               <a:rPr lang="pt-BR" smtClean="0"/>
-              <a:t>14/05/2017</a:t>
+              <a:t>15/05/2017</a:t>
             </a:fld>
             <a:endParaRPr lang="pt-BR"/>
           </a:p>
@@ -1238,7 +1238,7 @@
           <a:p>
             <a:fld id="{E2057550-DEF1-4E8A-AB2F-6508DE17DAEE}" type="datetimeFigureOut">
               <a:rPr lang="pt-BR" smtClean="0"/>
-              <a:t>14/05/2017</a:t>
+              <a:t>15/05/2017</a:t>
             </a:fld>
             <a:endParaRPr lang="pt-BR"/>
           </a:p>
@@ -1602,7 +1602,7 @@
           <a:p>
             <a:fld id="{E2057550-DEF1-4E8A-AB2F-6508DE17DAEE}" type="datetimeFigureOut">
               <a:rPr lang="pt-BR" smtClean="0"/>
-              <a:t>14/05/2017</a:t>
+              <a:t>15/05/2017</a:t>
             </a:fld>
             <a:endParaRPr lang="pt-BR"/>
           </a:p>
@@ -1719,7 +1719,7 @@
           <a:p>
             <a:fld id="{E2057550-DEF1-4E8A-AB2F-6508DE17DAEE}" type="datetimeFigureOut">
               <a:rPr lang="pt-BR" smtClean="0"/>
-              <a:t>14/05/2017</a:t>
+              <a:t>15/05/2017</a:t>
             </a:fld>
             <a:endParaRPr lang="pt-BR"/>
           </a:p>
@@ -1814,7 +1814,7 @@
           <a:p>
             <a:fld id="{E2057550-DEF1-4E8A-AB2F-6508DE17DAEE}" type="datetimeFigureOut">
               <a:rPr lang="pt-BR" smtClean="0"/>
-              <a:t>14/05/2017</a:t>
+              <a:t>15/05/2017</a:t>
             </a:fld>
             <a:endParaRPr lang="pt-BR"/>
           </a:p>
@@ -2089,7 +2089,7 @@
           <a:p>
             <a:fld id="{E2057550-DEF1-4E8A-AB2F-6508DE17DAEE}" type="datetimeFigureOut">
               <a:rPr lang="pt-BR" smtClean="0"/>
-              <a:t>14/05/2017</a:t>
+              <a:t>15/05/2017</a:t>
             </a:fld>
             <a:endParaRPr lang="pt-BR"/>
           </a:p>
@@ -2341,7 +2341,7 @@
           <a:p>
             <a:fld id="{E2057550-DEF1-4E8A-AB2F-6508DE17DAEE}" type="datetimeFigureOut">
               <a:rPr lang="pt-BR" smtClean="0"/>
-              <a:t>14/05/2017</a:t>
+              <a:t>15/05/2017</a:t>
             </a:fld>
             <a:endParaRPr lang="pt-BR"/>
           </a:p>
@@ -2552,7 +2552,7 @@
           <a:p>
             <a:fld id="{E2057550-DEF1-4E8A-AB2F-6508DE17DAEE}" type="datetimeFigureOut">
               <a:rPr lang="pt-BR" smtClean="0"/>
-              <a:t>14/05/2017</a:t>
+              <a:t>15/05/2017</a:t>
             </a:fld>
             <a:endParaRPr lang="pt-BR"/>
           </a:p>
@@ -4515,6 +4515,13 @@
   <p:clrMapOvr>
     <a:masterClrMapping/>
   </p:clrMapOvr>
+  <p:timing>
+    <p:tnLst>
+      <p:par>
+        <p:cTn id="1" dur="indefinite" restart="never" nodeType="tmRoot"/>
+      </p:par>
+    </p:tnLst>
+  </p:timing>
 </p:sld>
 </file>
 
@@ -5599,52 +5606,6 @@
           </p:grpSp>
         </p:grpSp>
       </p:grpSp>
-      <p:sp>
-        <p:nvSpPr>
-          <p:cNvPr id="33" name="Retângulo 32"/>
-          <p:cNvSpPr/>
-          <p:nvPr/>
-        </p:nvSpPr>
-        <p:spPr>
-          <a:xfrm>
-            <a:off x="101600" y="685159"/>
-            <a:ext cx="11988800" cy="1433201"/>
-          </a:xfrm>
-          <a:prstGeom prst="rect">
-            <a:avLst/>
-          </a:prstGeom>
-          <a:noFill/>
-          <a:ln>
-            <a:solidFill>
-              <a:schemeClr val="tx1"/>
-            </a:solidFill>
-          </a:ln>
-        </p:spPr>
-        <p:style>
-          <a:lnRef idx="2">
-            <a:schemeClr val="accent1">
-              <a:shade val="50000"/>
-            </a:schemeClr>
-          </a:lnRef>
-          <a:fillRef idx="1">
-            <a:schemeClr val="accent1"/>
-          </a:fillRef>
-          <a:effectRef idx="0">
-            <a:schemeClr val="accent1"/>
-          </a:effectRef>
-          <a:fontRef idx="minor">
-            <a:schemeClr val="lt1"/>
-          </a:fontRef>
-        </p:style>
-        <p:txBody>
-          <a:bodyPr rtlCol="0" anchor="ctr"/>
-          <a:lstStyle/>
-          <a:p>
-            <a:pPr algn="ctr"/>
-            <a:endParaRPr lang="pt-BR"/>
-          </a:p>
-        </p:txBody>
-      </p:sp>
       <p:pic>
         <p:nvPicPr>
           <p:cNvPr id="34" name="Imagem 33"/>
@@ -5661,7 +5622,7 @@
         </p:blipFill>
         <p:spPr>
           <a:xfrm>
-            <a:off x="206164" y="758648"/>
+            <a:off x="140519" y="712173"/>
             <a:ext cx="361950" cy="780874"/>
           </a:xfrm>
           <a:prstGeom prst="rect">
@@ -5681,7 +5642,7 @@
         </p:nvSpPr>
         <p:spPr>
           <a:xfrm>
-            <a:off x="37680" y="1539522"/>
+            <a:off x="8686" y="1425948"/>
             <a:ext cx="1060868" cy="323165"/>
           </a:xfrm>
           <a:prstGeom prst="rect">
@@ -5736,7 +5697,7 @@
         </p:blipFill>
         <p:spPr bwMode="auto">
           <a:xfrm>
-            <a:off x="1351280" y="1149084"/>
+            <a:off x="1249421" y="825038"/>
             <a:ext cx="401320" cy="438943"/>
           </a:xfrm>
           <a:prstGeom prst="rect">
@@ -5762,13 +5723,18 @@
         </p:nvSpPr>
         <p:spPr>
           <a:xfrm>
-            <a:off x="1133474" y="1048403"/>
+            <a:off x="1031615" y="724357"/>
             <a:ext cx="836932" cy="706711"/>
           </a:xfrm>
           <a:prstGeom prst="ellipse">
             <a:avLst/>
           </a:prstGeom>
           <a:noFill/>
+          <a:ln>
+            <a:solidFill>
+              <a:schemeClr val="tx1"/>
+            </a:solidFill>
+          </a:ln>
         </p:spPr>
         <p:style>
           <a:lnRef idx="2">
@@ -5807,7 +5773,7 @@
         </p:nvSpPr>
         <p:spPr>
           <a:xfrm>
-            <a:off x="2059318" y="1030502"/>
+            <a:off x="1868547" y="735241"/>
             <a:ext cx="4036682" cy="292388"/>
           </a:xfrm>
           <a:prstGeom prst="rect">
@@ -5899,7 +5865,7 @@
         </p:nvSpPr>
         <p:spPr>
           <a:xfrm>
-            <a:off x="2034326" y="1373056"/>
+            <a:off x="1868547" y="1022075"/>
             <a:ext cx="2960490" cy="292388"/>
           </a:xfrm>
           <a:prstGeom prst="rect">
@@ -5991,7 +5957,7 @@
         </p:nvSpPr>
         <p:spPr>
           <a:xfrm>
-            <a:off x="5354952" y="1423041"/>
+            <a:off x="4829037" y="1022075"/>
             <a:ext cx="2070695" cy="292388"/>
           </a:xfrm>
           <a:prstGeom prst="rect">
@@ -6061,7 +6027,7 @@
         </p:nvSpPr>
         <p:spPr>
           <a:xfrm>
-            <a:off x="6327023" y="1050345"/>
+            <a:off x="5905229" y="741525"/>
             <a:ext cx="1681871" cy="292388"/>
           </a:xfrm>
           <a:prstGeom prst="rect">
@@ -6112,7 +6078,7 @@
         </p:nvSpPr>
         <p:spPr>
           <a:xfrm>
-            <a:off x="8443336" y="1001432"/>
+            <a:off x="7587100" y="735241"/>
             <a:ext cx="1749197" cy="292388"/>
           </a:xfrm>
           <a:prstGeom prst="rect">
@@ -6182,7 +6148,7 @@
         </p:nvSpPr>
         <p:spPr>
           <a:xfrm>
-            <a:off x="7738397" y="1462726"/>
+            <a:off x="6899732" y="1044509"/>
             <a:ext cx="1942070" cy="292388"/>
           </a:xfrm>
           <a:prstGeom prst="rect">
@@ -6234,59 +6200,13 @@
       </p:sp>
       <p:sp>
         <p:nvSpPr>
-          <p:cNvPr id="45" name="Retângulo 44"/>
-          <p:cNvSpPr/>
-          <p:nvPr/>
-        </p:nvSpPr>
-        <p:spPr>
-          <a:xfrm>
-            <a:off x="101600" y="2118360"/>
-            <a:ext cx="873760" cy="4633600"/>
-          </a:xfrm>
-          <a:prstGeom prst="rect">
-            <a:avLst/>
-          </a:prstGeom>
-          <a:noFill/>
-          <a:ln>
-            <a:solidFill>
-              <a:schemeClr val="tx1"/>
-            </a:solidFill>
-          </a:ln>
-        </p:spPr>
-        <p:style>
-          <a:lnRef idx="2">
-            <a:schemeClr val="accent1">
-              <a:shade val="50000"/>
-            </a:schemeClr>
-          </a:lnRef>
-          <a:fillRef idx="1">
-            <a:schemeClr val="accent1"/>
-          </a:fillRef>
-          <a:effectRef idx="0">
-            <a:schemeClr val="accent1"/>
-          </a:effectRef>
-          <a:fontRef idx="minor">
-            <a:schemeClr val="lt1"/>
-          </a:fontRef>
-        </p:style>
-        <p:txBody>
-          <a:bodyPr rtlCol="0" anchor="ctr"/>
-          <a:lstStyle/>
-          <a:p>
-            <a:pPr algn="ctr"/>
-            <a:endParaRPr lang="pt-BR"/>
-          </a:p>
-        </p:txBody>
-      </p:sp>
-      <p:sp>
-        <p:nvSpPr>
           <p:cNvPr id="46" name="Elipse 45"/>
           <p:cNvSpPr/>
           <p:nvPr/>
         </p:nvSpPr>
         <p:spPr>
           <a:xfrm>
-            <a:off x="150919" y="2460619"/>
+            <a:off x="170074" y="2856854"/>
             <a:ext cx="769196" cy="685800"/>
           </a:xfrm>
           <a:prstGeom prst="ellipse">
@@ -6332,7 +6252,7 @@
         </p:nvSpPr>
         <p:spPr>
           <a:xfrm>
-            <a:off x="137795" y="3351378"/>
+            <a:off x="147109" y="3577112"/>
             <a:ext cx="769196" cy="685800"/>
           </a:xfrm>
           <a:prstGeom prst="ellipse">
@@ -6378,7 +6298,7 @@
         </p:nvSpPr>
         <p:spPr>
           <a:xfrm>
-            <a:off x="137795" y="4292851"/>
+            <a:off x="145206" y="4295194"/>
             <a:ext cx="769196" cy="685800"/>
           </a:xfrm>
           <a:prstGeom prst="ellipse">
@@ -6425,7 +6345,7 @@
           <p:nvPr/>
         </p:nvPicPr>
         <p:blipFill>
-          <a:blip r:embed="rId19">
+          <a:blip r:embed="rId19" cstate="hqprint">
             <a:extLst>
               <a:ext uri="{28A0092B-C50C-407E-A947-70E740481C1C}">
                 <a14:useLocalDpi xmlns:a14="http://schemas.microsoft.com/office/drawing/2010/main" val="0"/>
@@ -6438,7 +6358,7 @@
         </p:blipFill>
         <p:spPr>
           <a:xfrm>
-            <a:off x="284855" y="3416872"/>
+            <a:off x="281259" y="3635643"/>
             <a:ext cx="533400" cy="533400"/>
           </a:xfrm>
           <a:prstGeom prst="rect">
@@ -6455,7 +6375,7 @@
           <p:nvPr/>
         </p:nvPicPr>
         <p:blipFill>
-          <a:blip r:embed="rId20">
+          <a:blip r:embed="rId20" cstate="hqprint">
             <a:extLst>
               <a:ext uri="{28A0092B-C50C-407E-A947-70E740481C1C}">
                 <a14:useLocalDpi xmlns:a14="http://schemas.microsoft.com/office/drawing/2010/main" val="0"/>
@@ -6468,7 +6388,7 @@
         </p:blipFill>
         <p:spPr>
           <a:xfrm>
-            <a:off x="253427" y="2517045"/>
+            <a:off x="246182" y="2924015"/>
             <a:ext cx="629374" cy="629374"/>
           </a:xfrm>
           <a:prstGeom prst="rect">
@@ -6485,7 +6405,7 @@
           <p:nvPr/>
         </p:nvPicPr>
         <p:blipFill>
-          <a:blip r:embed="rId21">
+          <a:blip r:embed="rId21" cstate="hqprint">
             <a:extLst>
               <a:ext uri="{28A0092B-C50C-407E-A947-70E740481C1C}">
                 <a14:useLocalDpi xmlns:a14="http://schemas.microsoft.com/office/drawing/2010/main" val="0"/>
@@ -6498,7 +6418,7 @@
         </p:blipFill>
         <p:spPr>
           <a:xfrm>
-            <a:off x="261127" y="4353096"/>
+            <a:off x="235526" y="4353094"/>
             <a:ext cx="564669" cy="564669"/>
           </a:xfrm>
           <a:prstGeom prst="rect">
@@ -6514,7 +6434,7 @@
         </p:nvSpPr>
         <p:spPr>
           <a:xfrm rot="16200000">
-            <a:off x="881744" y="4583263"/>
+            <a:off x="919424" y="4583263"/>
             <a:ext cx="120277" cy="104333"/>
           </a:xfrm>
           <a:prstGeom prst="triangle">
@@ -6523,6 +6443,11 @@
           <a:solidFill>
             <a:schemeClr val="tx1"/>
           </a:solidFill>
+          <a:ln>
+            <a:solidFill>
+              <a:schemeClr val="tx1"/>
+            </a:solidFill>
+          </a:ln>
         </p:spPr>
         <p:style>
           <a:lnRef idx="2">
@@ -6549,16 +6474,93 @@
           </a:p>
         </p:txBody>
       </p:sp>
+      <p:cxnSp>
+        <p:nvCxnSpPr>
+          <p:cNvPr id="42" name="Conector reto 41"/>
+          <p:cNvCxnSpPr/>
+          <p:nvPr/>
+        </p:nvCxnSpPr>
+        <p:spPr>
+          <a:xfrm>
+            <a:off x="1029590" y="1749113"/>
+            <a:ext cx="18160" cy="4999350"/>
+          </a:xfrm>
+          <a:prstGeom prst="line">
+            <a:avLst/>
+          </a:prstGeom>
+          <a:ln>
+            <a:solidFill>
+              <a:schemeClr val="tx1"/>
+            </a:solidFill>
+          </a:ln>
+        </p:spPr>
+        <p:style>
+          <a:lnRef idx="1">
+            <a:schemeClr val="accent1"/>
+          </a:lnRef>
+          <a:fillRef idx="0">
+            <a:schemeClr val="accent1"/>
+          </a:fillRef>
+          <a:effectRef idx="0">
+            <a:schemeClr val="accent1"/>
+          </a:effectRef>
+          <a:fontRef idx="minor">
+            <a:schemeClr val="tx1"/>
+          </a:fontRef>
+        </p:style>
+      </p:cxnSp>
+      <p:cxnSp>
+        <p:nvCxnSpPr>
+          <p:cNvPr id="57" name="Conector reto 56"/>
+          <p:cNvCxnSpPr/>
+          <p:nvPr/>
+        </p:nvCxnSpPr>
+        <p:spPr>
+          <a:xfrm>
+            <a:off x="101600" y="1752923"/>
+            <a:ext cx="11988800" cy="0"/>
+          </a:xfrm>
+          <a:prstGeom prst="line">
+            <a:avLst/>
+          </a:prstGeom>
+          <a:ln>
+            <a:solidFill>
+              <a:schemeClr val="tx1"/>
+            </a:solidFill>
+          </a:ln>
+        </p:spPr>
+        <p:style>
+          <a:lnRef idx="1">
+            <a:schemeClr val="accent1"/>
+          </a:lnRef>
+          <a:fillRef idx="0">
+            <a:schemeClr val="accent1"/>
+          </a:fillRef>
+          <a:effectRef idx="0">
+            <a:schemeClr val="accent1"/>
+          </a:effectRef>
+          <a:fontRef idx="minor">
+            <a:schemeClr val="tx1"/>
+          </a:fontRef>
+        </p:style>
+      </p:cxnSp>
     </p:spTree>
     <p:extLst>
       <p:ext uri="{BB962C8B-B14F-4D97-AF65-F5344CB8AC3E}">
-        <p14:creationId xmlns:p14="http://schemas.microsoft.com/office/powerpoint/2010/main" val="1134812927"/>
+        <p14:creationId xmlns:p14="http://schemas.microsoft.com/office/powerpoint/2010/main" val="1518395821"/>
       </p:ext>
     </p:extLst>
   </p:cSld>
   <p:clrMapOvr>
     <a:masterClrMapping/>
   </p:clrMapOvr>
+  <p:timing>
+    <p:tnLst>
+      <p:par>
+        <p:cTn id="1" dur="indefinite" restart="never" nodeType="tmRoot"/>
+      </p:par>
+    </p:tnLst>
+  </p:timing>
 </p:sld>
 </file>
 
@@ -7643,52 +7645,6 @@
           </p:grpSp>
         </p:grpSp>
       </p:grpSp>
-      <p:sp>
-        <p:nvSpPr>
-          <p:cNvPr id="33" name="Retângulo 32"/>
-          <p:cNvSpPr/>
-          <p:nvPr/>
-        </p:nvSpPr>
-        <p:spPr>
-          <a:xfrm>
-            <a:off x="101600" y="685159"/>
-            <a:ext cx="11988800" cy="1433201"/>
-          </a:xfrm>
-          <a:prstGeom prst="rect">
-            <a:avLst/>
-          </a:prstGeom>
-          <a:noFill/>
-          <a:ln>
-            <a:solidFill>
-              <a:schemeClr val="tx1"/>
-            </a:solidFill>
-          </a:ln>
-        </p:spPr>
-        <p:style>
-          <a:lnRef idx="2">
-            <a:schemeClr val="accent1">
-              <a:shade val="50000"/>
-            </a:schemeClr>
-          </a:lnRef>
-          <a:fillRef idx="1">
-            <a:schemeClr val="accent1"/>
-          </a:fillRef>
-          <a:effectRef idx="0">
-            <a:schemeClr val="accent1"/>
-          </a:effectRef>
-          <a:fontRef idx="minor">
-            <a:schemeClr val="lt1"/>
-          </a:fontRef>
-        </p:style>
-        <p:txBody>
-          <a:bodyPr rtlCol="0" anchor="ctr"/>
-          <a:lstStyle/>
-          <a:p>
-            <a:pPr algn="ctr"/>
-            <a:endParaRPr lang="pt-BR"/>
-          </a:p>
-        </p:txBody>
-      </p:sp>
       <p:pic>
         <p:nvPicPr>
           <p:cNvPr id="34" name="Imagem 33"/>
@@ -7705,7 +7661,7 @@
         </p:blipFill>
         <p:spPr>
           <a:xfrm>
-            <a:off x="206164" y="758648"/>
+            <a:off x="140519" y="712173"/>
             <a:ext cx="361950" cy="780874"/>
           </a:xfrm>
           <a:prstGeom prst="rect">
@@ -7725,7 +7681,7 @@
         </p:nvSpPr>
         <p:spPr>
           <a:xfrm>
-            <a:off x="37680" y="1539522"/>
+            <a:off x="8686" y="1425948"/>
             <a:ext cx="1060868" cy="323165"/>
           </a:xfrm>
           <a:prstGeom prst="rect">
@@ -7780,7 +7736,7 @@
         </p:blipFill>
         <p:spPr bwMode="auto">
           <a:xfrm>
-            <a:off x="1351280" y="1149084"/>
+            <a:off x="1249421" y="825038"/>
             <a:ext cx="401320" cy="438943"/>
           </a:xfrm>
           <a:prstGeom prst="rect">
@@ -7806,13 +7762,18 @@
         </p:nvSpPr>
         <p:spPr>
           <a:xfrm>
-            <a:off x="1133474" y="1048403"/>
+            <a:off x="1031615" y="724357"/>
             <a:ext cx="836932" cy="706711"/>
           </a:xfrm>
           <a:prstGeom prst="ellipse">
             <a:avLst/>
           </a:prstGeom>
           <a:noFill/>
+          <a:ln>
+            <a:solidFill>
+              <a:schemeClr val="tx1"/>
+            </a:solidFill>
+          </a:ln>
         </p:spPr>
         <p:style>
           <a:lnRef idx="2">
@@ -7851,7 +7812,7 @@
         </p:nvSpPr>
         <p:spPr>
           <a:xfrm>
-            <a:off x="2059318" y="1030502"/>
+            <a:off x="1868547" y="735241"/>
             <a:ext cx="4036682" cy="292388"/>
           </a:xfrm>
           <a:prstGeom prst="rect">
@@ -7943,7 +7904,7 @@
         </p:nvSpPr>
         <p:spPr>
           <a:xfrm>
-            <a:off x="2034326" y="1373056"/>
+            <a:off x="1868547" y="1022075"/>
             <a:ext cx="2960490" cy="292388"/>
           </a:xfrm>
           <a:prstGeom prst="rect">
@@ -8035,7 +7996,7 @@
         </p:nvSpPr>
         <p:spPr>
           <a:xfrm>
-            <a:off x="5354952" y="1423041"/>
+            <a:off x="4829037" y="1022075"/>
             <a:ext cx="2070695" cy="292388"/>
           </a:xfrm>
           <a:prstGeom prst="rect">
@@ -8105,7 +8066,7 @@
         </p:nvSpPr>
         <p:spPr>
           <a:xfrm>
-            <a:off x="6327023" y="1050345"/>
+            <a:off x="5905229" y="741525"/>
             <a:ext cx="1681871" cy="292388"/>
           </a:xfrm>
           <a:prstGeom prst="rect">
@@ -8156,7 +8117,7 @@
         </p:nvSpPr>
         <p:spPr>
           <a:xfrm>
-            <a:off x="8443336" y="1001432"/>
+            <a:off x="7587100" y="735241"/>
             <a:ext cx="1749197" cy="292388"/>
           </a:xfrm>
           <a:prstGeom prst="rect">
@@ -8226,7 +8187,7 @@
         </p:nvSpPr>
         <p:spPr>
           <a:xfrm>
-            <a:off x="7738397" y="1462726"/>
+            <a:off x="6899732" y="1044509"/>
             <a:ext cx="1942070" cy="292388"/>
           </a:xfrm>
           <a:prstGeom prst="rect">
@@ -8278,59 +8239,13 @@
       </p:sp>
       <p:sp>
         <p:nvSpPr>
-          <p:cNvPr id="45" name="Retângulo 44"/>
-          <p:cNvSpPr/>
-          <p:nvPr/>
-        </p:nvSpPr>
-        <p:spPr>
-          <a:xfrm>
-            <a:off x="101600" y="2118360"/>
-            <a:ext cx="873760" cy="4633600"/>
-          </a:xfrm>
-          <a:prstGeom prst="rect">
-            <a:avLst/>
-          </a:prstGeom>
-          <a:noFill/>
-          <a:ln>
-            <a:solidFill>
-              <a:schemeClr val="tx1"/>
-            </a:solidFill>
-          </a:ln>
-        </p:spPr>
-        <p:style>
-          <a:lnRef idx="2">
-            <a:schemeClr val="accent1">
-              <a:shade val="50000"/>
-            </a:schemeClr>
-          </a:lnRef>
-          <a:fillRef idx="1">
-            <a:schemeClr val="accent1"/>
-          </a:fillRef>
-          <a:effectRef idx="0">
-            <a:schemeClr val="accent1"/>
-          </a:effectRef>
-          <a:fontRef idx="minor">
-            <a:schemeClr val="lt1"/>
-          </a:fontRef>
-        </p:style>
-        <p:txBody>
-          <a:bodyPr rtlCol="0" anchor="ctr"/>
-          <a:lstStyle/>
-          <a:p>
-            <a:pPr algn="ctr"/>
-            <a:endParaRPr lang="pt-BR"/>
-          </a:p>
-        </p:txBody>
-      </p:sp>
-      <p:sp>
-        <p:nvSpPr>
           <p:cNvPr id="46" name="Elipse 45"/>
           <p:cNvSpPr/>
           <p:nvPr/>
         </p:nvSpPr>
         <p:spPr>
           <a:xfrm>
-            <a:off x="150919" y="2460619"/>
+            <a:off x="170074" y="2856854"/>
             <a:ext cx="769196" cy="685800"/>
           </a:xfrm>
           <a:prstGeom prst="ellipse">
@@ -8376,7 +8291,7 @@
         </p:nvSpPr>
         <p:spPr>
           <a:xfrm>
-            <a:off x="137795" y="3351378"/>
+            <a:off x="147109" y="3577112"/>
             <a:ext cx="769196" cy="685800"/>
           </a:xfrm>
           <a:prstGeom prst="ellipse">
@@ -8422,7 +8337,7 @@
         </p:nvSpPr>
         <p:spPr>
           <a:xfrm>
-            <a:off x="137795" y="4292851"/>
+            <a:off x="145206" y="4295194"/>
             <a:ext cx="769196" cy="685800"/>
           </a:xfrm>
           <a:prstGeom prst="ellipse">
@@ -8469,7 +8384,7 @@
           <p:nvPr/>
         </p:nvPicPr>
         <p:blipFill>
-          <a:blip r:embed="rId19">
+          <a:blip r:embed="rId19" cstate="hqprint">
             <a:extLst>
               <a:ext uri="{28A0092B-C50C-407E-A947-70E740481C1C}">
                 <a14:useLocalDpi xmlns:a14="http://schemas.microsoft.com/office/drawing/2010/main" val="0"/>
@@ -8482,7 +8397,7 @@
         </p:blipFill>
         <p:spPr>
           <a:xfrm>
-            <a:off x="284855" y="3416872"/>
+            <a:off x="281259" y="3635643"/>
             <a:ext cx="533400" cy="533400"/>
           </a:xfrm>
           <a:prstGeom prst="rect">
@@ -8499,7 +8414,7 @@
           <p:nvPr/>
         </p:nvPicPr>
         <p:blipFill>
-          <a:blip r:embed="rId20">
+          <a:blip r:embed="rId20" cstate="hqprint">
             <a:extLst>
               <a:ext uri="{28A0092B-C50C-407E-A947-70E740481C1C}">
                 <a14:useLocalDpi xmlns:a14="http://schemas.microsoft.com/office/drawing/2010/main" val="0"/>
@@ -8512,7 +8427,7 @@
         </p:blipFill>
         <p:spPr>
           <a:xfrm>
-            <a:off x="253427" y="2517045"/>
+            <a:off x="246182" y="2924015"/>
             <a:ext cx="629374" cy="629374"/>
           </a:xfrm>
           <a:prstGeom prst="rect">
@@ -8529,7 +8444,7 @@
           <p:nvPr/>
         </p:nvPicPr>
         <p:blipFill>
-          <a:blip r:embed="rId21">
+          <a:blip r:embed="rId21" cstate="hqprint">
             <a:extLst>
               <a:ext uri="{28A0092B-C50C-407E-A947-70E740481C1C}">
                 <a14:useLocalDpi xmlns:a14="http://schemas.microsoft.com/office/drawing/2010/main" val="0"/>
@@ -8542,7 +8457,7 @@
         </p:blipFill>
         <p:spPr>
           <a:xfrm>
-            <a:off x="261127" y="4353096"/>
+            <a:off x="235526" y="4353094"/>
             <a:ext cx="564669" cy="564669"/>
           </a:xfrm>
           <a:prstGeom prst="rect">
@@ -8558,7 +8473,7 @@
         </p:nvSpPr>
         <p:spPr>
           <a:xfrm rot="16200000">
-            <a:off x="881744" y="4583263"/>
+            <a:off x="919424" y="4583263"/>
             <a:ext cx="120277" cy="104333"/>
           </a:xfrm>
           <a:prstGeom prst="triangle">
@@ -8567,47 +8482,6 @@
           <a:solidFill>
             <a:schemeClr val="tx1"/>
           </a:solidFill>
-        </p:spPr>
-        <p:style>
-          <a:lnRef idx="2">
-            <a:schemeClr val="accent1">
-              <a:shade val="50000"/>
-            </a:schemeClr>
-          </a:lnRef>
-          <a:fillRef idx="1">
-            <a:schemeClr val="accent1"/>
-          </a:fillRef>
-          <a:effectRef idx="0">
-            <a:schemeClr val="accent1"/>
-          </a:effectRef>
-          <a:fontRef idx="minor">
-            <a:schemeClr val="lt1"/>
-          </a:fontRef>
-        </p:style>
-        <p:txBody>
-          <a:bodyPr rtlCol="0" anchor="ctr"/>
-          <a:lstStyle/>
-          <a:p>
-            <a:pPr algn="ctr"/>
-            <a:endParaRPr lang="pt-BR"/>
-          </a:p>
-        </p:txBody>
-      </p:sp>
-      <p:sp>
-        <p:nvSpPr>
-          <p:cNvPr id="32" name="Retângulo 31"/>
-          <p:cNvSpPr/>
-          <p:nvPr/>
-        </p:nvSpPr>
-        <p:spPr>
-          <a:xfrm>
-            <a:off x="984036" y="2118358"/>
-            <a:ext cx="633372" cy="4633602"/>
-          </a:xfrm>
-          <a:prstGeom prst="rect">
-            <a:avLst/>
-          </a:prstGeom>
-          <a:noFill/>
           <a:ln>
             <a:solidFill>
               <a:schemeClr val="tx1"/>
@@ -8639,15 +8513,85 @@
           </a:p>
         </p:txBody>
       </p:sp>
+      <p:cxnSp>
+        <p:nvCxnSpPr>
+          <p:cNvPr id="42" name="Conector reto 41"/>
+          <p:cNvCxnSpPr/>
+          <p:nvPr/>
+        </p:nvCxnSpPr>
+        <p:spPr>
+          <a:xfrm>
+            <a:off x="1029590" y="1749113"/>
+            <a:ext cx="18160" cy="4999350"/>
+          </a:xfrm>
+          <a:prstGeom prst="line">
+            <a:avLst/>
+          </a:prstGeom>
+          <a:ln>
+            <a:solidFill>
+              <a:schemeClr val="tx1"/>
+            </a:solidFill>
+          </a:ln>
+        </p:spPr>
+        <p:style>
+          <a:lnRef idx="1">
+            <a:schemeClr val="accent1"/>
+          </a:lnRef>
+          <a:fillRef idx="0">
+            <a:schemeClr val="accent1"/>
+          </a:fillRef>
+          <a:effectRef idx="0">
+            <a:schemeClr val="accent1"/>
+          </a:effectRef>
+          <a:fontRef idx="minor">
+            <a:schemeClr val="tx1"/>
+          </a:fontRef>
+        </p:style>
+      </p:cxnSp>
+      <p:cxnSp>
+        <p:nvCxnSpPr>
+          <p:cNvPr id="57" name="Conector reto 56"/>
+          <p:cNvCxnSpPr/>
+          <p:nvPr/>
+        </p:nvCxnSpPr>
+        <p:spPr>
+          <a:xfrm>
+            <a:off x="101600" y="1752923"/>
+            <a:ext cx="11988800" cy="0"/>
+          </a:xfrm>
+          <a:prstGeom prst="line">
+            <a:avLst/>
+          </a:prstGeom>
+          <a:ln>
+            <a:solidFill>
+              <a:schemeClr val="tx1"/>
+            </a:solidFill>
+          </a:ln>
+        </p:spPr>
+        <p:style>
+          <a:lnRef idx="1">
+            <a:schemeClr val="accent1"/>
+          </a:lnRef>
+          <a:fillRef idx="0">
+            <a:schemeClr val="accent1"/>
+          </a:fillRef>
+          <a:effectRef idx="0">
+            <a:schemeClr val="accent1"/>
+          </a:effectRef>
+          <a:fontRef idx="minor">
+            <a:schemeClr val="tx1"/>
+          </a:fontRef>
+        </p:style>
+      </p:cxnSp>
       <p:sp>
         <p:nvSpPr>
-          <p:cNvPr id="42" name="Elipse 41"/>
+          <p:cNvPr id="51" name="Elipse 50"/>
           <p:cNvSpPr/>
           <p:nvPr/>
         </p:nvSpPr>
         <p:spPr>
           <a:xfrm>
-            <a:off x="1028309" y="3751084"/>
+            <a:off x="1078514" y="3429000"/>
             <a:ext cx="540447" cy="544156"/>
           </a:xfrm>
           <a:prstGeom prst="ellipse">
@@ -8693,7 +8637,7 @@
         </p:nvSpPr>
         <p:spPr>
           <a:xfrm>
-            <a:off x="1024197" y="4353096"/>
+            <a:off x="1074402" y="4031012"/>
             <a:ext cx="540447" cy="544156"/>
           </a:xfrm>
           <a:prstGeom prst="ellipse">
@@ -8731,15 +8675,110 @@
           </a:p>
         </p:txBody>
       </p:sp>
+      <p:pic>
+        <p:nvPicPr>
+          <p:cNvPr id="53" name="Imagem 52" descr="Uma imagem contendo coisa&#10;&#10;Descrição gerada com alta confiança"/>
+          <p:cNvPicPr>
+            <a:picLocks noChangeAspect="1"/>
+          </p:cNvPicPr>
+          <p:nvPr/>
+        </p:nvPicPr>
+        <p:blipFill>
+          <a:blip r:embed="rId22" cstate="hqprint">
+            <a:extLst>
+              <a:ext uri="{28A0092B-C50C-407E-A947-70E740481C1C}">
+                <a14:useLocalDpi xmlns:a14="http://schemas.microsoft.com/office/drawing/2010/main" val="0"/>
+              </a:ext>
+            </a:extLst>
+          </a:blip>
+          <a:stretch>
+            <a:fillRect/>
+          </a:stretch>
+        </p:blipFill>
+        <p:spPr>
+          <a:xfrm>
+            <a:off x="1164484" y="4123510"/>
+            <a:ext cx="369286" cy="369286"/>
+          </a:xfrm>
+          <a:prstGeom prst="rect">
+            <a:avLst/>
+          </a:prstGeom>
+        </p:spPr>
+      </p:pic>
+      <p:pic>
+        <p:nvPicPr>
+          <p:cNvPr id="55" name="Imagem 54"/>
+          <p:cNvPicPr>
+            <a:picLocks noChangeAspect="1"/>
+          </p:cNvPicPr>
+          <p:nvPr/>
+        </p:nvPicPr>
+        <p:blipFill>
+          <a:blip r:embed="rId23" cstate="hqprint">
+            <a:extLst>
+              <a:ext uri="{28A0092B-C50C-407E-A947-70E740481C1C}">
+                <a14:useLocalDpi xmlns:a14="http://schemas.microsoft.com/office/drawing/2010/main" val="0"/>
+              </a:ext>
+            </a:extLst>
+          </a:blip>
+          <a:stretch>
+            <a:fillRect/>
+          </a:stretch>
+        </p:blipFill>
+        <p:spPr>
+          <a:xfrm>
+            <a:off x="1234350" y="3586327"/>
+            <a:ext cx="228692" cy="228692"/>
+          </a:xfrm>
+          <a:prstGeom prst="rect">
+            <a:avLst/>
+          </a:prstGeom>
+        </p:spPr>
+      </p:pic>
+      <p:cxnSp>
+        <p:nvCxnSpPr>
+          <p:cNvPr id="56" name="Conector reto 55"/>
+          <p:cNvCxnSpPr/>
+          <p:nvPr/>
+        </p:nvCxnSpPr>
+        <p:spPr>
+          <a:xfrm>
+            <a:off x="1728185" y="1749113"/>
+            <a:ext cx="18160" cy="4999350"/>
+          </a:xfrm>
+          <a:prstGeom prst="line">
+            <a:avLst/>
+          </a:prstGeom>
+          <a:ln>
+            <a:solidFill>
+              <a:schemeClr val="tx1"/>
+            </a:solidFill>
+          </a:ln>
+        </p:spPr>
+        <p:style>
+          <a:lnRef idx="1">
+            <a:schemeClr val="accent1"/>
+          </a:lnRef>
+          <a:fillRef idx="0">
+            <a:schemeClr val="accent1"/>
+          </a:fillRef>
+          <a:effectRef idx="0">
+            <a:schemeClr val="accent1"/>
+          </a:effectRef>
+          <a:fontRef idx="minor">
+            <a:schemeClr val="tx1"/>
+          </a:fontRef>
+        </p:style>
+      </p:cxnSp>
       <p:sp>
         <p:nvSpPr>
-          <p:cNvPr id="53" name="Triângulo isósceles 52"/>
+          <p:cNvPr id="59" name="Triângulo isósceles 58"/>
           <p:cNvSpPr/>
           <p:nvPr/>
         </p:nvSpPr>
         <p:spPr>
           <a:xfrm rot="16200000">
-            <a:off x="1513508" y="4606317"/>
+            <a:off x="1621590" y="4256760"/>
             <a:ext cx="120277" cy="104333"/>
           </a:xfrm>
           <a:prstGeom prst="triangle">
@@ -8748,6 +8787,11 @@
           <a:solidFill>
             <a:schemeClr val="tx1"/>
           </a:solidFill>
+          <a:ln>
+            <a:solidFill>
+              <a:schemeClr val="tx1"/>
+            </a:solidFill>
+          </a:ln>
         </p:spPr>
         <p:style>
           <a:lnRef idx="2">
@@ -8774,76 +8818,23 @@
           </a:p>
         </p:txBody>
       </p:sp>
-      <p:pic>
-        <p:nvPicPr>
-          <p:cNvPr id="51" name="Imagem 50" descr="Uma imagem contendo coisa&#10;&#10;Descrição gerada com alta confiança"/>
-          <p:cNvPicPr>
-            <a:picLocks noChangeAspect="1"/>
-          </p:cNvPicPr>
-          <p:nvPr/>
-        </p:nvPicPr>
-        <p:blipFill>
-          <a:blip r:embed="rId22">
-            <a:extLst>
-              <a:ext uri="{28A0092B-C50C-407E-A947-70E740481C1C}">
-                <a14:useLocalDpi xmlns:a14="http://schemas.microsoft.com/office/drawing/2010/main" val="0"/>
-              </a:ext>
-            </a:extLst>
-          </a:blip>
-          <a:stretch>
-            <a:fillRect/>
-          </a:stretch>
-        </p:blipFill>
-        <p:spPr>
-          <a:xfrm>
-            <a:off x="1114279" y="4445594"/>
-            <a:ext cx="369286" cy="369286"/>
-          </a:xfrm>
-          <a:prstGeom prst="rect">
-            <a:avLst/>
-          </a:prstGeom>
-        </p:spPr>
-      </p:pic>
-      <p:pic>
-        <p:nvPicPr>
-          <p:cNvPr id="56" name="Imagem 55"/>
-          <p:cNvPicPr>
-            <a:picLocks noChangeAspect="1"/>
-          </p:cNvPicPr>
-          <p:nvPr/>
-        </p:nvPicPr>
-        <p:blipFill>
-          <a:blip r:embed="rId23">
-            <a:extLst>
-              <a:ext uri="{28A0092B-C50C-407E-A947-70E740481C1C}">
-                <a14:useLocalDpi xmlns:a14="http://schemas.microsoft.com/office/drawing/2010/main" val="0"/>
-              </a:ext>
-            </a:extLst>
-          </a:blip>
-          <a:stretch>
-            <a:fillRect/>
-          </a:stretch>
-        </p:blipFill>
-        <p:spPr>
-          <a:xfrm>
-            <a:off x="1184145" y="3908411"/>
-            <a:ext cx="228692" cy="228692"/>
-          </a:xfrm>
-          <a:prstGeom prst="rect">
-            <a:avLst/>
-          </a:prstGeom>
-        </p:spPr>
-      </p:pic>
     </p:spTree>
     <p:extLst>
       <p:ext uri="{BB962C8B-B14F-4D97-AF65-F5344CB8AC3E}">
-        <p14:creationId xmlns:p14="http://schemas.microsoft.com/office/powerpoint/2010/main" val="2418445746"/>
+        <p14:creationId xmlns:p14="http://schemas.microsoft.com/office/powerpoint/2010/main" val="417192569"/>
       </p:ext>
     </p:extLst>
   </p:cSld>
   <p:clrMapOvr>
     <a:masterClrMapping/>
   </p:clrMapOvr>
+  <p:timing>
+    <p:tnLst>
+      <p:par>
+        <p:cTn id="1" dur="indefinite" restart="never" nodeType="tmRoot"/>
+      </p:par>
+    </p:tnLst>
+  </p:timing>
 </p:sld>
 </file>
 
@@ -9928,52 +9919,6 @@
           </p:grpSp>
         </p:grpSp>
       </p:grpSp>
-      <p:sp>
-        <p:nvSpPr>
-          <p:cNvPr id="33" name="Retângulo 32"/>
-          <p:cNvSpPr/>
-          <p:nvPr/>
-        </p:nvSpPr>
-        <p:spPr>
-          <a:xfrm>
-            <a:off x="101600" y="685159"/>
-            <a:ext cx="11988800" cy="1433201"/>
-          </a:xfrm>
-          <a:prstGeom prst="rect">
-            <a:avLst/>
-          </a:prstGeom>
-          <a:noFill/>
-          <a:ln>
-            <a:solidFill>
-              <a:schemeClr val="tx1"/>
-            </a:solidFill>
-          </a:ln>
-        </p:spPr>
-        <p:style>
-          <a:lnRef idx="2">
-            <a:schemeClr val="accent1">
-              <a:shade val="50000"/>
-            </a:schemeClr>
-          </a:lnRef>
-          <a:fillRef idx="1">
-            <a:schemeClr val="accent1"/>
-          </a:fillRef>
-          <a:effectRef idx="0">
-            <a:schemeClr val="accent1"/>
-          </a:effectRef>
-          <a:fontRef idx="minor">
-            <a:schemeClr val="lt1"/>
-          </a:fontRef>
-        </p:style>
-        <p:txBody>
-          <a:bodyPr rtlCol="0" anchor="ctr"/>
-          <a:lstStyle/>
-          <a:p>
-            <a:pPr algn="ctr"/>
-            <a:endParaRPr lang="pt-BR"/>
-          </a:p>
-        </p:txBody>
-      </p:sp>
       <p:pic>
         <p:nvPicPr>
           <p:cNvPr id="34" name="Imagem 33"/>
@@ -9990,7 +9935,7 @@
         </p:blipFill>
         <p:spPr>
           <a:xfrm>
-            <a:off x="206164" y="758648"/>
+            <a:off x="140519" y="712173"/>
             <a:ext cx="361950" cy="780874"/>
           </a:xfrm>
           <a:prstGeom prst="rect">
@@ -10010,7 +9955,7 @@
         </p:nvSpPr>
         <p:spPr>
           <a:xfrm>
-            <a:off x="37680" y="1539522"/>
+            <a:off x="8686" y="1425948"/>
             <a:ext cx="1060868" cy="323165"/>
           </a:xfrm>
           <a:prstGeom prst="rect">
@@ -10065,7 +10010,7 @@
         </p:blipFill>
         <p:spPr bwMode="auto">
           <a:xfrm>
-            <a:off x="1351280" y="1149084"/>
+            <a:off x="1249421" y="825038"/>
             <a:ext cx="401320" cy="438943"/>
           </a:xfrm>
           <a:prstGeom prst="rect">
@@ -10091,13 +10036,18 @@
         </p:nvSpPr>
         <p:spPr>
           <a:xfrm>
-            <a:off x="1133474" y="1048403"/>
+            <a:off x="1031615" y="724357"/>
             <a:ext cx="836932" cy="706711"/>
           </a:xfrm>
           <a:prstGeom prst="ellipse">
             <a:avLst/>
           </a:prstGeom>
           <a:noFill/>
+          <a:ln>
+            <a:solidFill>
+              <a:schemeClr val="tx1"/>
+            </a:solidFill>
+          </a:ln>
         </p:spPr>
         <p:style>
           <a:lnRef idx="2">
@@ -10136,7 +10086,7 @@
         </p:nvSpPr>
         <p:spPr>
           <a:xfrm>
-            <a:off x="2059318" y="1030502"/>
+            <a:off x="1868547" y="735241"/>
             <a:ext cx="4036682" cy="292388"/>
           </a:xfrm>
           <a:prstGeom prst="rect">
@@ -10228,7 +10178,7 @@
         </p:nvSpPr>
         <p:spPr>
           <a:xfrm>
-            <a:off x="2034326" y="1373056"/>
+            <a:off x="1868547" y="1022075"/>
             <a:ext cx="2960490" cy="292388"/>
           </a:xfrm>
           <a:prstGeom prst="rect">
@@ -10320,7 +10270,7 @@
         </p:nvSpPr>
         <p:spPr>
           <a:xfrm>
-            <a:off x="5354952" y="1423041"/>
+            <a:off x="4829037" y="1022075"/>
             <a:ext cx="2070695" cy="292388"/>
           </a:xfrm>
           <a:prstGeom prst="rect">
@@ -10390,7 +10340,7 @@
         </p:nvSpPr>
         <p:spPr>
           <a:xfrm>
-            <a:off x="6327023" y="1050345"/>
+            <a:off x="5905229" y="741525"/>
             <a:ext cx="1681871" cy="292388"/>
           </a:xfrm>
           <a:prstGeom prst="rect">
@@ -10441,7 +10391,7 @@
         </p:nvSpPr>
         <p:spPr>
           <a:xfrm>
-            <a:off x="8443336" y="1001432"/>
+            <a:off x="7587100" y="735241"/>
             <a:ext cx="1749197" cy="292388"/>
           </a:xfrm>
           <a:prstGeom prst="rect">
@@ -10511,7 +10461,7 @@
         </p:nvSpPr>
         <p:spPr>
           <a:xfrm>
-            <a:off x="7738397" y="1462726"/>
+            <a:off x="6899732" y="1044509"/>
             <a:ext cx="1942070" cy="292388"/>
           </a:xfrm>
           <a:prstGeom prst="rect">
@@ -10563,59 +10513,13 @@
       </p:sp>
       <p:sp>
         <p:nvSpPr>
-          <p:cNvPr id="45" name="Retângulo 44"/>
-          <p:cNvSpPr/>
-          <p:nvPr/>
-        </p:nvSpPr>
-        <p:spPr>
-          <a:xfrm>
-            <a:off x="101600" y="2118360"/>
-            <a:ext cx="873760" cy="4633600"/>
-          </a:xfrm>
-          <a:prstGeom prst="rect">
-            <a:avLst/>
-          </a:prstGeom>
-          <a:noFill/>
-          <a:ln>
-            <a:solidFill>
-              <a:schemeClr val="tx1"/>
-            </a:solidFill>
-          </a:ln>
-        </p:spPr>
-        <p:style>
-          <a:lnRef idx="2">
-            <a:schemeClr val="accent1">
-              <a:shade val="50000"/>
-            </a:schemeClr>
-          </a:lnRef>
-          <a:fillRef idx="1">
-            <a:schemeClr val="accent1"/>
-          </a:fillRef>
-          <a:effectRef idx="0">
-            <a:schemeClr val="accent1"/>
-          </a:effectRef>
-          <a:fontRef idx="minor">
-            <a:schemeClr val="lt1"/>
-          </a:fontRef>
-        </p:style>
-        <p:txBody>
-          <a:bodyPr rtlCol="0" anchor="ctr"/>
-          <a:lstStyle/>
-          <a:p>
-            <a:pPr algn="ctr"/>
-            <a:endParaRPr lang="pt-BR"/>
-          </a:p>
-        </p:txBody>
-      </p:sp>
-      <p:sp>
-        <p:nvSpPr>
           <p:cNvPr id="46" name="Elipse 45"/>
           <p:cNvSpPr/>
           <p:nvPr/>
         </p:nvSpPr>
         <p:spPr>
           <a:xfrm>
-            <a:off x="150919" y="2460619"/>
+            <a:off x="170074" y="2856854"/>
             <a:ext cx="769196" cy="685800"/>
           </a:xfrm>
           <a:prstGeom prst="ellipse">
@@ -10661,7 +10565,7 @@
         </p:nvSpPr>
         <p:spPr>
           <a:xfrm>
-            <a:off x="137795" y="3351378"/>
+            <a:off x="147109" y="3577112"/>
             <a:ext cx="769196" cy="685800"/>
           </a:xfrm>
           <a:prstGeom prst="ellipse">
@@ -10707,7 +10611,7 @@
         </p:nvSpPr>
         <p:spPr>
           <a:xfrm>
-            <a:off x="137795" y="4292851"/>
+            <a:off x="145206" y="4295194"/>
             <a:ext cx="769196" cy="685800"/>
           </a:xfrm>
           <a:prstGeom prst="ellipse">
@@ -10754,7 +10658,7 @@
           <p:nvPr/>
         </p:nvPicPr>
         <p:blipFill>
-          <a:blip r:embed="rId25">
+          <a:blip r:embed="rId25" cstate="hqprint">
             <a:extLst>
               <a:ext uri="{28A0092B-C50C-407E-A947-70E740481C1C}">
                 <a14:useLocalDpi xmlns:a14="http://schemas.microsoft.com/office/drawing/2010/main" val="0"/>
@@ -10767,7 +10671,7 @@
         </p:blipFill>
         <p:spPr>
           <a:xfrm>
-            <a:off x="284855" y="3416872"/>
+            <a:off x="281259" y="3635643"/>
             <a:ext cx="533400" cy="533400"/>
           </a:xfrm>
           <a:prstGeom prst="rect">
@@ -10784,7 +10688,7 @@
           <p:nvPr/>
         </p:nvPicPr>
         <p:blipFill>
-          <a:blip r:embed="rId26">
+          <a:blip r:embed="rId26" cstate="hqprint">
             <a:extLst>
               <a:ext uri="{28A0092B-C50C-407E-A947-70E740481C1C}">
                 <a14:useLocalDpi xmlns:a14="http://schemas.microsoft.com/office/drawing/2010/main" val="0"/>
@@ -10797,7 +10701,7 @@
         </p:blipFill>
         <p:spPr>
           <a:xfrm>
-            <a:off x="253427" y="2517045"/>
+            <a:off x="246182" y="2924015"/>
             <a:ext cx="629374" cy="629374"/>
           </a:xfrm>
           <a:prstGeom prst="rect">
@@ -10814,7 +10718,7 @@
           <p:nvPr/>
         </p:nvPicPr>
         <p:blipFill>
-          <a:blip r:embed="rId27">
+          <a:blip r:embed="rId27" cstate="hqprint">
             <a:extLst>
               <a:ext uri="{28A0092B-C50C-407E-A947-70E740481C1C}">
                 <a14:useLocalDpi xmlns:a14="http://schemas.microsoft.com/office/drawing/2010/main" val="0"/>
@@ -10827,7 +10731,7 @@
         </p:blipFill>
         <p:spPr>
           <a:xfrm>
-            <a:off x="261127" y="4353096"/>
+            <a:off x="235526" y="4353094"/>
             <a:ext cx="564669" cy="564669"/>
           </a:xfrm>
           <a:prstGeom prst="rect">
@@ -10843,7 +10747,7 @@
         </p:nvSpPr>
         <p:spPr>
           <a:xfrm rot="16200000">
-            <a:off x="881744" y="4583263"/>
+            <a:off x="919424" y="4583263"/>
             <a:ext cx="120277" cy="104333"/>
           </a:xfrm>
           <a:prstGeom prst="triangle">
@@ -10852,47 +10756,6 @@
           <a:solidFill>
             <a:schemeClr val="tx1"/>
           </a:solidFill>
-        </p:spPr>
-        <p:style>
-          <a:lnRef idx="2">
-            <a:schemeClr val="accent1">
-              <a:shade val="50000"/>
-            </a:schemeClr>
-          </a:lnRef>
-          <a:fillRef idx="1">
-            <a:schemeClr val="accent1"/>
-          </a:fillRef>
-          <a:effectRef idx="0">
-            <a:schemeClr val="accent1"/>
-          </a:effectRef>
-          <a:fontRef idx="minor">
-            <a:schemeClr val="lt1"/>
-          </a:fontRef>
-        </p:style>
-        <p:txBody>
-          <a:bodyPr rtlCol="0" anchor="ctr"/>
-          <a:lstStyle/>
-          <a:p>
-            <a:pPr algn="ctr"/>
-            <a:endParaRPr lang="pt-BR"/>
-          </a:p>
-        </p:txBody>
-      </p:sp>
-      <p:sp>
-        <p:nvSpPr>
-          <p:cNvPr id="32" name="Retângulo 31"/>
-          <p:cNvSpPr/>
-          <p:nvPr/>
-        </p:nvSpPr>
-        <p:spPr>
-          <a:xfrm>
-            <a:off x="984036" y="2118358"/>
-            <a:ext cx="633372" cy="4633602"/>
-          </a:xfrm>
-          <a:prstGeom prst="rect">
-            <a:avLst/>
-          </a:prstGeom>
-          <a:noFill/>
           <a:ln>
             <a:solidFill>
               <a:schemeClr val="tx1"/>
@@ -10924,15 +10787,85 @@
           </a:p>
         </p:txBody>
       </p:sp>
+      <p:cxnSp>
+        <p:nvCxnSpPr>
+          <p:cNvPr id="42" name="Conector reto 41"/>
+          <p:cNvCxnSpPr/>
+          <p:nvPr/>
+        </p:nvCxnSpPr>
+        <p:spPr>
+          <a:xfrm>
+            <a:off x="1029590" y="1749113"/>
+            <a:ext cx="18160" cy="4999350"/>
+          </a:xfrm>
+          <a:prstGeom prst="line">
+            <a:avLst/>
+          </a:prstGeom>
+          <a:ln>
+            <a:solidFill>
+              <a:schemeClr val="tx1"/>
+            </a:solidFill>
+          </a:ln>
+        </p:spPr>
+        <p:style>
+          <a:lnRef idx="1">
+            <a:schemeClr val="accent1"/>
+          </a:lnRef>
+          <a:fillRef idx="0">
+            <a:schemeClr val="accent1"/>
+          </a:fillRef>
+          <a:effectRef idx="0">
+            <a:schemeClr val="accent1"/>
+          </a:effectRef>
+          <a:fontRef idx="minor">
+            <a:schemeClr val="tx1"/>
+          </a:fontRef>
+        </p:style>
+      </p:cxnSp>
+      <p:cxnSp>
+        <p:nvCxnSpPr>
+          <p:cNvPr id="57" name="Conector reto 56"/>
+          <p:cNvCxnSpPr/>
+          <p:nvPr/>
+        </p:nvCxnSpPr>
+        <p:spPr>
+          <a:xfrm>
+            <a:off x="101600" y="1752923"/>
+            <a:ext cx="11988800" cy="0"/>
+          </a:xfrm>
+          <a:prstGeom prst="line">
+            <a:avLst/>
+          </a:prstGeom>
+          <a:ln>
+            <a:solidFill>
+              <a:schemeClr val="tx1"/>
+            </a:solidFill>
+          </a:ln>
+        </p:spPr>
+        <p:style>
+          <a:lnRef idx="1">
+            <a:schemeClr val="accent1"/>
+          </a:lnRef>
+          <a:fillRef idx="0">
+            <a:schemeClr val="accent1"/>
+          </a:fillRef>
+          <a:effectRef idx="0">
+            <a:schemeClr val="accent1"/>
+          </a:effectRef>
+          <a:fontRef idx="minor">
+            <a:schemeClr val="tx1"/>
+          </a:fontRef>
+        </p:style>
+      </p:cxnSp>
       <p:sp>
         <p:nvSpPr>
-          <p:cNvPr id="42" name="Elipse 41"/>
+          <p:cNvPr id="51" name="Elipse 50"/>
           <p:cNvSpPr/>
           <p:nvPr/>
         </p:nvSpPr>
         <p:spPr>
           <a:xfrm>
-            <a:off x="1028309" y="3751084"/>
+            <a:off x="1078514" y="3429000"/>
             <a:ext cx="540447" cy="544156"/>
           </a:xfrm>
           <a:prstGeom prst="ellipse">
@@ -10978,7 +10911,7 @@
         </p:nvSpPr>
         <p:spPr>
           <a:xfrm>
-            <a:off x="1024197" y="4353096"/>
+            <a:off x="1074402" y="4031012"/>
             <a:ext cx="540447" cy="544156"/>
           </a:xfrm>
           <a:prstGeom prst="ellipse">
@@ -11016,15 +10949,110 @@
           </a:p>
         </p:txBody>
       </p:sp>
+      <p:pic>
+        <p:nvPicPr>
+          <p:cNvPr id="53" name="Imagem 52" descr="Uma imagem contendo coisa&#10;&#10;Descrição gerada com alta confiança"/>
+          <p:cNvPicPr>
+            <a:picLocks noChangeAspect="1"/>
+          </p:cNvPicPr>
+          <p:nvPr/>
+        </p:nvPicPr>
+        <p:blipFill>
+          <a:blip r:embed="rId28" cstate="hqprint">
+            <a:extLst>
+              <a:ext uri="{28A0092B-C50C-407E-A947-70E740481C1C}">
+                <a14:useLocalDpi xmlns:a14="http://schemas.microsoft.com/office/drawing/2010/main" val="0"/>
+              </a:ext>
+            </a:extLst>
+          </a:blip>
+          <a:stretch>
+            <a:fillRect/>
+          </a:stretch>
+        </p:blipFill>
+        <p:spPr>
+          <a:xfrm>
+            <a:off x="1164484" y="4123510"/>
+            <a:ext cx="369286" cy="369286"/>
+          </a:xfrm>
+          <a:prstGeom prst="rect">
+            <a:avLst/>
+          </a:prstGeom>
+        </p:spPr>
+      </p:pic>
+      <p:pic>
+        <p:nvPicPr>
+          <p:cNvPr id="55" name="Imagem 54"/>
+          <p:cNvPicPr>
+            <a:picLocks noChangeAspect="1"/>
+          </p:cNvPicPr>
+          <p:nvPr/>
+        </p:nvPicPr>
+        <p:blipFill>
+          <a:blip r:embed="rId29" cstate="hqprint">
+            <a:extLst>
+              <a:ext uri="{28A0092B-C50C-407E-A947-70E740481C1C}">
+                <a14:useLocalDpi xmlns:a14="http://schemas.microsoft.com/office/drawing/2010/main" val="0"/>
+              </a:ext>
+            </a:extLst>
+          </a:blip>
+          <a:stretch>
+            <a:fillRect/>
+          </a:stretch>
+        </p:blipFill>
+        <p:spPr>
+          <a:xfrm>
+            <a:off x="1234350" y="3586327"/>
+            <a:ext cx="228692" cy="228692"/>
+          </a:xfrm>
+          <a:prstGeom prst="rect">
+            <a:avLst/>
+          </a:prstGeom>
+        </p:spPr>
+      </p:pic>
+      <p:cxnSp>
+        <p:nvCxnSpPr>
+          <p:cNvPr id="56" name="Conector reto 55"/>
+          <p:cNvCxnSpPr/>
+          <p:nvPr/>
+        </p:nvCxnSpPr>
+        <p:spPr>
+          <a:xfrm>
+            <a:off x="1728185" y="1749113"/>
+            <a:ext cx="18160" cy="4999350"/>
+          </a:xfrm>
+          <a:prstGeom prst="line">
+            <a:avLst/>
+          </a:prstGeom>
+          <a:ln>
+            <a:solidFill>
+              <a:schemeClr val="tx1"/>
+            </a:solidFill>
+          </a:ln>
+        </p:spPr>
+        <p:style>
+          <a:lnRef idx="1">
+            <a:schemeClr val="accent1"/>
+          </a:lnRef>
+          <a:fillRef idx="0">
+            <a:schemeClr val="accent1"/>
+          </a:fillRef>
+          <a:effectRef idx="0">
+            <a:schemeClr val="accent1"/>
+          </a:effectRef>
+          <a:fontRef idx="minor">
+            <a:schemeClr val="tx1"/>
+          </a:fontRef>
+        </p:style>
+      </p:cxnSp>
       <p:sp>
         <p:nvSpPr>
-          <p:cNvPr id="53" name="Triângulo isósceles 52"/>
+          <p:cNvPr id="59" name="Triângulo isósceles 58"/>
           <p:cNvSpPr/>
           <p:nvPr/>
         </p:nvSpPr>
         <p:spPr>
           <a:xfrm rot="16200000">
-            <a:off x="1525792" y="4583263"/>
+            <a:off x="1621615" y="4256760"/>
             <a:ext cx="120277" cy="104333"/>
           </a:xfrm>
           <a:prstGeom prst="triangle">
@@ -11033,6 +11061,11 @@
           <a:solidFill>
             <a:schemeClr val="tx1"/>
           </a:solidFill>
+          <a:ln>
+            <a:solidFill>
+              <a:schemeClr val="tx1"/>
+            </a:solidFill>
+          </a:ln>
         </p:spPr>
         <p:style>
           <a:lnRef idx="2">
@@ -11059,69 +11092,9 @@
           </a:p>
         </p:txBody>
       </p:sp>
-      <p:pic>
-        <p:nvPicPr>
-          <p:cNvPr id="51" name="Imagem 50" descr="Uma imagem contendo coisa&#10;&#10;Descrição gerada com alta confiança"/>
-          <p:cNvPicPr>
-            <a:picLocks noChangeAspect="1"/>
-          </p:cNvPicPr>
-          <p:nvPr/>
-        </p:nvPicPr>
-        <p:blipFill>
-          <a:blip r:embed="rId28">
-            <a:extLst>
-              <a:ext uri="{28A0092B-C50C-407E-A947-70E740481C1C}">
-                <a14:useLocalDpi xmlns:a14="http://schemas.microsoft.com/office/drawing/2010/main" val="0"/>
-              </a:ext>
-            </a:extLst>
-          </a:blip>
-          <a:stretch>
-            <a:fillRect/>
-          </a:stretch>
-        </p:blipFill>
-        <p:spPr>
-          <a:xfrm>
-            <a:off x="1114279" y="4445594"/>
-            <a:ext cx="369286" cy="369286"/>
-          </a:xfrm>
-          <a:prstGeom prst="rect">
-            <a:avLst/>
-          </a:prstGeom>
-        </p:spPr>
-      </p:pic>
-      <p:pic>
-        <p:nvPicPr>
-          <p:cNvPr id="56" name="Imagem 55"/>
-          <p:cNvPicPr>
-            <a:picLocks noChangeAspect="1"/>
-          </p:cNvPicPr>
-          <p:nvPr/>
-        </p:nvPicPr>
-        <p:blipFill>
-          <a:blip r:embed="rId29">
-            <a:extLst>
-              <a:ext uri="{28A0092B-C50C-407E-A947-70E740481C1C}">
-                <a14:useLocalDpi xmlns:a14="http://schemas.microsoft.com/office/drawing/2010/main" val="0"/>
-              </a:ext>
-            </a:extLst>
-          </a:blip>
-          <a:stretch>
-            <a:fillRect/>
-          </a:stretch>
-        </p:blipFill>
-        <p:spPr>
-          <a:xfrm>
-            <a:off x="1184145" y="3908411"/>
-            <a:ext cx="228692" cy="228692"/>
-          </a:xfrm>
-          <a:prstGeom prst="rect">
-            <a:avLst/>
-          </a:prstGeom>
-        </p:spPr>
-      </p:pic>
       <p:sp>
         <p:nvSpPr>
-          <p:cNvPr id="57" name="Content"/>
+          <p:cNvPr id="63" name="Content"/>
           <p:cNvSpPr txBox="1"/>
           <p:nvPr>
             <p:custDataLst>
@@ -11131,8 +11104,8 @@
         </p:nvSpPr>
         <p:spPr>
           <a:xfrm>
-            <a:off x="1626084" y="2094608"/>
-            <a:ext cx="3133358" cy="415498"/>
+            <a:off x="1704931" y="1745616"/>
+            <a:ext cx="3622274" cy="415498"/>
           </a:xfrm>
           <a:prstGeom prst="rect">
             <a:avLst/>
@@ -11168,7 +11141,7 @@
               <a:t> </a:t>
             </a:r>
             <a:r>
-              <a:rPr lang="en-US" sz="2400" dirty="0" err="1">
+              <a:rPr lang="en-US" sz="2400" dirty="0" err="1" smtClean="0">
                 <a:solidFill>
                   <a:srgbClr val="000000"/>
                 </a:solidFill>
@@ -11176,10 +11149,10 @@
                 <a:ea typeface="Segoe UI" pitchFamily="34" charset="0"/>
                 <a:cs typeface="Segoe UI" pitchFamily="34" charset="0"/>
               </a:rPr>
-              <a:t>rápida</a:t>
+              <a:t>detalhada</a:t>
             </a:r>
             <a:r>
-              <a:rPr lang="en-US" sz="2400" dirty="0">
+              <a:rPr lang="en-US" sz="2400" dirty="0" smtClean="0">
                 <a:solidFill>
                   <a:srgbClr val="000000"/>
                 </a:solidFill>
@@ -11187,7 +11160,18 @@
                 <a:ea typeface="Segoe UI" pitchFamily="34" charset="0"/>
                 <a:cs typeface="Segoe UI" pitchFamily="34" charset="0"/>
               </a:rPr>
-              <a:t> de </a:t>
+              <a:t> </a:t>
+            </a:r>
+            <a:r>
+              <a:rPr lang="en-US" sz="2400" dirty="0">
+                <a:solidFill>
+                  <a:srgbClr val="000000"/>
+                </a:solidFill>
+                <a:latin typeface="Segoe UI" pitchFamily="34" charset="0"/>
+                <a:ea typeface="Segoe UI" pitchFamily="34" charset="0"/>
+                <a:cs typeface="Segoe UI" pitchFamily="34" charset="0"/>
+              </a:rPr>
+              <a:t>de </a:t>
             </a:r>
             <a:r>
               <a:rPr lang="en-US" sz="2400" dirty="0" err="1">
@@ -11213,7 +11197,7 @@
       </p:sp>
       <p:sp>
         <p:nvSpPr>
-          <p:cNvPr id="59" name="Content"/>
+          <p:cNvPr id="64" name="Content"/>
           <p:cNvSpPr/>
           <p:nvPr>
             <p:custDataLst>
@@ -11223,7 +11207,7 @@
         </p:nvSpPr>
         <p:spPr>
           <a:xfrm>
-            <a:off x="1752600" y="2547523"/>
+            <a:off x="1831447" y="2198531"/>
             <a:ext cx="4343400" cy="391747"/>
           </a:xfrm>
           <a:prstGeom prst="rect">
@@ -11283,7 +11267,7 @@
       </p:sp>
       <p:sp>
         <p:nvSpPr>
-          <p:cNvPr id="63" name="Content"/>
+          <p:cNvPr id="65" name="Content"/>
           <p:cNvSpPr/>
           <p:nvPr>
             <p:custDataLst>
@@ -11293,7 +11277,7 @@
         </p:nvSpPr>
         <p:spPr>
           <a:xfrm>
-            <a:off x="3345651" y="5520675"/>
+            <a:off x="3424498" y="5171683"/>
             <a:ext cx="1157298" cy="375431"/>
           </a:xfrm>
           <a:prstGeom prst="roundRect">
@@ -11359,14 +11343,14 @@
       </p:sp>
       <p:cxnSp>
         <p:nvCxnSpPr>
-          <p:cNvPr id="60" name="Conector reto 59"/>
+          <p:cNvPr id="66" name="Conector reto 65"/>
           <p:cNvCxnSpPr/>
           <p:nvPr/>
         </p:nvCxnSpPr>
         <p:spPr>
-          <a:xfrm>
-            <a:off x="6722773" y="2118358"/>
-            <a:ext cx="0" cy="4633602"/>
+          <a:xfrm flipH="1">
+            <a:off x="6786390" y="1769366"/>
+            <a:ext cx="15230" cy="4979097"/>
           </a:xfrm>
           <a:prstGeom prst="line">
             <a:avLst/>
@@ -11394,7 +11378,7 @@
       </p:cxnSp>
       <p:sp>
         <p:nvSpPr>
-          <p:cNvPr id="66" name="Content"/>
+          <p:cNvPr id="67" name="Content"/>
           <p:cNvSpPr/>
           <p:nvPr>
             <p:custDataLst>
@@ -11404,7 +11388,7 @@
         </p:nvSpPr>
         <p:spPr>
           <a:xfrm>
-            <a:off x="1752600" y="3009732"/>
+            <a:off x="1831447" y="2660740"/>
             <a:ext cx="4343400" cy="391747"/>
           </a:xfrm>
           <a:prstGeom prst="rect">
@@ -11467,7 +11451,7 @@
       </p:sp>
       <p:sp>
         <p:nvSpPr>
-          <p:cNvPr id="67" name="Content"/>
+          <p:cNvPr id="68" name="Content"/>
           <p:cNvSpPr/>
           <p:nvPr>
             <p:custDataLst>
@@ -11477,7 +11461,7 @@
         </p:nvSpPr>
         <p:spPr>
           <a:xfrm>
-            <a:off x="1752600" y="3498404"/>
+            <a:off x="1831447" y="3149412"/>
             <a:ext cx="4343400" cy="391747"/>
           </a:xfrm>
           <a:prstGeom prst="rect">
@@ -11519,14 +11503,14 @@
           <a:lstStyle/>
           <a:p>
             <a:r>
-              <a:rPr lang="en-US" sz="1200" dirty="0">
+              <a:rPr lang="en-US" sz="1200" dirty="0" smtClean="0">
                 <a:solidFill>
                   <a:srgbClr val="000000"/>
                 </a:solidFill>
                 <a:latin typeface="Segoe UI" pitchFamily="34" charset="0"/>
                 <a:cs typeface="Segoe UI" pitchFamily="34" charset="0"/>
               </a:rPr>
-              <a:t>Data </a:t>
+              <a:t>Data de </a:t>
             </a:r>
             <a:r>
               <a:rPr lang="en-US" sz="1200" dirty="0" err="1">
@@ -11547,7 +11531,7 @@
       </p:sp>
       <p:sp>
         <p:nvSpPr>
-          <p:cNvPr id="68" name="Content"/>
+          <p:cNvPr id="69" name="Content"/>
           <p:cNvSpPr txBox="1"/>
           <p:nvPr>
             <p:custDataLst>
@@ -11557,7 +11541,7 @@
         </p:nvSpPr>
         <p:spPr>
           <a:xfrm>
-            <a:off x="2641819" y="4338962"/>
+            <a:off x="2720666" y="3989970"/>
             <a:ext cx="2432204" cy="230832"/>
           </a:xfrm>
           <a:prstGeom prst="rect">
@@ -11588,13 +11572,20 @@
     </p:spTree>
     <p:extLst>
       <p:ext uri="{BB962C8B-B14F-4D97-AF65-F5344CB8AC3E}">
-        <p14:creationId xmlns:p14="http://schemas.microsoft.com/office/powerpoint/2010/main" val="1608575968"/>
+        <p14:creationId xmlns:p14="http://schemas.microsoft.com/office/powerpoint/2010/main" val="3291748894"/>
       </p:ext>
     </p:extLst>
   </p:cSld>
   <p:clrMapOvr>
     <a:masterClrMapping/>
   </p:clrMapOvr>
+  <p:timing>
+    <p:tnLst>
+      <p:par>
+        <p:cTn id="1" dur="indefinite" restart="never" nodeType="tmRoot"/>
+      </p:par>
+    </p:tnLst>
+  </p:timing>
 </p:sld>
 </file>
 
@@ -12279,7 +12270,7 @@
               <p:nvPr/>
             </p:nvPicPr>
             <p:blipFill>
-              <a:blip r:embed="rId20" cstate="print">
+              <a:blip r:embed="rId21" cstate="print">
                 <a:extLst>
                   <a:ext uri="{28A0092B-C50C-407E-A947-70E740481C1C}">
                     <a14:useLocalDpi xmlns:a14="http://schemas.microsoft.com/office/drawing/2010/main" val="0"/>
@@ -12320,7 +12311,7 @@
               <p:nvPr/>
             </p:nvPicPr>
             <p:blipFill rotWithShape="1">
-              <a:blip r:embed="rId21" cstate="print">
+              <a:blip r:embed="rId22" cstate="print">
                 <a:extLst>
                   <a:ext uri="{28A0092B-C50C-407E-A947-70E740481C1C}">
                     <a14:useLocalDpi xmlns:a14="http://schemas.microsoft.com/office/drawing/2010/main" val="0"/>
@@ -12359,7 +12350,7 @@
               <p:nvPr/>
             </p:nvPicPr>
             <p:blipFill>
-              <a:blip r:embed="rId22" cstate="print">
+              <a:blip r:embed="rId23" cstate="print">
                 <a:extLst>
                   <a:ext uri="{28A0092B-C50C-407E-A947-70E740481C1C}">
                     <a14:useLocalDpi xmlns:a14="http://schemas.microsoft.com/office/drawing/2010/main" val="0"/>
@@ -12473,7 +12464,7 @@
                 <p:nvPr/>
               </p:nvPicPr>
               <p:blipFill>
-                <a:blip r:embed="rId23" cstate="print">
+                <a:blip r:embed="rId24" cstate="print">
                   <a:extLst>
                     <a:ext uri="{28A0092B-C50C-407E-A947-70E740481C1C}">
                       <a14:useLocalDpi xmlns:a14="http://schemas.microsoft.com/office/drawing/2010/main" val="0"/>
@@ -12514,7 +12505,7 @@
                 <p:nvPr/>
               </p:nvPicPr>
               <p:blipFill>
-                <a:blip r:embed="rId24" cstate="print">
+                <a:blip r:embed="rId25" cstate="print">
                   <a:extLst>
                     <a:ext uri="{28A0092B-C50C-407E-A947-70E740481C1C}">
                       <a14:useLocalDpi xmlns:a14="http://schemas.microsoft.com/office/drawing/2010/main" val="0"/>
@@ -12555,7 +12546,7 @@
                 <p:nvPr/>
               </p:nvPicPr>
               <p:blipFill>
-                <a:blip r:embed="rId25" cstate="print">
+                <a:blip r:embed="rId26" cstate="print">
                   <a:extLst>
                     <a:ext uri="{28A0092B-C50C-407E-A947-70E740481C1C}">
                       <a14:useLocalDpi xmlns:a14="http://schemas.microsoft.com/office/drawing/2010/main" val="0"/>
@@ -12679,52 +12670,6 @@
           </p:grpSp>
         </p:grpSp>
       </p:grpSp>
-      <p:sp>
-        <p:nvSpPr>
-          <p:cNvPr id="33" name="Retângulo 32"/>
-          <p:cNvSpPr/>
-          <p:nvPr/>
-        </p:nvSpPr>
-        <p:spPr>
-          <a:xfrm>
-            <a:off x="101600" y="685159"/>
-            <a:ext cx="11988800" cy="1433201"/>
-          </a:xfrm>
-          <a:prstGeom prst="rect">
-            <a:avLst/>
-          </a:prstGeom>
-          <a:noFill/>
-          <a:ln>
-            <a:solidFill>
-              <a:schemeClr val="tx1"/>
-            </a:solidFill>
-          </a:ln>
-        </p:spPr>
-        <p:style>
-          <a:lnRef idx="2">
-            <a:schemeClr val="accent1">
-              <a:shade val="50000"/>
-            </a:schemeClr>
-          </a:lnRef>
-          <a:fillRef idx="1">
-            <a:schemeClr val="accent1"/>
-          </a:fillRef>
-          <a:effectRef idx="0">
-            <a:schemeClr val="accent1"/>
-          </a:effectRef>
-          <a:fontRef idx="minor">
-            <a:schemeClr val="lt1"/>
-          </a:fontRef>
-        </p:style>
-        <p:txBody>
-          <a:bodyPr rtlCol="0" anchor="ctr"/>
-          <a:lstStyle/>
-          <a:p>
-            <a:pPr algn="ctr"/>
-            <a:endParaRPr lang="pt-BR"/>
-          </a:p>
-        </p:txBody>
-      </p:sp>
       <p:pic>
         <p:nvPicPr>
           <p:cNvPr id="34" name="Imagem 33"/>
@@ -12734,14 +12679,14 @@
           <p:nvPr/>
         </p:nvPicPr>
         <p:blipFill>
-          <a:blip r:embed="rId26"/>
+          <a:blip r:embed="rId27"/>
           <a:stretch>
             <a:fillRect/>
           </a:stretch>
         </p:blipFill>
         <p:spPr>
           <a:xfrm>
-            <a:off x="206164" y="758648"/>
+            <a:off x="140519" y="712173"/>
             <a:ext cx="361950" cy="780874"/>
           </a:xfrm>
           <a:prstGeom prst="rect">
@@ -12761,7 +12706,7 @@
         </p:nvSpPr>
         <p:spPr>
           <a:xfrm>
-            <a:off x="37680" y="1539522"/>
+            <a:off x="8686" y="1425948"/>
             <a:ext cx="1060868" cy="323165"/>
           </a:xfrm>
           <a:prstGeom prst="rect">
@@ -12802,7 +12747,7 @@
           </p:nvPr>
         </p:nvPicPr>
         <p:blipFill>
-          <a:blip r:embed="rId27" cstate="print">
+          <a:blip r:embed="rId28" cstate="print">
             <a:extLst>
               <a:ext uri="{28A0092B-C50C-407E-A947-70E740481C1C}">
                 <a14:useLocalDpi xmlns:a14="http://schemas.microsoft.com/office/drawing/2010/main" val="0"/>
@@ -12816,7 +12761,7 @@
         </p:blipFill>
         <p:spPr bwMode="auto">
           <a:xfrm>
-            <a:off x="1351280" y="1149084"/>
+            <a:off x="1249421" y="825038"/>
             <a:ext cx="401320" cy="438943"/>
           </a:xfrm>
           <a:prstGeom prst="rect">
@@ -12842,13 +12787,18 @@
         </p:nvSpPr>
         <p:spPr>
           <a:xfrm>
-            <a:off x="1133474" y="1048403"/>
+            <a:off x="1031615" y="724357"/>
             <a:ext cx="836932" cy="706711"/>
           </a:xfrm>
           <a:prstGeom prst="ellipse">
             <a:avLst/>
           </a:prstGeom>
           <a:noFill/>
+          <a:ln>
+            <a:solidFill>
+              <a:schemeClr val="tx1"/>
+            </a:solidFill>
+          </a:ln>
         </p:spPr>
         <p:style>
           <a:lnRef idx="2">
@@ -12887,7 +12837,7 @@
         </p:nvSpPr>
         <p:spPr>
           <a:xfrm>
-            <a:off x="2059318" y="1030502"/>
+            <a:off x="1868547" y="735241"/>
             <a:ext cx="4036682" cy="292388"/>
           </a:xfrm>
           <a:prstGeom prst="rect">
@@ -12979,7 +12929,7 @@
         </p:nvSpPr>
         <p:spPr>
           <a:xfrm>
-            <a:off x="2034326" y="1373056"/>
+            <a:off x="1868547" y="1022075"/>
             <a:ext cx="2960490" cy="292388"/>
           </a:xfrm>
           <a:prstGeom prst="rect">
@@ -13071,7 +13021,7 @@
         </p:nvSpPr>
         <p:spPr>
           <a:xfrm>
-            <a:off x="5354952" y="1423041"/>
+            <a:off x="4829037" y="1022075"/>
             <a:ext cx="2070695" cy="292388"/>
           </a:xfrm>
           <a:prstGeom prst="rect">
@@ -13141,7 +13091,7 @@
         </p:nvSpPr>
         <p:spPr>
           <a:xfrm>
-            <a:off x="6327023" y="1050345"/>
+            <a:off x="5905229" y="741525"/>
             <a:ext cx="1681871" cy="292388"/>
           </a:xfrm>
           <a:prstGeom prst="rect">
@@ -13192,7 +13142,7 @@
         </p:nvSpPr>
         <p:spPr>
           <a:xfrm>
-            <a:off x="8443336" y="1001432"/>
+            <a:off x="7587100" y="735241"/>
             <a:ext cx="1749197" cy="292388"/>
           </a:xfrm>
           <a:prstGeom prst="rect">
@@ -13262,7 +13212,7 @@
         </p:nvSpPr>
         <p:spPr>
           <a:xfrm>
-            <a:off x="7738397" y="1462726"/>
+            <a:off x="6899732" y="1044509"/>
             <a:ext cx="1942070" cy="292388"/>
           </a:xfrm>
           <a:prstGeom prst="rect">
@@ -13314,59 +13264,13 @@
       </p:sp>
       <p:sp>
         <p:nvSpPr>
-          <p:cNvPr id="45" name="Retângulo 44"/>
-          <p:cNvSpPr/>
-          <p:nvPr/>
-        </p:nvSpPr>
-        <p:spPr>
-          <a:xfrm>
-            <a:off x="101600" y="2118360"/>
-            <a:ext cx="873760" cy="4633600"/>
-          </a:xfrm>
-          <a:prstGeom prst="rect">
-            <a:avLst/>
-          </a:prstGeom>
-          <a:noFill/>
-          <a:ln>
-            <a:solidFill>
-              <a:schemeClr val="tx1"/>
-            </a:solidFill>
-          </a:ln>
-        </p:spPr>
-        <p:style>
-          <a:lnRef idx="2">
-            <a:schemeClr val="accent1">
-              <a:shade val="50000"/>
-            </a:schemeClr>
-          </a:lnRef>
-          <a:fillRef idx="1">
-            <a:schemeClr val="accent1"/>
-          </a:fillRef>
-          <a:effectRef idx="0">
-            <a:schemeClr val="accent1"/>
-          </a:effectRef>
-          <a:fontRef idx="minor">
-            <a:schemeClr val="lt1"/>
-          </a:fontRef>
-        </p:style>
-        <p:txBody>
-          <a:bodyPr rtlCol="0" anchor="ctr"/>
-          <a:lstStyle/>
-          <a:p>
-            <a:pPr algn="ctr"/>
-            <a:endParaRPr lang="pt-BR"/>
-          </a:p>
-        </p:txBody>
-      </p:sp>
-      <p:sp>
-        <p:nvSpPr>
           <p:cNvPr id="46" name="Elipse 45"/>
           <p:cNvSpPr/>
           <p:nvPr/>
         </p:nvSpPr>
         <p:spPr>
           <a:xfrm>
-            <a:off x="150919" y="2460619"/>
+            <a:off x="170074" y="2856854"/>
             <a:ext cx="769196" cy="685800"/>
           </a:xfrm>
           <a:prstGeom prst="ellipse">
@@ -13412,7 +13316,7 @@
         </p:nvSpPr>
         <p:spPr>
           <a:xfrm>
-            <a:off x="137795" y="3351378"/>
+            <a:off x="147109" y="3577112"/>
             <a:ext cx="769196" cy="685800"/>
           </a:xfrm>
           <a:prstGeom prst="ellipse">
@@ -13458,7 +13362,7 @@
         </p:nvSpPr>
         <p:spPr>
           <a:xfrm>
-            <a:off x="137795" y="4292851"/>
+            <a:off x="145206" y="4295194"/>
             <a:ext cx="769196" cy="685800"/>
           </a:xfrm>
           <a:prstGeom prst="ellipse">
@@ -13505,7 +13409,7 @@
           <p:nvPr/>
         </p:nvPicPr>
         <p:blipFill>
-          <a:blip r:embed="rId28">
+          <a:blip r:embed="rId29" cstate="hqprint">
             <a:extLst>
               <a:ext uri="{28A0092B-C50C-407E-A947-70E740481C1C}">
                 <a14:useLocalDpi xmlns:a14="http://schemas.microsoft.com/office/drawing/2010/main" val="0"/>
@@ -13518,7 +13422,7 @@
         </p:blipFill>
         <p:spPr>
           <a:xfrm>
-            <a:off x="284855" y="3416872"/>
+            <a:off x="281259" y="3635643"/>
             <a:ext cx="533400" cy="533400"/>
           </a:xfrm>
           <a:prstGeom prst="rect">
@@ -13535,7 +13439,7 @@
           <p:nvPr/>
         </p:nvPicPr>
         <p:blipFill>
-          <a:blip r:embed="rId29">
+          <a:blip r:embed="rId30" cstate="hqprint">
             <a:extLst>
               <a:ext uri="{28A0092B-C50C-407E-A947-70E740481C1C}">
                 <a14:useLocalDpi xmlns:a14="http://schemas.microsoft.com/office/drawing/2010/main" val="0"/>
@@ -13548,7 +13452,7 @@
         </p:blipFill>
         <p:spPr>
           <a:xfrm>
-            <a:off x="253427" y="2517045"/>
+            <a:off x="246182" y="2924015"/>
             <a:ext cx="629374" cy="629374"/>
           </a:xfrm>
           <a:prstGeom prst="rect">
@@ -13565,7 +13469,7 @@
           <p:nvPr/>
         </p:nvPicPr>
         <p:blipFill>
-          <a:blip r:embed="rId30">
+          <a:blip r:embed="rId31" cstate="hqprint">
             <a:extLst>
               <a:ext uri="{28A0092B-C50C-407E-A947-70E740481C1C}">
                 <a14:useLocalDpi xmlns:a14="http://schemas.microsoft.com/office/drawing/2010/main" val="0"/>
@@ -13578,7 +13482,7 @@
         </p:blipFill>
         <p:spPr>
           <a:xfrm>
-            <a:off x="261127" y="4353096"/>
+            <a:off x="235526" y="4353094"/>
             <a:ext cx="564669" cy="564669"/>
           </a:xfrm>
           <a:prstGeom prst="rect">
@@ -13594,7 +13498,7 @@
         </p:nvSpPr>
         <p:spPr>
           <a:xfrm rot="16200000">
-            <a:off x="881744" y="4583263"/>
+            <a:off x="919424" y="4583263"/>
             <a:ext cx="120277" cy="104333"/>
           </a:xfrm>
           <a:prstGeom prst="triangle">
@@ -13603,47 +13507,6 @@
           <a:solidFill>
             <a:schemeClr val="tx1"/>
           </a:solidFill>
-        </p:spPr>
-        <p:style>
-          <a:lnRef idx="2">
-            <a:schemeClr val="accent1">
-              <a:shade val="50000"/>
-            </a:schemeClr>
-          </a:lnRef>
-          <a:fillRef idx="1">
-            <a:schemeClr val="accent1"/>
-          </a:fillRef>
-          <a:effectRef idx="0">
-            <a:schemeClr val="accent1"/>
-          </a:effectRef>
-          <a:fontRef idx="minor">
-            <a:schemeClr val="lt1"/>
-          </a:fontRef>
-        </p:style>
-        <p:txBody>
-          <a:bodyPr rtlCol="0" anchor="ctr"/>
-          <a:lstStyle/>
-          <a:p>
-            <a:pPr algn="ctr"/>
-            <a:endParaRPr lang="pt-BR"/>
-          </a:p>
-        </p:txBody>
-      </p:sp>
-      <p:sp>
-        <p:nvSpPr>
-          <p:cNvPr id="32" name="Retângulo 31"/>
-          <p:cNvSpPr/>
-          <p:nvPr/>
-        </p:nvSpPr>
-        <p:spPr>
-          <a:xfrm>
-            <a:off x="984036" y="2118358"/>
-            <a:ext cx="633372" cy="4633602"/>
-          </a:xfrm>
-          <a:prstGeom prst="rect">
-            <a:avLst/>
-          </a:prstGeom>
-          <a:noFill/>
           <a:ln>
             <a:solidFill>
               <a:schemeClr val="tx1"/>
@@ -13675,15 +13538,85 @@
           </a:p>
         </p:txBody>
       </p:sp>
+      <p:cxnSp>
+        <p:nvCxnSpPr>
+          <p:cNvPr id="42" name="Conector reto 41"/>
+          <p:cNvCxnSpPr/>
+          <p:nvPr/>
+        </p:nvCxnSpPr>
+        <p:spPr>
+          <a:xfrm>
+            <a:off x="1029590" y="1749113"/>
+            <a:ext cx="18160" cy="4999350"/>
+          </a:xfrm>
+          <a:prstGeom prst="line">
+            <a:avLst/>
+          </a:prstGeom>
+          <a:ln>
+            <a:solidFill>
+              <a:schemeClr val="tx1"/>
+            </a:solidFill>
+          </a:ln>
+        </p:spPr>
+        <p:style>
+          <a:lnRef idx="1">
+            <a:schemeClr val="accent1"/>
+          </a:lnRef>
+          <a:fillRef idx="0">
+            <a:schemeClr val="accent1"/>
+          </a:fillRef>
+          <a:effectRef idx="0">
+            <a:schemeClr val="accent1"/>
+          </a:effectRef>
+          <a:fontRef idx="minor">
+            <a:schemeClr val="tx1"/>
+          </a:fontRef>
+        </p:style>
+      </p:cxnSp>
+      <p:cxnSp>
+        <p:nvCxnSpPr>
+          <p:cNvPr id="57" name="Conector reto 56"/>
+          <p:cNvCxnSpPr/>
+          <p:nvPr/>
+        </p:nvCxnSpPr>
+        <p:spPr>
+          <a:xfrm>
+            <a:off x="101600" y="1752923"/>
+            <a:ext cx="11988800" cy="0"/>
+          </a:xfrm>
+          <a:prstGeom prst="line">
+            <a:avLst/>
+          </a:prstGeom>
+          <a:ln>
+            <a:solidFill>
+              <a:schemeClr val="tx1"/>
+            </a:solidFill>
+          </a:ln>
+        </p:spPr>
+        <p:style>
+          <a:lnRef idx="1">
+            <a:schemeClr val="accent1"/>
+          </a:lnRef>
+          <a:fillRef idx="0">
+            <a:schemeClr val="accent1"/>
+          </a:fillRef>
+          <a:effectRef idx="0">
+            <a:schemeClr val="accent1"/>
+          </a:effectRef>
+          <a:fontRef idx="minor">
+            <a:schemeClr val="tx1"/>
+          </a:fontRef>
+        </p:style>
+      </p:cxnSp>
       <p:sp>
         <p:nvSpPr>
-          <p:cNvPr id="42" name="Elipse 41"/>
+          <p:cNvPr id="51" name="Elipse 50"/>
           <p:cNvSpPr/>
           <p:nvPr/>
         </p:nvSpPr>
         <p:spPr>
           <a:xfrm>
-            <a:off x="1028309" y="3751084"/>
+            <a:off x="1078514" y="3429000"/>
             <a:ext cx="540447" cy="544156"/>
           </a:xfrm>
           <a:prstGeom prst="ellipse">
@@ -13729,7 +13662,7 @@
         </p:nvSpPr>
         <p:spPr>
           <a:xfrm>
-            <a:off x="1024197" y="4353096"/>
+            <a:off x="1074402" y="4031012"/>
             <a:ext cx="540447" cy="544156"/>
           </a:xfrm>
           <a:prstGeom prst="ellipse">
@@ -13767,15 +13700,110 @@
           </a:p>
         </p:txBody>
       </p:sp>
+      <p:pic>
+        <p:nvPicPr>
+          <p:cNvPr id="53" name="Imagem 52" descr="Uma imagem contendo coisa&#10;&#10;Descrição gerada com alta confiança"/>
+          <p:cNvPicPr>
+            <a:picLocks noChangeAspect="1"/>
+          </p:cNvPicPr>
+          <p:nvPr/>
+        </p:nvPicPr>
+        <p:blipFill>
+          <a:blip r:embed="rId32" cstate="hqprint">
+            <a:extLst>
+              <a:ext uri="{28A0092B-C50C-407E-A947-70E740481C1C}">
+                <a14:useLocalDpi xmlns:a14="http://schemas.microsoft.com/office/drawing/2010/main" val="0"/>
+              </a:ext>
+            </a:extLst>
+          </a:blip>
+          <a:stretch>
+            <a:fillRect/>
+          </a:stretch>
+        </p:blipFill>
+        <p:spPr>
+          <a:xfrm>
+            <a:off x="1164484" y="4123510"/>
+            <a:ext cx="369286" cy="369286"/>
+          </a:xfrm>
+          <a:prstGeom prst="rect">
+            <a:avLst/>
+          </a:prstGeom>
+        </p:spPr>
+      </p:pic>
+      <p:pic>
+        <p:nvPicPr>
+          <p:cNvPr id="55" name="Imagem 54"/>
+          <p:cNvPicPr>
+            <a:picLocks noChangeAspect="1"/>
+          </p:cNvPicPr>
+          <p:nvPr/>
+        </p:nvPicPr>
+        <p:blipFill>
+          <a:blip r:embed="rId33" cstate="hqprint">
+            <a:extLst>
+              <a:ext uri="{28A0092B-C50C-407E-A947-70E740481C1C}">
+                <a14:useLocalDpi xmlns:a14="http://schemas.microsoft.com/office/drawing/2010/main" val="0"/>
+              </a:ext>
+            </a:extLst>
+          </a:blip>
+          <a:stretch>
+            <a:fillRect/>
+          </a:stretch>
+        </p:blipFill>
+        <p:spPr>
+          <a:xfrm>
+            <a:off x="1234350" y="3586327"/>
+            <a:ext cx="228692" cy="228692"/>
+          </a:xfrm>
+          <a:prstGeom prst="rect">
+            <a:avLst/>
+          </a:prstGeom>
+        </p:spPr>
+      </p:pic>
+      <p:cxnSp>
+        <p:nvCxnSpPr>
+          <p:cNvPr id="56" name="Conector reto 55"/>
+          <p:cNvCxnSpPr/>
+          <p:nvPr/>
+        </p:nvCxnSpPr>
+        <p:spPr>
+          <a:xfrm>
+            <a:off x="1728185" y="1749113"/>
+            <a:ext cx="18160" cy="4999350"/>
+          </a:xfrm>
+          <a:prstGeom prst="line">
+            <a:avLst/>
+          </a:prstGeom>
+          <a:ln>
+            <a:solidFill>
+              <a:schemeClr val="tx1"/>
+            </a:solidFill>
+          </a:ln>
+        </p:spPr>
+        <p:style>
+          <a:lnRef idx="1">
+            <a:schemeClr val="accent1"/>
+          </a:lnRef>
+          <a:fillRef idx="0">
+            <a:schemeClr val="accent1"/>
+          </a:fillRef>
+          <a:effectRef idx="0">
+            <a:schemeClr val="accent1"/>
+          </a:effectRef>
+          <a:fontRef idx="minor">
+            <a:schemeClr val="tx1"/>
+          </a:fontRef>
+        </p:style>
+      </p:cxnSp>
       <p:sp>
         <p:nvSpPr>
-          <p:cNvPr id="53" name="Triângulo isósceles 52"/>
+          <p:cNvPr id="59" name="Triângulo isósceles 58"/>
           <p:cNvSpPr/>
           <p:nvPr/>
         </p:nvSpPr>
         <p:spPr>
           <a:xfrm rot="16200000">
-            <a:off x="1525792" y="4583263"/>
+            <a:off x="1617073" y="4256760"/>
             <a:ext cx="120277" cy="104333"/>
           </a:xfrm>
           <a:prstGeom prst="triangle">
@@ -13784,6 +13812,11 @@
           <a:solidFill>
             <a:schemeClr val="tx1"/>
           </a:solidFill>
+          <a:ln>
+            <a:solidFill>
+              <a:schemeClr val="tx1"/>
+            </a:solidFill>
+          </a:ln>
         </p:spPr>
         <p:style>
           <a:lnRef idx="2">
@@ -13810,69 +13843,9 @@
           </a:p>
         </p:txBody>
       </p:sp>
-      <p:pic>
-        <p:nvPicPr>
-          <p:cNvPr id="51" name="Imagem 50" descr="Uma imagem contendo coisa&#10;&#10;Descrição gerada com alta confiança"/>
-          <p:cNvPicPr>
-            <a:picLocks noChangeAspect="1"/>
-          </p:cNvPicPr>
-          <p:nvPr/>
-        </p:nvPicPr>
-        <p:blipFill>
-          <a:blip r:embed="rId31">
-            <a:extLst>
-              <a:ext uri="{28A0092B-C50C-407E-A947-70E740481C1C}">
-                <a14:useLocalDpi xmlns:a14="http://schemas.microsoft.com/office/drawing/2010/main" val="0"/>
-              </a:ext>
-            </a:extLst>
-          </a:blip>
-          <a:stretch>
-            <a:fillRect/>
-          </a:stretch>
-        </p:blipFill>
-        <p:spPr>
-          <a:xfrm>
-            <a:off x="1114279" y="4445594"/>
-            <a:ext cx="369286" cy="369286"/>
-          </a:xfrm>
-          <a:prstGeom prst="rect">
-            <a:avLst/>
-          </a:prstGeom>
-        </p:spPr>
-      </p:pic>
-      <p:pic>
-        <p:nvPicPr>
-          <p:cNvPr id="56" name="Imagem 55"/>
-          <p:cNvPicPr>
-            <a:picLocks noChangeAspect="1"/>
-          </p:cNvPicPr>
-          <p:nvPr/>
-        </p:nvPicPr>
-        <p:blipFill>
-          <a:blip r:embed="rId32">
-            <a:extLst>
-              <a:ext uri="{28A0092B-C50C-407E-A947-70E740481C1C}">
-                <a14:useLocalDpi xmlns:a14="http://schemas.microsoft.com/office/drawing/2010/main" val="0"/>
-              </a:ext>
-            </a:extLst>
-          </a:blip>
-          <a:stretch>
-            <a:fillRect/>
-          </a:stretch>
-        </p:blipFill>
-        <p:spPr>
-          <a:xfrm>
-            <a:off x="1184145" y="3908411"/>
-            <a:ext cx="228692" cy="228692"/>
-          </a:xfrm>
-          <a:prstGeom prst="rect">
-            <a:avLst/>
-          </a:prstGeom>
-        </p:spPr>
-      </p:pic>
       <p:sp>
         <p:nvSpPr>
-          <p:cNvPr id="57" name="Content"/>
+          <p:cNvPr id="79" name="Content"/>
           <p:cNvSpPr txBox="1"/>
           <p:nvPr>
             <p:custDataLst>
@@ -13882,8 +13855,8 @@
         </p:nvSpPr>
         <p:spPr>
           <a:xfrm>
-            <a:off x="1626084" y="2094608"/>
-            <a:ext cx="3133358" cy="415498"/>
+            <a:off x="1689606" y="1719072"/>
+            <a:ext cx="3622274" cy="415498"/>
           </a:xfrm>
           <a:prstGeom prst="rect">
             <a:avLst/>
@@ -13919,7 +13892,7 @@
               <a:t> </a:t>
             </a:r>
             <a:r>
-              <a:rPr lang="en-US" sz="2400" dirty="0" err="1">
+              <a:rPr lang="en-US" sz="2400" dirty="0" err="1" smtClean="0">
                 <a:solidFill>
                   <a:srgbClr val="000000"/>
                 </a:solidFill>
@@ -13927,10 +13900,10 @@
                 <a:ea typeface="Segoe UI" pitchFamily="34" charset="0"/>
                 <a:cs typeface="Segoe UI" pitchFamily="34" charset="0"/>
               </a:rPr>
-              <a:t>rápida</a:t>
+              <a:t>detalhada</a:t>
             </a:r>
             <a:r>
-              <a:rPr lang="en-US" sz="2400" dirty="0">
+              <a:rPr lang="en-US" sz="2400" dirty="0" smtClean="0">
                 <a:solidFill>
                   <a:srgbClr val="000000"/>
                 </a:solidFill>
@@ -13938,7 +13911,18 @@
                 <a:ea typeface="Segoe UI" pitchFamily="34" charset="0"/>
                 <a:cs typeface="Segoe UI" pitchFamily="34" charset="0"/>
               </a:rPr>
-              <a:t> de </a:t>
+              <a:t> </a:t>
+            </a:r>
+            <a:r>
+              <a:rPr lang="en-US" sz="2400" dirty="0">
+                <a:solidFill>
+                  <a:srgbClr val="000000"/>
+                </a:solidFill>
+                <a:latin typeface="Segoe UI" pitchFamily="34" charset="0"/>
+                <a:ea typeface="Segoe UI" pitchFamily="34" charset="0"/>
+                <a:cs typeface="Segoe UI" pitchFamily="34" charset="0"/>
+              </a:rPr>
+              <a:t>de </a:t>
             </a:r>
             <a:r>
               <a:rPr lang="en-US" sz="2400" dirty="0" err="1">
@@ -13964,7 +13948,7 @@
       </p:sp>
       <p:sp>
         <p:nvSpPr>
-          <p:cNvPr id="59" name="Content"/>
+          <p:cNvPr id="80" name="Content"/>
           <p:cNvSpPr/>
           <p:nvPr>
             <p:custDataLst>
@@ -13974,7 +13958,7 @@
         </p:nvSpPr>
         <p:spPr>
           <a:xfrm>
-            <a:off x="1752600" y="2547523"/>
+            <a:off x="1816122" y="2171987"/>
             <a:ext cx="4343400" cy="391747"/>
           </a:xfrm>
           <a:prstGeom prst="rect">
@@ -14016,41 +14000,28 @@
           <a:lstStyle/>
           <a:p>
             <a:r>
-              <a:rPr lang="en-US" sz="1200" dirty="0">
+              <a:rPr lang="en-US" sz="1200" dirty="0" err="1" smtClean="0">
                 <a:solidFill>
                   <a:srgbClr val="000000"/>
                 </a:solidFill>
                 <a:latin typeface="Segoe UI" pitchFamily="34" charset="0"/>
                 <a:cs typeface="Segoe UI" pitchFamily="34" charset="0"/>
               </a:rPr>
-              <a:t>Use a </a:t>
+              <a:t>Autor</a:t>
             </a:r>
-            <a:r>
-              <a:rPr lang="en-US" sz="1200" dirty="0" err="1">
-                <a:solidFill>
-                  <a:srgbClr val="000000"/>
-                </a:solidFill>
-                <a:latin typeface="Segoe UI" pitchFamily="34" charset="0"/>
-                <a:cs typeface="Segoe UI" pitchFamily="34" charset="0"/>
-              </a:rPr>
-              <a:t>cabeça</a:t>
-            </a:r>
-            <a:r>
-              <a:rPr lang="en-US" sz="1200" dirty="0">
-                <a:solidFill>
-                  <a:srgbClr val="000000"/>
-                </a:solidFill>
-                <a:latin typeface="Segoe UI" pitchFamily="34" charset="0"/>
-                <a:cs typeface="Segoe UI" pitchFamily="34" charset="0"/>
-              </a:rPr>
-              <a:t> C#</a:t>
-            </a:r>
+            <a:endParaRPr lang="en-US" sz="1200" dirty="0">
+              <a:solidFill>
+                <a:srgbClr val="000000"/>
+              </a:solidFill>
+              <a:latin typeface="Segoe UI" pitchFamily="34" charset="0"/>
+              <a:cs typeface="Segoe UI" pitchFamily="34" charset="0"/>
+            </a:endParaRPr>
           </a:p>
         </p:txBody>
       </p:sp>
       <p:sp>
         <p:nvSpPr>
-          <p:cNvPr id="63" name="Content"/>
+          <p:cNvPr id="81" name="Content"/>
           <p:cNvSpPr/>
           <p:nvPr>
             <p:custDataLst>
@@ -14060,7 +14031,7 @@
         </p:nvSpPr>
         <p:spPr>
           <a:xfrm>
-            <a:off x="3345651" y="5561673"/>
+            <a:off x="3409173" y="5186137"/>
             <a:ext cx="1157298" cy="375431"/>
           </a:xfrm>
           <a:prstGeom prst="roundRect">
@@ -14126,14 +14097,14 @@
       </p:sp>
       <p:pic>
         <p:nvPicPr>
-          <p:cNvPr id="55" name="Imagem 54"/>
+          <p:cNvPr id="82" name="Imagem 81"/>
           <p:cNvPicPr>
             <a:picLocks noChangeAspect="1"/>
           </p:cNvPicPr>
           <p:nvPr/>
         </p:nvPicPr>
         <p:blipFill>
-          <a:blip r:embed="rId33">
+          <a:blip r:embed="rId34" cstate="hqprint">
             <a:extLst>
               <a:ext uri="{28A0092B-C50C-407E-A947-70E740481C1C}">
                 <a14:useLocalDpi xmlns:a14="http://schemas.microsoft.com/office/drawing/2010/main" val="0"/>
@@ -14146,7 +14117,7 @@
         </p:blipFill>
         <p:spPr>
           <a:xfrm>
-            <a:off x="6781488" y="2184570"/>
+            <a:off x="6845010" y="1809034"/>
             <a:ext cx="1500303" cy="1500303"/>
           </a:xfrm>
           <a:prstGeom prst="rect">
@@ -14156,7 +14127,7 @@
       </p:pic>
       <p:sp>
         <p:nvSpPr>
-          <p:cNvPr id="61" name="Content"/>
+          <p:cNvPr id="83" name="Content"/>
           <p:cNvSpPr txBox="1"/>
           <p:nvPr>
             <p:custDataLst>
@@ -14166,7 +14137,7 @@
         </p:nvSpPr>
         <p:spPr>
           <a:xfrm>
-            <a:off x="8407210" y="2452178"/>
+            <a:off x="8345313" y="1856576"/>
             <a:ext cx="825291" cy="261610"/>
           </a:xfrm>
           <a:prstGeom prst="rect">
@@ -14207,7 +14178,7 @@
       </p:sp>
       <p:sp>
         <p:nvSpPr>
-          <p:cNvPr id="62" name="Content"/>
+          <p:cNvPr id="84" name="Content"/>
           <p:cNvSpPr txBox="1"/>
           <p:nvPr>
             <p:custDataLst>
@@ -14217,7 +14188,7 @@
         </p:nvSpPr>
         <p:spPr>
           <a:xfrm>
-            <a:off x="8407210" y="2740390"/>
+            <a:off x="8345313" y="2114725"/>
             <a:ext cx="888769" cy="261610"/>
           </a:xfrm>
           <a:prstGeom prst="rect">
@@ -14247,7 +14218,7 @@
       </p:sp>
       <p:sp>
         <p:nvSpPr>
-          <p:cNvPr id="64" name="Content"/>
+          <p:cNvPr id="85" name="Content"/>
           <p:cNvSpPr txBox="1"/>
           <p:nvPr>
             <p:custDataLst>
@@ -14257,7 +14228,7 @@
         </p:nvSpPr>
         <p:spPr>
           <a:xfrm>
-            <a:off x="8426472" y="3032039"/>
+            <a:off x="8350554" y="2372874"/>
             <a:ext cx="766748" cy="261610"/>
           </a:xfrm>
           <a:prstGeom prst="rect">
@@ -14298,7 +14269,7 @@
       </p:sp>
       <p:sp>
         <p:nvSpPr>
-          <p:cNvPr id="65" name="Content"/>
+          <p:cNvPr id="86" name="Content"/>
           <p:cNvSpPr txBox="1"/>
           <p:nvPr>
             <p:custDataLst>
@@ -14308,7 +14279,7 @@
         </p:nvSpPr>
         <p:spPr>
           <a:xfrm>
-            <a:off x="8438202" y="3358910"/>
+            <a:off x="8345313" y="2672540"/>
             <a:ext cx="1885453" cy="261610"/>
           </a:xfrm>
           <a:prstGeom prst="rect">
@@ -14360,14 +14331,14 @@
       </p:sp>
       <p:cxnSp>
         <p:nvCxnSpPr>
-          <p:cNvPr id="60" name="Conector reto 59"/>
+          <p:cNvPr id="87" name="Conector reto 86"/>
           <p:cNvCxnSpPr/>
           <p:nvPr/>
         </p:nvCxnSpPr>
         <p:spPr>
           <a:xfrm>
-            <a:off x="6722773" y="2118358"/>
-            <a:ext cx="0" cy="4633602"/>
+            <a:off x="6793490" y="1746449"/>
+            <a:ext cx="51520" cy="5002014"/>
           </a:xfrm>
           <a:prstGeom prst="line">
             <a:avLst/>
@@ -14395,7 +14366,7 @@
       </p:cxnSp>
       <p:sp>
         <p:nvSpPr>
-          <p:cNvPr id="66" name="Content"/>
+          <p:cNvPr id="88" name="Content"/>
           <p:cNvSpPr/>
           <p:nvPr>
             <p:custDataLst>
@@ -14405,7 +14376,7 @@
         </p:nvSpPr>
         <p:spPr>
           <a:xfrm>
-            <a:off x="1752600" y="3049021"/>
+            <a:off x="1816122" y="2673485"/>
             <a:ext cx="4343400" cy="391747"/>
           </a:xfrm>
           <a:prstGeom prst="rect">
@@ -14446,6 +14417,16 @@
           </a:bodyPr>
           <a:lstStyle/>
           <a:p>
+            <a:r>
+              <a:rPr lang="en-US" sz="1200" dirty="0" err="1" smtClean="0">
+                <a:solidFill>
+                  <a:srgbClr val="000000"/>
+                </a:solidFill>
+                <a:latin typeface="Segoe UI" pitchFamily="34" charset="0"/>
+                <a:cs typeface="Segoe UI" pitchFamily="34" charset="0"/>
+              </a:rPr>
+              <a:t>Editora</a:t>
+            </a:r>
             <a:endParaRPr lang="en-US" sz="1200" dirty="0">
               <a:solidFill>
                 <a:srgbClr val="000000"/>
@@ -14458,7 +14439,7 @@
       </p:sp>
       <p:sp>
         <p:nvSpPr>
-          <p:cNvPr id="67" name="Content"/>
+          <p:cNvPr id="89" name="Content"/>
           <p:cNvSpPr/>
           <p:nvPr>
             <p:custDataLst>
@@ -14468,7 +14449,7 @@
         </p:nvSpPr>
         <p:spPr>
           <a:xfrm>
-            <a:off x="1752600" y="3559159"/>
+            <a:off x="1816122" y="3183623"/>
             <a:ext cx="4343400" cy="391747"/>
           </a:xfrm>
           <a:prstGeom prst="rect">
@@ -14509,6 +14490,33 @@
           </a:bodyPr>
           <a:lstStyle/>
           <a:p>
+            <a:r>
+              <a:rPr lang="en-US" sz="1200" dirty="0" smtClean="0">
+                <a:solidFill>
+                  <a:srgbClr val="000000"/>
+                </a:solidFill>
+                <a:latin typeface="Segoe UI" pitchFamily="34" charset="0"/>
+                <a:cs typeface="Segoe UI" pitchFamily="34" charset="0"/>
+              </a:rPr>
+              <a:t>Data de </a:t>
+            </a:r>
+            <a:r>
+              <a:rPr lang="en-US" sz="1200" dirty="0" err="1">
+                <a:latin typeface="Segoe UI" pitchFamily="34" charset="0"/>
+                <a:cs typeface="Segoe UI" pitchFamily="34" charset="0"/>
+              </a:rPr>
+              <a:t>p</a:t>
+            </a:r>
+            <a:r>
+              <a:rPr lang="en-US" sz="1200" dirty="0" err="1" smtClean="0">
+                <a:solidFill>
+                  <a:srgbClr val="000000"/>
+                </a:solidFill>
+                <a:latin typeface="Segoe UI" pitchFamily="34" charset="0"/>
+                <a:cs typeface="Segoe UI" pitchFamily="34" charset="0"/>
+              </a:rPr>
+              <a:t>ublicação</a:t>
+            </a:r>
             <a:endParaRPr lang="en-US" sz="1200" dirty="0">
               <a:solidFill>
                 <a:srgbClr val="000000"/>
@@ -14519,16 +14527,63 @@
           </a:p>
         </p:txBody>
       </p:sp>
+      <p:sp>
+        <p:nvSpPr>
+          <p:cNvPr id="90" name="Content"/>
+          <p:cNvSpPr txBox="1"/>
+          <p:nvPr>
+            <p:custDataLst>
+              <p:custData r:id="rId19"/>
+            </p:custDataLst>
+          </p:nvPr>
+        </p:nvSpPr>
+        <p:spPr>
+          <a:xfrm>
+            <a:off x="2720666" y="3989970"/>
+            <a:ext cx="2432204" cy="230832"/>
+          </a:xfrm>
+          <a:prstGeom prst="rect">
+            <a:avLst/>
+          </a:prstGeom>
+          <a:noFill/>
+        </p:spPr>
+        <p:txBody>
+          <a:bodyPr wrap="none" lIns="91440" tIns="18288" rIns="91440" bIns="27432" rtlCol="0" anchor="ctr" anchorCtr="0">
+            <a:spAutoFit/>
+          </a:bodyPr>
+          <a:lstStyle/>
+          <a:p>
+            <a:r>
+              <a:rPr lang="en-US" sz="1200" dirty="0">
+                <a:solidFill>
+                  <a:srgbClr val="000000"/>
+                </a:solidFill>
+                <a:latin typeface="Segoe UI" pitchFamily="34" charset="0"/>
+                <a:ea typeface="Segoe UI" pitchFamily="34" charset="0"/>
+                <a:cs typeface="Segoe UI" pitchFamily="34" charset="0"/>
+              </a:rPr>
+              <a:t>OUTROS CAMPOS NECESSARIOS</a:t>
+            </a:r>
+          </a:p>
+        </p:txBody>
+      </p:sp>
     </p:spTree>
     <p:extLst>
       <p:ext uri="{BB962C8B-B14F-4D97-AF65-F5344CB8AC3E}">
-        <p14:creationId xmlns:p14="http://schemas.microsoft.com/office/powerpoint/2010/main" val="279415131"/>
+        <p14:creationId xmlns:p14="http://schemas.microsoft.com/office/powerpoint/2010/main" val="1262508456"/>
       </p:ext>
     </p:extLst>
   </p:cSld>
   <p:clrMapOvr>
     <a:masterClrMapping/>
   </p:clrMapOvr>
+  <p:timing>
+    <p:tnLst>
+      <p:par>
+        <p:cTn id="1" dur="indefinite" restart="never" nodeType="tmRoot"/>
+      </p:par>
+    </p:tnLst>
+  </p:timing>
 </p:sld>
 </file>
 
@@ -16507,7 +16562,7 @@
               <p:nvPr/>
             </p:nvPicPr>
             <p:blipFill>
-              <a:blip r:embed="rId19" cstate="print">
+              <a:blip r:embed="rId19" cstate="hqprint">
                 <a:extLst>
                   <a:ext uri="{28A0092B-C50C-407E-A947-70E740481C1C}">
                     <a14:useLocalDpi xmlns:a14="http://schemas.microsoft.com/office/drawing/2010/main" val="0"/>
@@ -16548,7 +16603,7 @@
               <p:nvPr/>
             </p:nvPicPr>
             <p:blipFill rotWithShape="1">
-              <a:blip r:embed="rId20" cstate="print">
+              <a:blip r:embed="rId20" cstate="hqprint">
                 <a:extLst>
                   <a:ext uri="{28A0092B-C50C-407E-A947-70E740481C1C}">
                     <a14:useLocalDpi xmlns:a14="http://schemas.microsoft.com/office/drawing/2010/main" val="0"/>
@@ -16587,7 +16642,7 @@
               <p:nvPr/>
             </p:nvPicPr>
             <p:blipFill>
-              <a:blip r:embed="rId21" cstate="print">
+              <a:blip r:embed="rId21" cstate="hqprint">
                 <a:extLst>
                   <a:ext uri="{28A0092B-C50C-407E-A947-70E740481C1C}">
                     <a14:useLocalDpi xmlns:a14="http://schemas.microsoft.com/office/drawing/2010/main" val="0"/>
@@ -16701,7 +16756,7 @@
                 <p:nvPr/>
               </p:nvPicPr>
               <p:blipFill>
-                <a:blip r:embed="rId22" cstate="print">
+                <a:blip r:embed="rId22" cstate="hqprint">
                   <a:extLst>
                     <a:ext uri="{28A0092B-C50C-407E-A947-70E740481C1C}">
                       <a14:useLocalDpi xmlns:a14="http://schemas.microsoft.com/office/drawing/2010/main" val="0"/>
@@ -16742,7 +16797,7 @@
                 <p:nvPr/>
               </p:nvPicPr>
               <p:blipFill>
-                <a:blip r:embed="rId23" cstate="print">
+                <a:blip r:embed="rId23" cstate="hqprint">
                   <a:extLst>
                     <a:ext uri="{28A0092B-C50C-407E-A947-70E740481C1C}">
                       <a14:useLocalDpi xmlns:a14="http://schemas.microsoft.com/office/drawing/2010/main" val="0"/>
@@ -16783,7 +16838,7 @@
                 <p:nvPr/>
               </p:nvPicPr>
               <p:blipFill>
-                <a:blip r:embed="rId24" cstate="print">
+                <a:blip r:embed="rId24" cstate="hqprint">
                   <a:extLst>
                     <a:ext uri="{28A0092B-C50C-407E-A947-70E740481C1C}">
                       <a14:useLocalDpi xmlns:a14="http://schemas.microsoft.com/office/drawing/2010/main" val="0"/>
@@ -17692,7 +17747,7 @@
               <p:nvPr/>
             </p:nvPicPr>
             <p:blipFill>
-              <a:blip r:embed="rId19" cstate="print">
+              <a:blip r:embed="rId26" cstate="hqprint">
                 <a:extLst>
                   <a:ext uri="{28A0092B-C50C-407E-A947-70E740481C1C}">
                     <a14:useLocalDpi xmlns:a14="http://schemas.microsoft.com/office/drawing/2010/main" val="0"/>
@@ -17733,7 +17788,7 @@
               <p:nvPr/>
             </p:nvPicPr>
             <p:blipFill rotWithShape="1">
-              <a:blip r:embed="rId20" cstate="print">
+              <a:blip r:embed="rId27" cstate="hqprint">
                 <a:extLst>
                   <a:ext uri="{28A0092B-C50C-407E-A947-70E740481C1C}">
                     <a14:useLocalDpi xmlns:a14="http://schemas.microsoft.com/office/drawing/2010/main" val="0"/>
@@ -17772,7 +17827,7 @@
               <p:nvPr/>
             </p:nvPicPr>
             <p:blipFill>
-              <a:blip r:embed="rId21" cstate="print">
+              <a:blip r:embed="rId28" cstate="hqprint">
                 <a:extLst>
                   <a:ext uri="{28A0092B-C50C-407E-A947-70E740481C1C}">
                     <a14:useLocalDpi xmlns:a14="http://schemas.microsoft.com/office/drawing/2010/main" val="0"/>
@@ -17886,7 +17941,7 @@
                 <p:nvPr/>
               </p:nvPicPr>
               <p:blipFill>
-                <a:blip r:embed="rId22" cstate="print">
+                <a:blip r:embed="rId29" cstate="hqprint">
                   <a:extLst>
                     <a:ext uri="{28A0092B-C50C-407E-A947-70E740481C1C}">
                       <a14:useLocalDpi xmlns:a14="http://schemas.microsoft.com/office/drawing/2010/main" val="0"/>
@@ -18823,6 +18878,13 @@
   <p:clrMapOvr>
     <a:masterClrMapping/>
   </p:clrMapOvr>
+  <p:timing>
+    <p:tnLst>
+      <p:par>
+        <p:cTn id="1" dur="indefinite" restart="never" nodeType="tmRoot"/>
+      </p:par>
+    </p:tnLst>
+  </p:timing>
 </p:sld>
 </file>
 
@@ -19123,25 +19185,205 @@
 
 <file path=customXml/item1.xml><?xml version="1.0" encoding="utf-8"?>
 <Control xmlns="http://schemas.microsoft.com/VisualStudio/2011/storyboarding/control">
-  <Id Name="System.Storyboarding.Backgrounds.WebBrowser" Revision="1" Stencil="System.Storyboarding.Backgrounds" StencilVersion="0.1"/>
+  <Id Name="System.Storyboarding.Common.Text" Revision="1" Stencil="System.Storyboarding.Common" StencilVersion="0.1"/>
 </Control>
 </file>
 
 <file path=customXml/item10.xml><?xml version="1.0" encoding="utf-8"?>
+<Control xmlns="http://schemas.microsoft.com/VisualStudio/2011/storyboarding/control">
+  <Id Name="System.Storyboarding.Common.TextInput" Revision="1" Stencil="System.Storyboarding.Common" StencilVersion="0.1"/>
+</Control>
+</file>
+
+<file path=customXml/item100.xml><?xml version="1.0" encoding="utf-8"?>
 <Control xmlns="http://schemas.microsoft.com/VisualStudio/2011/storyboarding/control">
   <Id Name="System.Storyboarding.Backgrounds.WebBrowser" Revision="1" Stencil="System.Storyboarding.Backgrounds" StencilVersion="0.1"/>
 </Control>
 </file>
 
-<file path=customXml/item11.xml><?xml version="1.0" encoding="utf-8"?>
+<file path=customXml/item101.xml><?xml version="1.0" encoding="utf-8"?>
+<Control xmlns="http://schemas.microsoft.com/VisualStudio/2011/storyboarding/control">
+  <Id Name="System.Storyboarding.Backgrounds.WebBrowser" Revision="1" Stencil="System.Storyboarding.Backgrounds" StencilVersion="0.1"/>
+</Control>
+</file>
+
+<file path=customXml/item102.xml><?xml version="1.0" encoding="utf-8"?>
 <Control xmlns="http://schemas.microsoft.com/VisualStudio/2011/storyboarding/control">
   <Id Name="System.Storyboarding.Common.Text" Revision="1" Stencil="System.Storyboarding.Common" StencilVersion="0.1"/>
 </Control>
 </file>
 
+<file path=customXml/item103.xml><?xml version="1.0" encoding="utf-8"?>
+<Control xmlns="http://schemas.microsoft.com/VisualStudio/2011/storyboarding/control">
+  <Id Name="System.Storyboarding.Icons.User" Revision="1" Stencil="System.Storyboarding.Icons" StencilVersion="0.1"/>
+</Control>
+</file>
+
+<file path=customXml/item104.xml><?xml version="1.0" encoding="utf-8"?>
+<Control xmlns="http://schemas.microsoft.com/VisualStudio/2011/storyboarding/control">
+  <Id Name="System.Storyboarding.Common.Text" Revision="1" Stencil="System.Storyboarding.Common" StencilVersion="0.1"/>
+</Control>
+</file>
+
+<file path=customXml/item105.xml><?xml version="1.0" encoding="utf-8"?>
+<Control xmlns="http://schemas.microsoft.com/VisualStudio/2011/storyboarding/control">
+  <Id Name="System.Storyboarding.Common.Text" Revision="1" Stencil="System.Storyboarding.Common" StencilVersion="0.1"/>
+</Control>
+</file>
+
+<file path=customXml/item106.xml><?xml version="1.0" encoding="utf-8"?>
+<Control xmlns="http://schemas.microsoft.com/VisualStudio/2011/storyboarding/control">
+  <Id Name="System.Storyboarding.Common.Text" Revision="1" Stencil="System.Storyboarding.Common" StencilVersion="0.1"/>
+</Control>
+</file>
+
+<file path=customXml/item107.xml><?xml version="1.0" encoding="utf-8"?>
+<Control xmlns="http://schemas.microsoft.com/VisualStudio/2011/storyboarding/control">
+  <Id Name="System.Storyboarding.Common.Text" Revision="1" Stencil="System.Storyboarding.Common" StencilVersion="0.1"/>
+</Control>
+</file>
+
+<file path=customXml/item108.xml><?xml version="1.0" encoding="utf-8"?>
+<Control xmlns="http://schemas.microsoft.com/VisualStudio/2011/storyboarding/control">
+  <Id Name="System.Storyboarding.Common.Text" Revision="1" Stencil="System.Storyboarding.Common" StencilVersion="0.1"/>
+</Control>
+</file>
+
+<file path=customXml/item109.xml><?xml version="1.0" encoding="utf-8"?>
+<Control xmlns="http://schemas.microsoft.com/VisualStudio/2011/storyboarding/control">
+  <Id Name="System.Storyboarding.Icons.User" Revision="1" Stencil="System.Storyboarding.Icons" StencilVersion="0.1"/>
+</Control>
+</file>
+
+<file path=customXml/item11.xml><?xml version="1.0" encoding="utf-8"?>
+<Control xmlns="http://schemas.microsoft.com/VisualStudio/2011/storyboarding/control">
+  <Id Name="System.Storyboarding.Common.TextInput" Revision="1" Stencil="System.Storyboarding.Common" StencilVersion="0.1"/>
+</Control>
+</file>
+
+<file path=customXml/item110.xml><?xml version="1.0" encoding="utf-8"?>
+<Control xmlns="http://schemas.microsoft.com/VisualStudio/2011/storyboarding/control">
+  <Id Name="System.Storyboarding.Common.Text" Revision="1" Stencil="System.Storyboarding.Common" StencilVersion="0.1"/>
+</Control>
+</file>
+
+<file path=customXml/item111.xml><?xml version="1.0" encoding="utf-8"?>
+<Control xmlns="http://schemas.microsoft.com/VisualStudio/2011/storyboarding/control">
+  <Id Name="System.Storyboarding.Common.Text" Revision="1" Stencil="System.Storyboarding.Common" StencilVersion="0.1"/>
+</Control>
+</file>
+
+<file path=customXml/item112.xml><?xml version="1.0" encoding="utf-8"?>
+<Control xmlns="http://schemas.microsoft.com/VisualStudio/2011/storyboarding/control">
+  <Id Name="System.Storyboarding.Common.Text" Revision="1" Stencil="System.Storyboarding.Common" StencilVersion="0.1"/>
+</Control>
+</file>
+
+<file path=customXml/item113.xml><?xml version="1.0" encoding="utf-8"?>
+<Control xmlns="http://schemas.microsoft.com/VisualStudio/2011/storyboarding/control">
+  <Id Name="System.Storyboarding.Common.Text" Revision="1" Stencil="System.Storyboarding.Common" StencilVersion="0.1"/>
+</Control>
+</file>
+
+<file path=customXml/item114.xml><?xml version="1.0" encoding="utf-8"?>
+<Control xmlns="http://schemas.microsoft.com/VisualStudio/2011/storyboarding/control">
+  <Id Name="System.Storyboarding.Common.Text" Revision="1" Stencil="System.Storyboarding.Common" StencilVersion="0.1"/>
+</Control>
+</file>
+
+<file path=customXml/item115.xml><?xml version="1.0" encoding="utf-8"?>
+<Control xmlns="http://schemas.microsoft.com/VisualStudio/2011/storyboarding/control">
+  <Id Name="System.Storyboarding.Common.TextInput" Revision="1" Stencil="System.Storyboarding.Common" StencilVersion="0.1"/>
+</Control>
+</file>
+
+<file path=customXml/item116.xml><?xml version="1.0" encoding="utf-8"?>
+<Control xmlns="http://schemas.microsoft.com/VisualStudio/2011/storyboarding/control">
+  <Id Name="System.Storyboarding.Common.Button" Revision="1" Stencil="System.Storyboarding.Common" StencilVersion="0.1"/>
+</Control>
+</file>
+
+<file path=customXml/item117.xml><?xml version="1.0" encoding="utf-8"?>
+<Control xmlns="http://schemas.microsoft.com/VisualStudio/2011/storyboarding/control">
+  <Id Name="System.Storyboarding.Common.Text" Revision="1" Stencil="System.Storyboarding.Common" StencilVersion="0.1"/>
+</Control>
+</file>
+
+<file path=customXml/item118.xml><?xml version="1.0" encoding="utf-8"?>
+<Control xmlns="http://schemas.microsoft.com/VisualStudio/2011/storyboarding/control">
+  <Id Name="System.Storyboarding.Common.TextInput" Revision="1" Stencil="System.Storyboarding.Common" StencilVersion="0.1"/>
+</Control>
+</file>
+
+<file path=customXml/item119.xml><?xml version="1.0" encoding="utf-8"?>
+<Control xmlns="http://schemas.microsoft.com/VisualStudio/2011/storyboarding/control">
+  <Id Name="System.Storyboarding.Common.Button" Revision="1" Stencil="System.Storyboarding.Common" StencilVersion="0.1"/>
+</Control>
+</file>
+
 <file path=customXml/item12.xml><?xml version="1.0" encoding="utf-8"?>
 <Control xmlns="http://schemas.microsoft.com/VisualStudio/2011/storyboarding/control">
+  <Id Name="System.Storyboarding.Backgrounds.WebBrowser" Revision="1" Stencil="System.Storyboarding.Backgrounds" StencilVersion="0.1"/>
+</Control>
+</file>
+
+<file path=customXml/item120.xml><?xml version="1.0" encoding="utf-8"?>
+<Control xmlns="http://schemas.microsoft.com/VisualStudio/2011/storyboarding/control">
+  <Id Name="System.Storyboarding.Backgrounds.WindowsPhone" Revision="1" Stencil="System.Storyboarding.Backgrounds" StencilVersion="0.1"/>
+</Control>
+</file>
+
+<file path=customXml/item121.xml><?xml version="1.0" encoding="utf-8"?>
+<Control xmlns="http://schemas.microsoft.com/VisualStudio/2011/storyboarding/control">
+  <Id Name="System.Storyboarding.Backgrounds.WindowsPhoneLandscape" Revision="1" Stencil="System.Storyboarding.Backgrounds" StencilVersion="0.1"/>
+</Control>
+</file>
+
+<file path=customXml/item122.xml><?xml version="1.0" encoding="utf-8"?>
+<Control xmlns="http://schemas.microsoft.com/VisualStudio/2011/storyboarding/control">
+  <Id Name="System.Storyboarding.Backgrounds.WebBrowser" Revision="1" Stencil="System.Storyboarding.Backgrounds" StencilVersion="0.1"/>
+</Control>
+</file>
+
+<file path=customXml/item123.xml><?xml version="1.0" encoding="utf-8"?>
+<Control xmlns="http://schemas.microsoft.com/VisualStudio/2011/storyboarding/control">
+  <Id Name="System.Storyboarding.Backgrounds.WebBrowser" Revision="1" Stencil="System.Storyboarding.Backgrounds" StencilVersion="0.1"/>
+</Control>
+</file>
+
+<file path=customXml/item124.xml><?xml version="1.0" encoding="utf-8"?>
+<Control xmlns="http://schemas.microsoft.com/VisualStudio/2011/storyboarding/control">
+  <Id Name="System.Storyboarding.Common.Text" Revision="1" Stencil="System.Storyboarding.Common" StencilVersion="0.1"/>
+</Control>
+</file>
+
+<file path=customXml/item125.xml><?xml version="1.0" encoding="utf-8"?>
+<Control xmlns="http://schemas.microsoft.com/VisualStudio/2011/storyboarding/control">
   <Id Name="System.Storyboarding.Icons.User" Revision="1" Stencil="System.Storyboarding.Icons" StencilVersion="0.1"/>
+</Control>
+</file>
+
+<file path=customXml/item126.xml><?xml version="1.0" encoding="utf-8"?>
+<Control xmlns="http://schemas.microsoft.com/VisualStudio/2011/storyboarding/control">
+  <Id Name="System.Storyboarding.Common.Text" Revision="1" Stencil="System.Storyboarding.Common" StencilVersion="0.1"/>
+</Control>
+</file>
+
+<file path=customXml/item127.xml><?xml version="1.0" encoding="utf-8"?>
+<Control xmlns="http://schemas.microsoft.com/VisualStudio/2011/storyboarding/control">
+  <Id Name="System.Storyboarding.Common.Text" Revision="1" Stencil="System.Storyboarding.Common" StencilVersion="0.1"/>
+</Control>
+</file>
+
+<file path=customXml/item128.xml><?xml version="1.0" encoding="utf-8"?>
+<Control xmlns="http://schemas.microsoft.com/VisualStudio/2011/storyboarding/control">
+  <Id Name="System.Storyboarding.Common.Text" Revision="1" Stencil="System.Storyboarding.Common" StencilVersion="0.1"/>
+</Control>
+</file>
+
+<file path=customXml/item129.xml><?xml version="1.0" encoding="utf-8"?>
+<Control xmlns="http://schemas.microsoft.com/VisualStudio/2011/storyboarding/control">
+  <Id Name="System.Storyboarding.Common.Text" Revision="1" Stencil="System.Storyboarding.Common" StencilVersion="0.1"/>
 </Control>
 </file>
 
@@ -19151,19 +19393,241 @@
 </Control>
 </file>
 
+<file path=customXml/item130.xml><?xml version="1.0" encoding="utf-8"?>
+<Control xmlns="http://schemas.microsoft.com/VisualStudio/2011/storyboarding/control">
+  <Id Name="System.Storyboarding.Common.Text" Revision="1" Stencil="System.Storyboarding.Common" StencilVersion="0.1"/>
+</Control>
+</file>
+
+<file path=customXml/item131.xml><?xml version="1.0" encoding="utf-8"?>
+<Control xmlns="http://schemas.microsoft.com/VisualStudio/2011/storyboarding/control">
+  <Id Name="System.Storyboarding.Icons.User" Revision="1" Stencil="System.Storyboarding.Icons" StencilVersion="0.1"/>
+</Control>
+</file>
+
+<file path=customXml/item132.xml><?xml version="1.0" encoding="utf-8"?>
+<Control xmlns="http://schemas.microsoft.com/VisualStudio/2011/storyboarding/control">
+  <Id Name="System.Storyboarding.Common.Text" Revision="1" Stencil="System.Storyboarding.Common" StencilVersion="0.1"/>
+</Control>
+</file>
+
+<file path=customXml/item133.xml><?xml version="1.0" encoding="utf-8"?>
+<Control xmlns="http://schemas.microsoft.com/VisualStudio/2011/storyboarding/control">
+  <Id Name="System.Storyboarding.Common.Text" Revision="1" Stencil="System.Storyboarding.Common" StencilVersion="0.1"/>
+</Control>
+</file>
+
+<file path=customXml/item134.xml><?xml version="1.0" encoding="utf-8"?>
+<Control xmlns="http://schemas.microsoft.com/VisualStudio/2011/storyboarding/control">
+  <Id Name="System.Storyboarding.Common.Text" Revision="1" Stencil="System.Storyboarding.Common" StencilVersion="0.1"/>
+</Control>
+</file>
+
+<file path=customXml/item135.xml><?xml version="1.0" encoding="utf-8"?>
+<Control xmlns="http://schemas.microsoft.com/VisualStudio/2011/storyboarding/control">
+  <Id Name="System.Storyboarding.Common.Text" Revision="1" Stencil="System.Storyboarding.Common" StencilVersion="0.1"/>
+</Control>
+</file>
+
+<file path=customXml/item136.xml><?xml version="1.0" encoding="utf-8"?>
+<Control xmlns="http://schemas.microsoft.com/VisualStudio/2011/storyboarding/control">
+  <Id Name="System.Storyboarding.Common.Text" Revision="1" Stencil="System.Storyboarding.Common" StencilVersion="0.1"/>
+</Control>
+</file>
+
+<file path=customXml/item137.xml><?xml version="1.0" encoding="utf-8"?>
+<Control xmlns="http://schemas.microsoft.com/VisualStudio/2011/storyboarding/control">
+  <Id Name="System.Storyboarding.Common.TextInput" Revision="1" Stencil="System.Storyboarding.Common" StencilVersion="0.1"/>
+</Control>
+</file>
+
+<file path=customXml/item138.xml><?xml version="1.0" encoding="utf-8"?>
+<Control xmlns="http://schemas.microsoft.com/VisualStudio/2011/storyboarding/control">
+  <Id Name="System.Storyboarding.Common.Button" Revision="1" Stencil="System.Storyboarding.Common" StencilVersion="0.1"/>
+</Control>
+</file>
+
+<file path=customXml/item139.xml><?xml version="1.0" encoding="utf-8"?>
+<Control xmlns="http://schemas.microsoft.com/VisualStudio/2011/storyboarding/control">
+  <Id Name="System.Storyboarding.Common.Text" Revision="1" Stencil="System.Storyboarding.Common" StencilVersion="0.1"/>
+</Control>
+</file>
+
 <file path=customXml/item14.xml><?xml version="1.0" encoding="utf-8"?>
 <Control xmlns="http://schemas.microsoft.com/VisualStudio/2011/storyboarding/control">
   <Id Name="System.Storyboarding.Common.Text" Revision="1" Stencil="System.Storyboarding.Common" StencilVersion="0.1"/>
 </Control>
 </file>
 
+<file path=customXml/item140.xml><?xml version="1.0" encoding="utf-8"?>
+<Control xmlns="http://schemas.microsoft.com/VisualStudio/2011/storyboarding/control">
+  <Id Name="System.Storyboarding.Common.TextInput" Revision="1" Stencil="System.Storyboarding.Common" StencilVersion="0.1"/>
+</Control>
+</file>
+
+<file path=customXml/item141.xml><?xml version="1.0" encoding="utf-8"?>
+<Control xmlns="http://schemas.microsoft.com/VisualStudio/2011/storyboarding/control">
+  <Id Name="System.Storyboarding.Common.Button" Revision="1" Stencil="System.Storyboarding.Common" StencilVersion="0.1"/>
+</Control>
+</file>
+
+<file path=customXml/item142.xml><?xml version="1.0" encoding="utf-8"?>
+<Control xmlns="http://schemas.microsoft.com/VisualStudio/2011/storyboarding/control">
+  <Id Name="System.Storyboarding.Common.Text" Revision="1" Stencil="System.Storyboarding.Common" StencilVersion="0.1"/>
+</Control>
+</file>
+
+<file path=customXml/item143.xml><?xml version="1.0" encoding="utf-8"?>
+<Control xmlns="http://schemas.microsoft.com/VisualStudio/2011/storyboarding/control">
+  <Id Name="System.Storyboarding.Common.Text" Revision="1" Stencil="System.Storyboarding.Common" StencilVersion="0.1"/>
+</Control>
+</file>
+
+<file path=customXml/item144.xml><?xml version="1.0" encoding="utf-8"?>
+<Control xmlns="http://schemas.microsoft.com/VisualStudio/2011/storyboarding/control">
+  <Id Name="System.Storyboarding.Common.Text" Revision="1" Stencil="System.Storyboarding.Common" StencilVersion="0.1"/>
+</Control>
+</file>
+
+<file path=customXml/item145.xml><?xml version="1.0" encoding="utf-8"?>
+<Control xmlns="http://schemas.microsoft.com/VisualStudio/2011/storyboarding/control">
+  <Id Name="System.Storyboarding.Common.Text" Revision="1" Stencil="System.Storyboarding.Common" StencilVersion="0.1"/>
+</Control>
+</file>
+
+<file path=customXml/item146.xml><?xml version="1.0" encoding="utf-8"?>
+<Control xmlns="http://schemas.microsoft.com/VisualStudio/2011/storyboarding/control">
+  <Id Name="System.Storyboarding.Common.Text" Revision="1" Stencil="System.Storyboarding.Common" StencilVersion="0.1"/>
+</Control>
+</file>
+
+<file path=customXml/item147.xml><?xml version="1.0" encoding="utf-8"?>
+<Control xmlns="http://schemas.microsoft.com/VisualStudio/2011/storyboarding/control">
+  <Id Name="System.Storyboarding.Common.Text" Revision="1" Stencil="System.Storyboarding.Common" StencilVersion="0.1"/>
+</Control>
+</file>
+
+<file path=customXml/item148.xml><?xml version="1.0" encoding="utf-8"?>
+<Control xmlns="http://schemas.microsoft.com/VisualStudio/2011/storyboarding/control">
+  <Id Name="System.Storyboarding.Common.Text" Revision="1" Stencil="System.Storyboarding.Common" StencilVersion="0.1"/>
+</Control>
+</file>
+
+<file path=customXml/item149.xml><?xml version="1.0" encoding="utf-8"?>
+<Control xmlns="http://schemas.microsoft.com/VisualStudio/2011/storyboarding/control">
+  <Id Name="System.Storyboarding.Common.ScrollbarVertical" Revision="1" Stencil="System.Storyboarding.Common" StencilVersion="0.1"/>
+</Control>
+</file>
+
 <file path=customXml/item15.xml><?xml version="1.0" encoding="utf-8"?>
 <Control xmlns="http://schemas.microsoft.com/VisualStudio/2011/storyboarding/control">
   <Id Name="System.Storyboarding.Common.Text" Revision="1" Stencil="System.Storyboarding.Common" StencilVersion="0.1"/>
 </Control>
 </file>
 
+<file path=customXml/item150.xml><?xml version="1.0" encoding="utf-8"?>
+<Control xmlns="http://schemas.microsoft.com/VisualStudio/2011/storyboarding/control">
+  <Id Name="System.Storyboarding.Common.Text" Revision="1" Stencil="System.Storyboarding.Common" StencilVersion="0.1"/>
+</Control>
+</file>
+
+<file path=customXml/item151.xml><?xml version="1.0" encoding="utf-8"?>
+<Control xmlns="http://schemas.microsoft.com/VisualStudio/2011/storyboarding/control">
+  <Id Name="System.Storyboarding.Common.Text" Revision="1" Stencil="System.Storyboarding.Common" StencilVersion="0.1"/>
+</Control>
+</file>
+
+<file path=customXml/item152.xml><?xml version="1.0" encoding="utf-8"?>
+<Control xmlns="http://schemas.microsoft.com/VisualStudio/2011/storyboarding/control">
+  <Id Name="System.Storyboarding.Common.TextInput" Revision="1" Stencil="System.Storyboarding.Common" StencilVersion="0.1"/>
+</Control>
+</file>
+
+<file path=customXml/item153.xml><?xml version="1.0" encoding="utf-8"?>
+<Control xmlns="http://schemas.microsoft.com/VisualStudio/2011/storyboarding/control">
+  <Id Name="System.Storyboarding.Common.Button" Revision="1" Stencil="System.Storyboarding.Common" StencilVersion="0.1"/>
+</Control>
+</file>
+
+<file path=customXml/item154.xml><?xml version="1.0" encoding="utf-8"?>
+<Control xmlns="http://schemas.microsoft.com/VisualStudio/2011/storyboarding/control">
+  <Id Name="System.Storyboarding.Common.TextInput" Revision="1" Stencil="System.Storyboarding.Common" StencilVersion="0.1"/>
+</Control>
+</file>
+
+<file path=customXml/item155.xml><?xml version="1.0" encoding="utf-8"?>
+<Control xmlns="http://schemas.microsoft.com/VisualStudio/2011/storyboarding/control">
+  <Id Name="System.Storyboarding.Common.TextInput" Revision="1" Stencil="System.Storyboarding.Common" StencilVersion="0.1"/>
+</Control>
+</file>
+
+<file path=customXml/item156.xml><?xml version="1.0" encoding="utf-8"?>
+<Control xmlns="http://schemas.microsoft.com/VisualStudio/2011/storyboarding/control">
+  <Id Name="System.Storyboarding.Common.Text" Revision="1" Stencil="System.Storyboarding.Common" StencilVersion="0.1"/>
+</Control>
+</file>
+
+<file path=customXml/item157.xml><?xml version="1.0" encoding="utf-8"?>
+<Control xmlns="http://schemas.microsoft.com/VisualStudio/2011/storyboarding/control">
+  <Id Name="System.Storyboarding.Common.Text" Revision="1" Stencil="System.Storyboarding.Common" StencilVersion="0.1"/>
+</Control>
+</file>
+
+<file path=customXml/item158.xml><?xml version="1.0" encoding="utf-8"?>
+<Control xmlns="http://schemas.microsoft.com/VisualStudio/2011/storyboarding/control">
+  <Id Name="System.Storyboarding.Common.TextInput" Revision="1" Stencil="System.Storyboarding.Common" StencilVersion="0.1"/>
+</Control>
+</file>
+
+<file path=customXml/item159.xml><?xml version="1.0" encoding="utf-8"?>
+<Control xmlns="http://schemas.microsoft.com/VisualStudio/2011/storyboarding/control">
+  <Id Name="System.Storyboarding.Common.Button" Revision="1" Stencil="System.Storyboarding.Common" StencilVersion="0.1"/>
+</Control>
+</file>
+
 <file path=customXml/item16.xml><?xml version="1.0" encoding="utf-8"?>
+<Control xmlns="http://schemas.microsoft.com/VisualStudio/2011/storyboarding/control">
+  <Id Name="System.Storyboarding.Backgrounds.WebBrowser" Revision="1" Stencil="System.Storyboarding.Backgrounds" StencilVersion="0.1"/>
+</Control>
+</file>
+
+<file path=customXml/item160.xml><?xml version="1.0" encoding="utf-8"?>
+<Control xmlns="http://schemas.microsoft.com/VisualStudio/2011/storyboarding/control">
+  <Id Name="System.Storyboarding.Common.Text" Revision="1" Stencil="System.Storyboarding.Common" StencilVersion="0.1"/>
+</Control>
+</file>
+
+<file path=customXml/item161.xml><?xml version="1.0" encoding="utf-8"?>
+<Control xmlns="http://schemas.microsoft.com/VisualStudio/2011/storyboarding/control">
+  <Id Name="System.Storyboarding.Common.Text" Revision="1" Stencil="System.Storyboarding.Common" StencilVersion="0.1"/>
+</Control>
+</file>
+
+<file path=customXml/item162.xml><?xml version="1.0" encoding="utf-8"?>
+<Control xmlns="http://schemas.microsoft.com/VisualStudio/2011/storyboarding/control">
+  <Id Name="System.Storyboarding.Common.Text" Revision="1" Stencil="System.Storyboarding.Common" StencilVersion="0.1"/>
+</Control>
+</file>
+
+<file path=customXml/item163.xml><?xml version="1.0" encoding="utf-8"?>
+<Control xmlns="http://schemas.microsoft.com/VisualStudio/2011/storyboarding/control">
+  <Id Name="System.Storyboarding.Common.Text" Revision="1" Stencil="System.Storyboarding.Common" StencilVersion="0.1"/>
+</Control>
+</file>
+
+<file path=customXml/item164.xml><?xml version="1.0" encoding="utf-8"?>
+<Control xmlns="http://schemas.microsoft.com/VisualStudio/2011/storyboarding/control">
+  <Id Name="System.Storyboarding.Common.TextInput" Revision="1" Stencil="System.Storyboarding.Common" StencilVersion="0.1"/>
+</Control>
+</file>
+
+<file path=customXml/item165.xml><?xml version="1.0" encoding="utf-8"?>
+<Control xmlns="http://schemas.microsoft.com/VisualStudio/2011/storyboarding/control">
+  <Id Name="System.Storyboarding.Common.TextInput" Revision="1" Stencil="System.Storyboarding.Common" StencilVersion="0.1"/>
+</Control>
+</file>
+
+<file path=customXml/item166.xml><?xml version="1.0" encoding="utf-8"?>
 <Control xmlns="http://schemas.microsoft.com/VisualStudio/2011/storyboarding/control">
   <Id Name="System.Storyboarding.Common.Text" Revision="1" Stencil="System.Storyboarding.Common" StencilVersion="0.1"/>
 </Control>
@@ -19183,31 +19647,31 @@
 
 <file path=customXml/item19.xml><?xml version="1.0" encoding="utf-8"?>
 <Control xmlns="http://schemas.microsoft.com/VisualStudio/2011/storyboarding/control">
-  <Id Name="System.Storyboarding.Backgrounds.WebBrowser" Revision="1" Stencil="System.Storyboarding.Backgrounds" StencilVersion="0.1"/>
+  <Id Name="System.Storyboarding.Common.TextInput" Revision="1" Stencil="System.Storyboarding.Common" StencilVersion="0.1"/>
 </Control>
 </file>
 
 <file path=customXml/item2.xml><?xml version="1.0" encoding="utf-8"?>
+<Control xmlns="http://schemas.microsoft.com/VisualStudio/2011/storyboarding/control">
+  <Id Name="System.Storyboarding.Common.Text" Revision="1" Stencil="System.Storyboarding.Common" StencilVersion="0.1"/>
+</Control>
+</file>
+
+<file path=customXml/item20.xml><?xml version="1.0" encoding="utf-8"?>
+<Control xmlns="http://schemas.microsoft.com/VisualStudio/2011/storyboarding/control">
+  <Id Name="System.Storyboarding.Backgrounds.WindowsPhone" Revision="1" Stencil="System.Storyboarding.Backgrounds" StencilVersion="0.1"/>
+</Control>
+</file>
+
+<file path=customXml/item21.xml><?xml version="1.0" encoding="utf-8"?>
 <Control xmlns="http://schemas.microsoft.com/VisualStudio/2011/storyboarding/control">
   <Id Name="System.Storyboarding.Common.TextInput" Revision="1" Stencil="System.Storyboarding.Common" StencilVersion="0.1"/>
 </Control>
 </file>
 
-<file path=customXml/item20.xml><?xml version="1.0" encoding="utf-8"?>
-<Control xmlns="http://schemas.microsoft.com/VisualStudio/2011/storyboarding/control">
-  <Id Name="System.Storyboarding.Common.Text" Revision="1" Stencil="System.Storyboarding.Common" StencilVersion="0.1"/>
-</Control>
-</file>
-
-<file path=customXml/item21.xml><?xml version="1.0" encoding="utf-8"?>
-<Control xmlns="http://schemas.microsoft.com/VisualStudio/2011/storyboarding/control">
-  <Id Name="System.Storyboarding.Icons.User" Revision="1" Stencil="System.Storyboarding.Icons" StencilVersion="0.1"/>
-</Control>
-</file>
-
 <file path=customXml/item22.xml><?xml version="1.0" encoding="utf-8"?>
 <Control xmlns="http://schemas.microsoft.com/VisualStudio/2011/storyboarding/control">
-  <Id Name="System.Storyboarding.Common.Text" Revision="1" Stencil="System.Storyboarding.Common" StencilVersion="0.1"/>
+  <Id Name="System.Storyboarding.Common.Button" Revision="1" Stencil="System.Storyboarding.Common" StencilVersion="0.1"/>
 </Control>
 </file>
 
@@ -19219,13 +19683,13 @@
 
 <file path=customXml/item24.xml><?xml version="1.0" encoding="utf-8"?>
 <Control xmlns="http://schemas.microsoft.com/VisualStudio/2011/storyboarding/control">
-  <Id Name="System.Storyboarding.Common.Text" Revision="1" Stencil="System.Storyboarding.Common" StencilVersion="0.1"/>
+  <Id Name="System.Storyboarding.Common.Button" Revision="1" Stencil="System.Storyboarding.Common" StencilVersion="0.1"/>
 </Control>
 </file>
 
 <file path=customXml/item25.xml><?xml version="1.0" encoding="utf-8"?>
 <Control xmlns="http://schemas.microsoft.com/VisualStudio/2011/storyboarding/control">
-  <Id Name="System.Storyboarding.Common.Text" Revision="1" Stencil="System.Storyboarding.Common" StencilVersion="0.1"/>
+  <Id Name="System.Storyboarding.Common.Button" Revision="1" Stencil="System.Storyboarding.Common" StencilVersion="0.1"/>
 </Control>
 </file>
 
@@ -19237,31 +19701,31 @@
 
 <file path=customXml/item27.xml><?xml version="1.0" encoding="utf-8"?>
 <Control xmlns="http://schemas.microsoft.com/VisualStudio/2011/storyboarding/control">
-  <Id Name="System.Storyboarding.Common.Text" Revision="1" Stencil="System.Storyboarding.Common" StencilVersion="0.1"/>
+  <Id Name="System.Storyboarding.Common.TextInput" Revision="1" Stencil="System.Storyboarding.Common" StencilVersion="0.1"/>
 </Control>
 </file>
 
 <file path=customXml/item28.xml><?xml version="1.0" encoding="utf-8"?>
-<Control xmlns="http://schemas.microsoft.com/VisualStudio/2011/storyboarding/control">
-  <Id Name="System.Storyboarding.Backgrounds.WebBrowser" Revision="1" Stencil="System.Storyboarding.Backgrounds" StencilVersion="0.1"/>
-</Control>
-</file>
-
-<file path=customXml/item29.xml><?xml version="1.0" encoding="utf-8"?>
 <Control xmlns="http://schemas.microsoft.com/VisualStudio/2011/storyboarding/control">
   <Id Name="System.Storyboarding.Common.Text" Revision="1" Stencil="System.Storyboarding.Common" StencilVersion="0.1"/>
 </Control>
 </file>
 
+<file path=customXml/item29.xml><?xml version="1.0" encoding="utf-8"?>
+<Control xmlns="http://schemas.microsoft.com/VisualStudio/2011/storyboarding/control">
+  <Id Name="System.Storyboarding.Backgrounds.WindowsPhoneLandscape" Revision="1" Stencil="System.Storyboarding.Backgrounds" StencilVersion="0.1"/>
+</Control>
+</file>
+
 <file path=customXml/item3.xml><?xml version="1.0" encoding="utf-8"?>
 <Control xmlns="http://schemas.microsoft.com/VisualStudio/2011/storyboarding/control">
-  <Id Name="System.Storyboarding.Common.TextInput" Revision="1" Stencil="System.Storyboarding.Common" StencilVersion="0.1"/>
+  <Id Name="System.Storyboarding.Common.Text" Revision="1" Stencil="System.Storyboarding.Common" StencilVersion="0.1"/>
 </Control>
 </file>
 
 <file path=customXml/item30.xml><?xml version="1.0" encoding="utf-8"?>
 <Control xmlns="http://schemas.microsoft.com/VisualStudio/2011/storyboarding/control">
-  <Id Name="System.Storyboarding.Icons.User" Revision="1" Stencil="System.Storyboarding.Icons" StencilVersion="0.1"/>
+  <Id Name="System.Storyboarding.Backgrounds.WebBrowser" Revision="1" Stencil="System.Storyboarding.Backgrounds" StencilVersion="0.1"/>
 </Control>
 </file>
 
@@ -19273,7 +19737,7 @@
 
 <file path=customXml/item32.xml><?xml version="1.0" encoding="utf-8"?>
 <Control xmlns="http://schemas.microsoft.com/VisualStudio/2011/storyboarding/control">
-  <Id Name="System.Storyboarding.Common.Text" Revision="1" Stencil="System.Storyboarding.Common" StencilVersion="0.1"/>
+  <Id Name="System.Storyboarding.Icons.User" Revision="1" Stencil="System.Storyboarding.Icons" StencilVersion="0.1"/>
 </Control>
 </file>
 
@@ -19309,19 +19773,19 @@
 
 <file path=customXml/item38.xml><?xml version="1.0" encoding="utf-8"?>
 <Control xmlns="http://schemas.microsoft.com/VisualStudio/2011/storyboarding/control">
-  <Id Name="System.Storyboarding.Common.TextInput" Revision="1" Stencil="System.Storyboarding.Common" StencilVersion="0.1"/>
+  <Id Name="System.Storyboarding.Common.Text" Revision="1" Stencil="System.Storyboarding.Common" StencilVersion="0.1"/>
 </Control>
 </file>
 
 <file path=customXml/item39.xml><?xml version="1.0" encoding="utf-8"?>
 <Control xmlns="http://schemas.microsoft.com/VisualStudio/2011/storyboarding/control">
-  <Id Name="System.Storyboarding.Common.Button" Revision="1" Stencil="System.Storyboarding.Common" StencilVersion="0.1"/>
+  <Id Name="System.Storyboarding.Backgrounds.WebBrowser" Revision="1" Stencil="System.Storyboarding.Backgrounds" StencilVersion="0.1"/>
 </Control>
 </file>
 
 <file path=customXml/item4.xml><?xml version="1.0" encoding="utf-8"?>
 <Control xmlns="http://schemas.microsoft.com/VisualStudio/2011/storyboarding/control">
-  <Id Name="System.Storyboarding.Common.Button" Revision="1" Stencil="System.Storyboarding.Common" StencilVersion="0.1"/>
+  <Id Name="System.Storyboarding.Common.Text" Revision="1" Stencil="System.Storyboarding.Common" StencilVersion="0.1"/>
 </Control>
 </file>
 
@@ -19333,7 +19797,7 @@
 
 <file path=customXml/item41.xml><?xml version="1.0" encoding="utf-8"?>
 <Control xmlns="http://schemas.microsoft.com/VisualStudio/2011/storyboarding/control">
-  <Id Name="System.Storyboarding.Common.Text" Revision="1" Stencil="System.Storyboarding.Common" StencilVersion="0.1"/>
+  <Id Name="System.Storyboarding.Icons.User" Revision="1" Stencil="System.Storyboarding.Icons" StencilVersion="0.1"/>
 </Control>
 </file>
 
@@ -19351,19 +19815,19 @@
 
 <file path=customXml/item44.xml><?xml version="1.0" encoding="utf-8"?>
 <Control xmlns="http://schemas.microsoft.com/VisualStudio/2011/storyboarding/control">
-  <Id Name="System.Storyboarding.Backgrounds.WindowsPhone" Revision="1" Stencil="System.Storyboarding.Backgrounds" StencilVersion="0.1"/>
+  <Id Name="System.Storyboarding.Common.Text" Revision="1" Stencil="System.Storyboarding.Common" StencilVersion="0.1"/>
 </Control>
 </file>
 
 <file path=customXml/item45.xml><?xml version="1.0" encoding="utf-8"?>
 <Control xmlns="http://schemas.microsoft.com/VisualStudio/2011/storyboarding/control">
-  <Id Name="System.Storyboarding.Backgrounds.WindowsPhoneLandscape" Revision="1" Stencil="System.Storyboarding.Backgrounds" StencilVersion="0.1"/>
+  <Id Name="System.Storyboarding.Common.Text" Revision="1" Stencil="System.Storyboarding.Common" StencilVersion="0.1"/>
 </Control>
 </file>
 
 <file path=customXml/item46.xml><?xml version="1.0" encoding="utf-8"?>
 <Control xmlns="http://schemas.microsoft.com/VisualStudio/2011/storyboarding/control">
-  <Id Name="System.Storyboarding.Backgrounds.WebBrowser" Revision="1" Stencil="System.Storyboarding.Backgrounds" StencilVersion="0.1"/>
+  <Id Name="System.Storyboarding.Common.Text" Revision="1" Stencil="System.Storyboarding.Common" StencilVersion="0.1"/>
 </Control>
 </file>
 
@@ -19393,19 +19857,19 @@
 
 <file path=customXml/item50.xml><?xml version="1.0" encoding="utf-8"?>
 <Control xmlns="http://schemas.microsoft.com/VisualStudio/2011/storyboarding/control">
-  <Id Name="System.Storyboarding.Common.Button" Revision="1" Stencil="System.Storyboarding.Common" StencilVersion="0.1"/>
+  <Id Name="System.Storyboarding.Icons.User" Revision="1" Stencil="System.Storyboarding.Icons" StencilVersion="0.1"/>
 </Control>
 </file>
 
 <file path=customXml/item51.xml><?xml version="1.0" encoding="utf-8"?>
 <Control xmlns="http://schemas.microsoft.com/VisualStudio/2011/storyboarding/control">
-  <Id Name="System.Storyboarding.Common.TextInput" Revision="1" Stencil="System.Storyboarding.Common" StencilVersion="0.1"/>
+  <Id Name="System.Storyboarding.Common.Text" Revision="1" Stencil="System.Storyboarding.Common" StencilVersion="0.1"/>
 </Control>
 </file>
 
 <file path=customXml/item52.xml><?xml version="1.0" encoding="utf-8"?>
 <Control xmlns="http://schemas.microsoft.com/VisualStudio/2011/storyboarding/control">
-  <Id Name="System.Storyboarding.Common.TextInput" Revision="1" Stencil="System.Storyboarding.Common" StencilVersion="0.1"/>
+  <Id Name="System.Storyboarding.Common.Text" Revision="1" Stencil="System.Storyboarding.Common" StencilVersion="0.1"/>
 </Control>
 </file>
 
@@ -19423,19 +19887,19 @@
 
 <file path=customXml/item55.xml><?xml version="1.0" encoding="utf-8"?>
 <Control xmlns="http://schemas.microsoft.com/VisualStudio/2011/storyboarding/control">
-  <Id Name="System.Storyboarding.Common.Button" Revision="1" Stencil="System.Storyboarding.Common" StencilVersion="0.1"/>
+  <Id Name="System.Storyboarding.Common.Text" Revision="1" Stencil="System.Storyboarding.Common" StencilVersion="0.1"/>
 </Control>
 </file>
 
 <file path=customXml/item56.xml><?xml version="1.0" encoding="utf-8"?>
 <Control xmlns="http://schemas.microsoft.com/VisualStudio/2011/storyboarding/control">
-  <Id Name="System.Storyboarding.Common.TextInput" Revision="1" Stencil="System.Storyboarding.Common" StencilVersion="0.1"/>
+  <Id Name="System.Storyboarding.Common.Text" Revision="1" Stencil="System.Storyboarding.Common" StencilVersion="0.1"/>
 </Control>
 </file>
 
 <file path=customXml/item57.xml><?xml version="1.0" encoding="utf-8"?>
 <Control xmlns="http://schemas.microsoft.com/VisualStudio/2011/storyboarding/control">
-  <Id Name="System.Storyboarding.Common.TextInput" Revision="1" Stencil="System.Storyboarding.Common" StencilVersion="0.1"/>
+  <Id Name="System.Storyboarding.Backgrounds.WebBrowser" Revision="1" Stencil="System.Storyboarding.Backgrounds" StencilVersion="0.1"/>
 </Control>
 </file>
 
@@ -19447,7 +19911,7 @@
 
 <file path=customXml/item59.xml><?xml version="1.0" encoding="utf-8"?>
 <Control xmlns="http://schemas.microsoft.com/VisualStudio/2011/storyboarding/control">
-  <Id Name="System.Storyboarding.Common.Text" Revision="1" Stencil="System.Storyboarding.Common" StencilVersion="0.1"/>
+  <Id Name="System.Storyboarding.Icons.User" Revision="1" Stencil="System.Storyboarding.Icons" StencilVersion="0.1"/>
 </Control>
 </file>
 
@@ -19459,7 +19923,7 @@
 
 <file path=customXml/item60.xml><?xml version="1.0" encoding="utf-8"?>
 <Control xmlns="http://schemas.microsoft.com/VisualStudio/2011/storyboarding/control">
-  <Id Name="System.Storyboarding.Backgrounds.WebBrowser" Revision="1" Stencil="System.Storyboarding.Backgrounds" StencilVersion="0.1"/>
+  <Id Name="System.Storyboarding.Common.Text" Revision="1" Stencil="System.Storyboarding.Common" StencilVersion="0.1"/>
 </Control>
 </file>
 
@@ -19471,7 +19935,7 @@
 
 <file path=customXml/item62.xml><?xml version="1.0" encoding="utf-8"?>
 <Control xmlns="http://schemas.microsoft.com/VisualStudio/2011/storyboarding/control">
-  <Id Name="System.Storyboarding.Icons.User" Revision="1" Stencil="System.Storyboarding.Icons" StencilVersion="0.1"/>
+  <Id Name="System.Storyboarding.Common.Text" Revision="1" Stencil="System.Storyboarding.Common" StencilVersion="0.1"/>
 </Control>
 </file>
 
@@ -19495,43 +19959,43 @@
 
 <file path=customXml/item66.xml><?xml version="1.0" encoding="utf-8"?>
 <Control xmlns="http://schemas.microsoft.com/VisualStudio/2011/storyboarding/control">
-  <Id Name="System.Storyboarding.Common.Text" Revision="1" Stencil="System.Storyboarding.Common" StencilVersion="0.1"/>
+  <Id Name="System.Storyboarding.Backgrounds.WindowsPhone" Revision="1" Stencil="System.Storyboarding.Backgrounds" StencilVersion="0.1"/>
 </Control>
 </file>
 
 <file path=customXml/item67.xml><?xml version="1.0" encoding="utf-8"?>
+<Control xmlns="http://schemas.microsoft.com/VisualStudio/2011/storyboarding/control">
+  <Id Name="System.Storyboarding.Backgrounds.WindowsPhoneLandscape" Revision="1" Stencil="System.Storyboarding.Backgrounds" StencilVersion="0.1"/>
+</Control>
+</file>
+
+<file path=customXml/item68.xml><?xml version="1.0" encoding="utf-8"?>
+<Control xmlns="http://schemas.microsoft.com/VisualStudio/2011/storyboarding/control">
+  <Id Name="System.Storyboarding.Backgrounds.WebBrowser" Revision="1" Stencil="System.Storyboarding.Backgrounds" StencilVersion="0.1"/>
+</Control>
+</file>
+
+<file path=customXml/item69.xml><?xml version="1.0" encoding="utf-8"?>
+<Control xmlns="http://schemas.microsoft.com/VisualStudio/2011/storyboarding/control">
+  <Id Name="System.Storyboarding.Backgrounds.WebBrowser" Revision="1" Stencil="System.Storyboarding.Backgrounds" StencilVersion="0.1"/>
+</Control>
+</file>
+
+<file path=customXml/item7.xml><?xml version="1.0" encoding="utf-8"?>
+<Control xmlns="http://schemas.microsoft.com/VisualStudio/2011/storyboarding/control">
+  <Id Name="System.Storyboarding.Backgrounds.WebBrowser" Revision="1" Stencil="System.Storyboarding.Backgrounds" StencilVersion="0.1"/>
+</Control>
+</file>
+
+<file path=customXml/item70.xml><?xml version="1.0" encoding="utf-8"?>
 <Control xmlns="http://schemas.microsoft.com/VisualStudio/2011/storyboarding/control">
   <Id Name="System.Storyboarding.Common.Text" Revision="1" Stencil="System.Storyboarding.Common" StencilVersion="0.1"/>
 </Control>
 </file>
 
-<file path=customXml/item68.xml><?xml version="1.0" encoding="utf-8"?>
-<Control xmlns="http://schemas.microsoft.com/VisualStudio/2011/storyboarding/control">
-  <Id Name="System.Storyboarding.Common.Text" Revision="1" Stencil="System.Storyboarding.Common" StencilVersion="0.1"/>
-</Control>
-</file>
-
-<file path=customXml/item69.xml><?xml version="1.0" encoding="utf-8"?>
-<Control xmlns="http://schemas.microsoft.com/VisualStudio/2011/storyboarding/control">
-  <Id Name="System.Storyboarding.Common.Text" Revision="1" Stencil="System.Storyboarding.Common" StencilVersion="0.1"/>
-</Control>
-</file>
-
-<file path=customXml/item7.xml><?xml version="1.0" encoding="utf-8"?>
-<Control xmlns="http://schemas.microsoft.com/VisualStudio/2011/storyboarding/control">
-  <Id Name="System.Storyboarding.Common.Text" Revision="1" Stencil="System.Storyboarding.Common" StencilVersion="0.1"/>
-</Control>
-</file>
-
-<file path=customXml/item70.xml><?xml version="1.0" encoding="utf-8"?>
-<Control xmlns="http://schemas.microsoft.com/VisualStudio/2011/storyboarding/control">
-  <Id Name="System.Storyboarding.Common.TextInput" Revision="1" Stencil="System.Storyboarding.Common" StencilVersion="0.1"/>
-</Control>
-</file>
-
 <file path=customXml/item71.xml><?xml version="1.0" encoding="utf-8"?>
 <Control xmlns="http://schemas.microsoft.com/VisualStudio/2011/storyboarding/control">
-  <Id Name="System.Storyboarding.Common.Button" Revision="1" Stencil="System.Storyboarding.Common" StencilVersion="0.1"/>
+  <Id Name="System.Storyboarding.Icons.User" Revision="1" Stencil="System.Storyboarding.Icons" StencilVersion="0.1"/>
 </Control>
 </file>
 
@@ -19561,13 +20025,13 @@
 
 <file path=customXml/item76.xml><?xml version="1.0" encoding="utf-8"?>
 <Control xmlns="http://schemas.microsoft.com/VisualStudio/2011/storyboarding/control">
-  <Id Name="System.Storyboarding.Common.TextInput" Revision="1" Stencil="System.Storyboarding.Common" StencilVersion="0.1"/>
+  <Id Name="System.Storyboarding.Common.Text" Revision="1" Stencil="System.Storyboarding.Common" StencilVersion="0.1"/>
 </Control>
 </file>
 
 <file path=customXml/item77.xml><?xml version="1.0" encoding="utf-8"?>
 <Control xmlns="http://schemas.microsoft.com/VisualStudio/2011/storyboarding/control">
-  <Id Name="System.Storyboarding.Common.TextInput" Revision="1" Stencil="System.Storyboarding.Common" StencilVersion="0.1"/>
+  <Id Name="System.Storyboarding.Icons.User" Revision="1" Stencil="System.Storyboarding.Icons" StencilVersion="0.1"/>
 </Control>
 </file>
 
@@ -19579,19 +20043,73 @@
 
 <file path=customXml/item79.xml><?xml version="1.0" encoding="utf-8"?>
 <Control xmlns="http://schemas.microsoft.com/VisualStudio/2011/storyboarding/control">
+  <Id Name="System.Storyboarding.Common.Text" Revision="1" Stencil="System.Storyboarding.Common" StencilVersion="0.1"/>
+</Control>
+</file>
+
+<file path=customXml/item8.xml><?xml version="1.0" encoding="utf-8"?>
+<Control xmlns="http://schemas.microsoft.com/VisualStudio/2011/storyboarding/control">
   <Id Name="System.Storyboarding.Common.TextInput" Revision="1" Stencil="System.Storyboarding.Common" StencilVersion="0.1"/>
 </Control>
 </file>
 
-<file path=customXml/item8.xml><?xml version="1.0" encoding="utf-8"?>
+<file path=customXml/item80.xml><?xml version="1.0" encoding="utf-8"?>
 <Control xmlns="http://schemas.microsoft.com/VisualStudio/2011/storyboarding/control">
   <Id Name="System.Storyboarding.Common.Text" Revision="1" Stencil="System.Storyboarding.Common" StencilVersion="0.1"/>
 </Control>
 </file>
 
-<file path=customXml/item80.xml><?xml version="1.0" encoding="utf-8"?>
+<file path=customXml/item81.xml><?xml version="1.0" encoding="utf-8"?>
 <Control xmlns="http://schemas.microsoft.com/VisualStudio/2011/storyboarding/control">
-  <Id Name="System.Storyboarding.Common.TextInput" Revision="1" Stencil="System.Storyboarding.Common" StencilVersion="0.1"/>
+  <Id Name="System.Storyboarding.Common.Text" Revision="1" Stencil="System.Storyboarding.Common" StencilVersion="0.1"/>
+</Control>
+</file>
+
+<file path=customXml/item82.xml><?xml version="1.0" encoding="utf-8"?>
+<Control xmlns="http://schemas.microsoft.com/VisualStudio/2011/storyboarding/control">
+  <Id Name="System.Storyboarding.Backgrounds.WindowsPhone" Revision="1" Stencil="System.Storyboarding.Backgrounds" StencilVersion="0.1"/>
+</Control>
+</file>
+
+<file path=customXml/item83.xml><?xml version="1.0" encoding="utf-8"?>
+<Control xmlns="http://schemas.microsoft.com/VisualStudio/2011/storyboarding/control">
+  <Id Name="System.Storyboarding.Backgrounds.WindowsPhoneLandscape" Revision="1" Stencil="System.Storyboarding.Backgrounds" StencilVersion="0.1"/>
+</Control>
+</file>
+
+<file path=customXml/item84.xml><?xml version="1.0" encoding="utf-8"?>
+<Control xmlns="http://schemas.microsoft.com/VisualStudio/2011/storyboarding/control">
+  <Id Name="System.Storyboarding.Backgrounds.WebBrowser" Revision="1" Stencil="System.Storyboarding.Backgrounds" StencilVersion="0.1"/>
+</Control>
+</file>
+
+<file path=customXml/item85.xml><?xml version="1.0" encoding="utf-8"?>
+<Control xmlns="http://schemas.microsoft.com/VisualStudio/2011/storyboarding/control">
+  <Id Name="System.Storyboarding.Backgrounds.WebBrowser" Revision="1" Stencil="System.Storyboarding.Backgrounds" StencilVersion="0.1"/>
+</Control>
+</file>
+
+<file path=customXml/item86.xml><?xml version="1.0" encoding="utf-8"?>
+<Control xmlns="http://schemas.microsoft.com/VisualStudio/2011/storyboarding/control">
+  <Id Name="System.Storyboarding.Common.Text" Revision="1" Stencil="System.Storyboarding.Common" StencilVersion="0.1"/>
+</Control>
+</file>
+
+<file path=customXml/item87.xml><?xml version="1.0" encoding="utf-8"?>
+<Control xmlns="http://schemas.microsoft.com/VisualStudio/2011/storyboarding/control">
+  <Id Name="System.Storyboarding.Icons.User" Revision="1" Stencil="System.Storyboarding.Icons" StencilVersion="0.1"/>
+</Control>
+</file>
+
+<file path=customXml/item88.xml><?xml version="1.0" encoding="utf-8"?>
+<Control xmlns="http://schemas.microsoft.com/VisualStudio/2011/storyboarding/control">
+  <Id Name="System.Storyboarding.Common.Text" Revision="1" Stencil="System.Storyboarding.Common" StencilVersion="0.1"/>
+</Control>
+</file>
+
+<file path=customXml/item89.xml><?xml version="1.0" encoding="utf-8"?>
+<Control xmlns="http://schemas.microsoft.com/VisualStudio/2011/storyboarding/control">
+  <Id Name="System.Storyboarding.Common.Text" Revision="1" Stencil="System.Storyboarding.Common" StencilVersion="0.1"/>
 </Control>
 </file>
 
@@ -19601,7 +20119,603 @@
 </Control>
 </file>
 
+<file path=customXml/item90.xml><?xml version="1.0" encoding="utf-8"?>
+<Control xmlns="http://schemas.microsoft.com/VisualStudio/2011/storyboarding/control">
+  <Id Name="System.Storyboarding.Common.Text" Revision="1" Stencil="System.Storyboarding.Common" StencilVersion="0.1"/>
+</Control>
+</file>
+
+<file path=customXml/item91.xml><?xml version="1.0" encoding="utf-8"?>
+<Control xmlns="http://schemas.microsoft.com/VisualStudio/2011/storyboarding/control">
+  <Id Name="System.Storyboarding.Common.Text" Revision="1" Stencil="System.Storyboarding.Common" StencilVersion="0.1"/>
+</Control>
+</file>
+
+<file path=customXml/item92.xml><?xml version="1.0" encoding="utf-8"?>
+<Control xmlns="http://schemas.microsoft.com/VisualStudio/2011/storyboarding/control">
+  <Id Name="System.Storyboarding.Common.Text" Revision="1" Stencil="System.Storyboarding.Common" StencilVersion="0.1"/>
+</Control>
+</file>
+
+<file path=customXml/item93.xml><?xml version="1.0" encoding="utf-8"?>
+<Control xmlns="http://schemas.microsoft.com/VisualStudio/2011/storyboarding/control">
+  <Id Name="System.Storyboarding.Icons.User" Revision="1" Stencil="System.Storyboarding.Icons" StencilVersion="0.1"/>
+</Control>
+</file>
+
+<file path=customXml/item94.xml><?xml version="1.0" encoding="utf-8"?>
+<Control xmlns="http://schemas.microsoft.com/VisualStudio/2011/storyboarding/control">
+  <Id Name="System.Storyboarding.Common.Text" Revision="1" Stencil="System.Storyboarding.Common" StencilVersion="0.1"/>
+</Control>
+</file>
+
+<file path=customXml/item95.xml><?xml version="1.0" encoding="utf-8"?>
+<Control xmlns="http://schemas.microsoft.com/VisualStudio/2011/storyboarding/control">
+  <Id Name="System.Storyboarding.Common.Text" Revision="1" Stencil="System.Storyboarding.Common" StencilVersion="0.1"/>
+</Control>
+</file>
+
+<file path=customXml/item96.xml><?xml version="1.0" encoding="utf-8"?>
+<Control xmlns="http://schemas.microsoft.com/VisualStudio/2011/storyboarding/control">
+  <Id Name="System.Storyboarding.Common.Text" Revision="1" Stencil="System.Storyboarding.Common" StencilVersion="0.1"/>
+</Control>
+</file>
+
+<file path=customXml/item97.xml><?xml version="1.0" encoding="utf-8"?>
+<Control xmlns="http://schemas.microsoft.com/VisualStudio/2011/storyboarding/control">
+  <Id Name="System.Storyboarding.Common.Text" Revision="1" Stencil="System.Storyboarding.Common" StencilVersion="0.1"/>
+</Control>
+</file>
+
+<file path=customXml/item98.xml><?xml version="1.0" encoding="utf-8"?>
+<Control xmlns="http://schemas.microsoft.com/VisualStudio/2011/storyboarding/control">
+  <Id Name="System.Storyboarding.Backgrounds.WindowsPhone" Revision="1" Stencil="System.Storyboarding.Backgrounds" StencilVersion="0.1"/>
+</Control>
+</file>
+
+<file path=customXml/item99.xml><?xml version="1.0" encoding="utf-8"?>
+<Control xmlns="http://schemas.microsoft.com/VisualStudio/2011/storyboarding/control">
+  <Id Name="System.Storyboarding.Backgrounds.WindowsPhoneLandscape" Revision="1" Stencil="System.Storyboarding.Backgrounds" StencilVersion="0.1"/>
+</Control>
+</file>
+
 <file path=customXml/itemProps1.xml><?xml version="1.0" encoding="utf-8"?>
+<ds:datastoreItem xmlns:ds="http://schemas.openxmlformats.org/officeDocument/2006/customXml" ds:itemID="{09DEC759-9CBE-41FA-B445-08BEAE6D7E07}">
+  <ds:schemaRefs>
+    <ds:schemaRef ds:uri="http://schemas.microsoft.com/VisualStudio/2011/storyboarding/control"/>
+  </ds:schemaRefs>
+</ds:datastoreItem>
+</file>
+
+<file path=customXml/itemProps10.xml><?xml version="1.0" encoding="utf-8"?>
+<ds:datastoreItem xmlns:ds="http://schemas.openxmlformats.org/officeDocument/2006/customXml" ds:itemID="{A19CDA03-C65E-43BC-BFE8-244BE297D47C}">
+  <ds:schemaRefs>
+    <ds:schemaRef ds:uri="http://schemas.microsoft.com/VisualStudio/2011/storyboarding/control"/>
+  </ds:schemaRefs>
+</ds:datastoreItem>
+</file>
+
+<file path=customXml/itemProps100.xml><?xml version="1.0" encoding="utf-8"?>
+<ds:datastoreItem xmlns:ds="http://schemas.openxmlformats.org/officeDocument/2006/customXml" ds:itemID="{E23AB150-7616-449E-85EB-9A786EF48B3D}">
+  <ds:schemaRefs>
+    <ds:schemaRef ds:uri="http://schemas.microsoft.com/VisualStudio/2011/storyboarding/control"/>
+  </ds:schemaRefs>
+</ds:datastoreItem>
+</file>
+
+<file path=customXml/itemProps101.xml><?xml version="1.0" encoding="utf-8"?>
+<ds:datastoreItem xmlns:ds="http://schemas.openxmlformats.org/officeDocument/2006/customXml" ds:itemID="{9B14AD6B-E778-4306-BF20-4AEEE7F8FB9D}">
+  <ds:schemaRefs>
+    <ds:schemaRef ds:uri="http://schemas.microsoft.com/VisualStudio/2011/storyboarding/control"/>
+  </ds:schemaRefs>
+</ds:datastoreItem>
+</file>
+
+<file path=customXml/itemProps102.xml><?xml version="1.0" encoding="utf-8"?>
+<ds:datastoreItem xmlns:ds="http://schemas.openxmlformats.org/officeDocument/2006/customXml" ds:itemID="{8294814E-D638-443B-8D45-90356A59ECEB}">
+  <ds:schemaRefs>
+    <ds:schemaRef ds:uri="http://schemas.microsoft.com/VisualStudio/2011/storyboarding/control"/>
+  </ds:schemaRefs>
+</ds:datastoreItem>
+</file>
+
+<file path=customXml/itemProps103.xml><?xml version="1.0" encoding="utf-8"?>
+<ds:datastoreItem xmlns:ds="http://schemas.openxmlformats.org/officeDocument/2006/customXml" ds:itemID="{AE7F98DE-3946-4B52-A811-B2FC19A43C54}">
+  <ds:schemaRefs>
+    <ds:schemaRef ds:uri="http://schemas.microsoft.com/VisualStudio/2011/storyboarding/control"/>
+  </ds:schemaRefs>
+</ds:datastoreItem>
+</file>
+
+<file path=customXml/itemProps104.xml><?xml version="1.0" encoding="utf-8"?>
+<ds:datastoreItem xmlns:ds="http://schemas.openxmlformats.org/officeDocument/2006/customXml" ds:itemID="{FAB3F016-65E0-492C-A76D-615514E6757D}">
+  <ds:schemaRefs>
+    <ds:schemaRef ds:uri="http://schemas.microsoft.com/VisualStudio/2011/storyboarding/control"/>
+  </ds:schemaRefs>
+</ds:datastoreItem>
+</file>
+
+<file path=customXml/itemProps105.xml><?xml version="1.0" encoding="utf-8"?>
+<ds:datastoreItem xmlns:ds="http://schemas.openxmlformats.org/officeDocument/2006/customXml" ds:itemID="{F0070329-37C8-48A2-98BF-4DBC76618C02}">
+  <ds:schemaRefs>
+    <ds:schemaRef ds:uri="http://schemas.microsoft.com/VisualStudio/2011/storyboarding/control"/>
+  </ds:schemaRefs>
+</ds:datastoreItem>
+</file>
+
+<file path=customXml/itemProps106.xml><?xml version="1.0" encoding="utf-8"?>
+<ds:datastoreItem xmlns:ds="http://schemas.openxmlformats.org/officeDocument/2006/customXml" ds:itemID="{B3377BD0-3581-4A63-9438-96FD1A518A58}">
+  <ds:schemaRefs>
+    <ds:schemaRef ds:uri="http://schemas.microsoft.com/VisualStudio/2011/storyboarding/control"/>
+  </ds:schemaRefs>
+</ds:datastoreItem>
+</file>
+
+<file path=customXml/itemProps107.xml><?xml version="1.0" encoding="utf-8"?>
+<ds:datastoreItem xmlns:ds="http://schemas.openxmlformats.org/officeDocument/2006/customXml" ds:itemID="{69C86B6D-2AFA-4FE0-91D9-8EF599B71400}">
+  <ds:schemaRefs>
+    <ds:schemaRef ds:uri="http://schemas.microsoft.com/VisualStudio/2011/storyboarding/control"/>
+  </ds:schemaRefs>
+</ds:datastoreItem>
+</file>
+
+<file path=customXml/itemProps108.xml><?xml version="1.0" encoding="utf-8"?>
+<ds:datastoreItem xmlns:ds="http://schemas.openxmlformats.org/officeDocument/2006/customXml" ds:itemID="{28295B6D-9DC0-40D4-A8E4-1DA71733E543}">
+  <ds:schemaRefs>
+    <ds:schemaRef ds:uri="http://schemas.microsoft.com/VisualStudio/2011/storyboarding/control"/>
+  </ds:schemaRefs>
+</ds:datastoreItem>
+</file>
+
+<file path=customXml/itemProps109.xml><?xml version="1.0" encoding="utf-8"?>
+<ds:datastoreItem xmlns:ds="http://schemas.openxmlformats.org/officeDocument/2006/customXml" ds:itemID="{BCC51625-14FC-45AC-938D-692E56C3EA9A}">
+  <ds:schemaRefs>
+    <ds:schemaRef ds:uri="http://schemas.microsoft.com/VisualStudio/2011/storyboarding/control"/>
+  </ds:schemaRefs>
+</ds:datastoreItem>
+</file>
+
+<file path=customXml/itemProps11.xml><?xml version="1.0" encoding="utf-8"?>
+<ds:datastoreItem xmlns:ds="http://schemas.openxmlformats.org/officeDocument/2006/customXml" ds:itemID="{B871A8D1-203A-4C86-91A7-CD5EA7CBD08A}">
+  <ds:schemaRefs>
+    <ds:schemaRef ds:uri="http://schemas.microsoft.com/VisualStudio/2011/storyboarding/control"/>
+  </ds:schemaRefs>
+</ds:datastoreItem>
+</file>
+
+<file path=customXml/itemProps110.xml><?xml version="1.0" encoding="utf-8"?>
+<ds:datastoreItem xmlns:ds="http://schemas.openxmlformats.org/officeDocument/2006/customXml" ds:itemID="{A236F528-2C45-4296-BE5C-7DB419B549DD}">
+  <ds:schemaRefs>
+    <ds:schemaRef ds:uri="http://schemas.microsoft.com/VisualStudio/2011/storyboarding/control"/>
+  </ds:schemaRefs>
+</ds:datastoreItem>
+</file>
+
+<file path=customXml/itemProps111.xml><?xml version="1.0" encoding="utf-8"?>
+<ds:datastoreItem xmlns:ds="http://schemas.openxmlformats.org/officeDocument/2006/customXml" ds:itemID="{A98E76A3-4AA8-4DBE-960D-1246607DFBD6}">
+  <ds:schemaRefs>
+    <ds:schemaRef ds:uri="http://schemas.microsoft.com/VisualStudio/2011/storyboarding/control"/>
+  </ds:schemaRefs>
+</ds:datastoreItem>
+</file>
+
+<file path=customXml/itemProps112.xml><?xml version="1.0" encoding="utf-8"?>
+<ds:datastoreItem xmlns:ds="http://schemas.openxmlformats.org/officeDocument/2006/customXml" ds:itemID="{615F237E-7A6D-4DC0-B89E-1B138FE01731}">
+  <ds:schemaRefs>
+    <ds:schemaRef ds:uri="http://schemas.microsoft.com/VisualStudio/2011/storyboarding/control"/>
+  </ds:schemaRefs>
+</ds:datastoreItem>
+</file>
+
+<file path=customXml/itemProps113.xml><?xml version="1.0" encoding="utf-8"?>
+<ds:datastoreItem xmlns:ds="http://schemas.openxmlformats.org/officeDocument/2006/customXml" ds:itemID="{4ED972B1-9AF4-43FC-93DA-D0A20ABE0ECA}">
+  <ds:schemaRefs>
+    <ds:schemaRef ds:uri="http://schemas.microsoft.com/VisualStudio/2011/storyboarding/control"/>
+  </ds:schemaRefs>
+</ds:datastoreItem>
+</file>
+
+<file path=customXml/itemProps114.xml><?xml version="1.0" encoding="utf-8"?>
+<ds:datastoreItem xmlns:ds="http://schemas.openxmlformats.org/officeDocument/2006/customXml" ds:itemID="{A6D23020-6F46-4FC2-8884-B496B7F2634C}">
+  <ds:schemaRefs>
+    <ds:schemaRef ds:uri="http://schemas.microsoft.com/VisualStudio/2011/storyboarding/control"/>
+  </ds:schemaRefs>
+</ds:datastoreItem>
+</file>
+
+<file path=customXml/itemProps115.xml><?xml version="1.0" encoding="utf-8"?>
+<ds:datastoreItem xmlns:ds="http://schemas.openxmlformats.org/officeDocument/2006/customXml" ds:itemID="{730CAA95-0E92-4567-B131-3B2C56F3FD60}">
+  <ds:schemaRefs>
+    <ds:schemaRef ds:uri="http://schemas.microsoft.com/VisualStudio/2011/storyboarding/control"/>
+  </ds:schemaRefs>
+</ds:datastoreItem>
+</file>
+
+<file path=customXml/itemProps116.xml><?xml version="1.0" encoding="utf-8"?>
+<ds:datastoreItem xmlns:ds="http://schemas.openxmlformats.org/officeDocument/2006/customXml" ds:itemID="{851E2E1E-35B0-4A2B-A93F-F36FC73EDF43}">
+  <ds:schemaRefs>
+    <ds:schemaRef ds:uri="http://schemas.microsoft.com/VisualStudio/2011/storyboarding/control"/>
+  </ds:schemaRefs>
+</ds:datastoreItem>
+</file>
+
+<file path=customXml/itemProps117.xml><?xml version="1.0" encoding="utf-8"?>
+<ds:datastoreItem xmlns:ds="http://schemas.openxmlformats.org/officeDocument/2006/customXml" ds:itemID="{8F312474-A50E-4FD6-8BCE-7C806F1B6DA9}">
+  <ds:schemaRefs>
+    <ds:schemaRef ds:uri="http://schemas.microsoft.com/VisualStudio/2011/storyboarding/control"/>
+  </ds:schemaRefs>
+</ds:datastoreItem>
+</file>
+
+<file path=customXml/itemProps118.xml><?xml version="1.0" encoding="utf-8"?>
+<ds:datastoreItem xmlns:ds="http://schemas.openxmlformats.org/officeDocument/2006/customXml" ds:itemID="{3C7C2083-2F91-46AC-98C6-D7E3267E9884}">
+  <ds:schemaRefs>
+    <ds:schemaRef ds:uri="http://schemas.microsoft.com/VisualStudio/2011/storyboarding/control"/>
+  </ds:schemaRefs>
+</ds:datastoreItem>
+</file>
+
+<file path=customXml/itemProps119.xml><?xml version="1.0" encoding="utf-8"?>
+<ds:datastoreItem xmlns:ds="http://schemas.openxmlformats.org/officeDocument/2006/customXml" ds:itemID="{19C3F5BC-B9D1-459B-89FA-FECECD2FB832}">
+  <ds:schemaRefs>
+    <ds:schemaRef ds:uri="http://schemas.microsoft.com/VisualStudio/2011/storyboarding/control"/>
+  </ds:schemaRefs>
+</ds:datastoreItem>
+</file>
+
+<file path=customXml/itemProps12.xml><?xml version="1.0" encoding="utf-8"?>
+<ds:datastoreItem xmlns:ds="http://schemas.openxmlformats.org/officeDocument/2006/customXml" ds:itemID="{E67EBC04-5744-42F7-9F37-49E6D747B1B9}">
+  <ds:schemaRefs>
+    <ds:schemaRef ds:uri="http://schemas.microsoft.com/VisualStudio/2011/storyboarding/control"/>
+  </ds:schemaRefs>
+</ds:datastoreItem>
+</file>
+
+<file path=customXml/itemProps120.xml><?xml version="1.0" encoding="utf-8"?>
+<ds:datastoreItem xmlns:ds="http://schemas.openxmlformats.org/officeDocument/2006/customXml" ds:itemID="{21B22632-3692-430C-A18F-A240268746C8}">
+  <ds:schemaRefs>
+    <ds:schemaRef ds:uri="http://schemas.microsoft.com/VisualStudio/2011/storyboarding/control"/>
+  </ds:schemaRefs>
+</ds:datastoreItem>
+</file>
+
+<file path=customXml/itemProps121.xml><?xml version="1.0" encoding="utf-8"?>
+<ds:datastoreItem xmlns:ds="http://schemas.openxmlformats.org/officeDocument/2006/customXml" ds:itemID="{2FF6A428-90DD-4B00-BBFD-F3819751A2B7}">
+  <ds:schemaRefs>
+    <ds:schemaRef ds:uri="http://schemas.microsoft.com/VisualStudio/2011/storyboarding/control"/>
+  </ds:schemaRefs>
+</ds:datastoreItem>
+</file>
+
+<file path=customXml/itemProps122.xml><?xml version="1.0" encoding="utf-8"?>
+<ds:datastoreItem xmlns:ds="http://schemas.openxmlformats.org/officeDocument/2006/customXml" ds:itemID="{B40D4EE4-DC7A-4431-8194-4269216B51A0}">
+  <ds:schemaRefs>
+    <ds:schemaRef ds:uri="http://schemas.microsoft.com/VisualStudio/2011/storyboarding/control"/>
+  </ds:schemaRefs>
+</ds:datastoreItem>
+</file>
+
+<file path=customXml/itemProps123.xml><?xml version="1.0" encoding="utf-8"?>
+<ds:datastoreItem xmlns:ds="http://schemas.openxmlformats.org/officeDocument/2006/customXml" ds:itemID="{1092CC0E-0A9C-4802-9401-C5F5B5833219}">
+  <ds:schemaRefs>
+    <ds:schemaRef ds:uri="http://schemas.microsoft.com/VisualStudio/2011/storyboarding/control"/>
+  </ds:schemaRefs>
+</ds:datastoreItem>
+</file>
+
+<file path=customXml/itemProps124.xml><?xml version="1.0" encoding="utf-8"?>
+<ds:datastoreItem xmlns:ds="http://schemas.openxmlformats.org/officeDocument/2006/customXml" ds:itemID="{F182548F-1ABA-439A-A42B-F6BF2E8279D6}">
+  <ds:schemaRefs>
+    <ds:schemaRef ds:uri="http://schemas.microsoft.com/VisualStudio/2011/storyboarding/control"/>
+  </ds:schemaRefs>
+</ds:datastoreItem>
+</file>
+
+<file path=customXml/itemProps125.xml><?xml version="1.0" encoding="utf-8"?>
+<ds:datastoreItem xmlns:ds="http://schemas.openxmlformats.org/officeDocument/2006/customXml" ds:itemID="{44D3D616-498D-4AA9-9ADC-29A5A68216F9}">
+  <ds:schemaRefs>
+    <ds:schemaRef ds:uri="http://schemas.microsoft.com/VisualStudio/2011/storyboarding/control"/>
+  </ds:schemaRefs>
+</ds:datastoreItem>
+</file>
+
+<file path=customXml/itemProps126.xml><?xml version="1.0" encoding="utf-8"?>
+<ds:datastoreItem xmlns:ds="http://schemas.openxmlformats.org/officeDocument/2006/customXml" ds:itemID="{C9C1AA1B-DE1E-4C91-A9F9-FEF57A0C139F}">
+  <ds:schemaRefs>
+    <ds:schemaRef ds:uri="http://schemas.microsoft.com/VisualStudio/2011/storyboarding/control"/>
+  </ds:schemaRefs>
+</ds:datastoreItem>
+</file>
+
+<file path=customXml/itemProps127.xml><?xml version="1.0" encoding="utf-8"?>
+<ds:datastoreItem xmlns:ds="http://schemas.openxmlformats.org/officeDocument/2006/customXml" ds:itemID="{AC73465E-B0DD-435E-9786-28DB39E51419}">
+  <ds:schemaRefs>
+    <ds:schemaRef ds:uri="http://schemas.microsoft.com/VisualStudio/2011/storyboarding/control"/>
+  </ds:schemaRefs>
+</ds:datastoreItem>
+</file>
+
+<file path=customXml/itemProps128.xml><?xml version="1.0" encoding="utf-8"?>
+<ds:datastoreItem xmlns:ds="http://schemas.openxmlformats.org/officeDocument/2006/customXml" ds:itemID="{F41FDBBC-EBB7-402F-B1BB-811C025A3286}">
+  <ds:schemaRefs>
+    <ds:schemaRef ds:uri="http://schemas.microsoft.com/VisualStudio/2011/storyboarding/control"/>
+  </ds:schemaRefs>
+</ds:datastoreItem>
+</file>
+
+<file path=customXml/itemProps129.xml><?xml version="1.0" encoding="utf-8"?>
+<ds:datastoreItem xmlns:ds="http://schemas.openxmlformats.org/officeDocument/2006/customXml" ds:itemID="{E6911876-CD0D-4B71-B885-1DB38A24ED2C}">
+  <ds:schemaRefs>
+    <ds:schemaRef ds:uri="http://schemas.microsoft.com/VisualStudio/2011/storyboarding/control"/>
+  </ds:schemaRefs>
+</ds:datastoreItem>
+</file>
+
+<file path=customXml/itemProps13.xml><?xml version="1.0" encoding="utf-8"?>
+<ds:datastoreItem xmlns:ds="http://schemas.openxmlformats.org/officeDocument/2006/customXml" ds:itemID="{297CE730-D3A5-4545-8BAC-66650F3C2B29}">
+  <ds:schemaRefs>
+    <ds:schemaRef ds:uri="http://schemas.microsoft.com/VisualStudio/2011/storyboarding/control"/>
+  </ds:schemaRefs>
+</ds:datastoreItem>
+</file>
+
+<file path=customXml/itemProps130.xml><?xml version="1.0" encoding="utf-8"?>
+<ds:datastoreItem xmlns:ds="http://schemas.openxmlformats.org/officeDocument/2006/customXml" ds:itemID="{5B9994D8-7822-462B-8A51-56EEBAFBE5EE}">
+  <ds:schemaRefs>
+    <ds:schemaRef ds:uri="http://schemas.microsoft.com/VisualStudio/2011/storyboarding/control"/>
+  </ds:schemaRefs>
+</ds:datastoreItem>
+</file>
+
+<file path=customXml/itemProps131.xml><?xml version="1.0" encoding="utf-8"?>
+<ds:datastoreItem xmlns:ds="http://schemas.openxmlformats.org/officeDocument/2006/customXml" ds:itemID="{009665D5-D9D3-4C05-90EF-6991D55DA6AC}">
+  <ds:schemaRefs>
+    <ds:schemaRef ds:uri="http://schemas.microsoft.com/VisualStudio/2011/storyboarding/control"/>
+  </ds:schemaRefs>
+</ds:datastoreItem>
+</file>
+
+<file path=customXml/itemProps132.xml><?xml version="1.0" encoding="utf-8"?>
+<ds:datastoreItem xmlns:ds="http://schemas.openxmlformats.org/officeDocument/2006/customXml" ds:itemID="{E00A28E0-9169-432C-B33E-2F14198BA792}">
+  <ds:schemaRefs>
+    <ds:schemaRef ds:uri="http://schemas.microsoft.com/VisualStudio/2011/storyboarding/control"/>
+  </ds:schemaRefs>
+</ds:datastoreItem>
+</file>
+
+<file path=customXml/itemProps133.xml><?xml version="1.0" encoding="utf-8"?>
+<ds:datastoreItem xmlns:ds="http://schemas.openxmlformats.org/officeDocument/2006/customXml" ds:itemID="{D819175A-2472-4962-8140-E922822648E5}">
+  <ds:schemaRefs>
+    <ds:schemaRef ds:uri="http://schemas.microsoft.com/VisualStudio/2011/storyboarding/control"/>
+  </ds:schemaRefs>
+</ds:datastoreItem>
+</file>
+
+<file path=customXml/itemProps134.xml><?xml version="1.0" encoding="utf-8"?>
+<ds:datastoreItem xmlns:ds="http://schemas.openxmlformats.org/officeDocument/2006/customXml" ds:itemID="{2E067A06-E732-4E61-9058-4CD7D840A28D}">
+  <ds:schemaRefs>
+    <ds:schemaRef ds:uri="http://schemas.microsoft.com/VisualStudio/2011/storyboarding/control"/>
+  </ds:schemaRefs>
+</ds:datastoreItem>
+</file>
+
+<file path=customXml/itemProps135.xml><?xml version="1.0" encoding="utf-8"?>
+<ds:datastoreItem xmlns:ds="http://schemas.openxmlformats.org/officeDocument/2006/customXml" ds:itemID="{934936CE-E3AA-4F7B-A89E-17FE4CCE36BA}">
+  <ds:schemaRefs>
+    <ds:schemaRef ds:uri="http://schemas.microsoft.com/VisualStudio/2011/storyboarding/control"/>
+  </ds:schemaRefs>
+</ds:datastoreItem>
+</file>
+
+<file path=customXml/itemProps136.xml><?xml version="1.0" encoding="utf-8"?>
+<ds:datastoreItem xmlns:ds="http://schemas.openxmlformats.org/officeDocument/2006/customXml" ds:itemID="{DB7683A1-ABED-4725-93C6-00527CB65A77}">
+  <ds:schemaRefs>
+    <ds:schemaRef ds:uri="http://schemas.microsoft.com/VisualStudio/2011/storyboarding/control"/>
+  </ds:schemaRefs>
+</ds:datastoreItem>
+</file>
+
+<file path=customXml/itemProps137.xml><?xml version="1.0" encoding="utf-8"?>
+<ds:datastoreItem xmlns:ds="http://schemas.openxmlformats.org/officeDocument/2006/customXml" ds:itemID="{C5E4FA82-2B7E-4137-9535-9D060EB3D7C2}">
+  <ds:schemaRefs>
+    <ds:schemaRef ds:uri="http://schemas.microsoft.com/VisualStudio/2011/storyboarding/control"/>
+  </ds:schemaRefs>
+</ds:datastoreItem>
+</file>
+
+<file path=customXml/itemProps138.xml><?xml version="1.0" encoding="utf-8"?>
+<ds:datastoreItem xmlns:ds="http://schemas.openxmlformats.org/officeDocument/2006/customXml" ds:itemID="{787F22A3-39A2-4AEA-B4AC-CE34F9DAC817}">
+  <ds:schemaRefs>
+    <ds:schemaRef ds:uri="http://schemas.microsoft.com/VisualStudio/2011/storyboarding/control"/>
+  </ds:schemaRefs>
+</ds:datastoreItem>
+</file>
+
+<file path=customXml/itemProps139.xml><?xml version="1.0" encoding="utf-8"?>
+<ds:datastoreItem xmlns:ds="http://schemas.openxmlformats.org/officeDocument/2006/customXml" ds:itemID="{84529D6D-43C2-47A0-9270-DD9205F681DB}">
+  <ds:schemaRefs>
+    <ds:schemaRef ds:uri="http://schemas.microsoft.com/VisualStudio/2011/storyboarding/control"/>
+  </ds:schemaRefs>
+</ds:datastoreItem>
+</file>
+
+<file path=customXml/itemProps14.xml><?xml version="1.0" encoding="utf-8"?>
+<ds:datastoreItem xmlns:ds="http://schemas.openxmlformats.org/officeDocument/2006/customXml" ds:itemID="{66E55E83-FE18-4439-85D3-480F7E487006}">
+  <ds:schemaRefs>
+    <ds:schemaRef ds:uri="http://schemas.microsoft.com/VisualStudio/2011/storyboarding/control"/>
+  </ds:schemaRefs>
+</ds:datastoreItem>
+</file>
+
+<file path=customXml/itemProps140.xml><?xml version="1.0" encoding="utf-8"?>
+<ds:datastoreItem xmlns:ds="http://schemas.openxmlformats.org/officeDocument/2006/customXml" ds:itemID="{874ED7E5-D81D-4E00-93D4-0A18B58D2246}">
+  <ds:schemaRefs>
+    <ds:schemaRef ds:uri="http://schemas.microsoft.com/VisualStudio/2011/storyboarding/control"/>
+  </ds:schemaRefs>
+</ds:datastoreItem>
+</file>
+
+<file path=customXml/itemProps141.xml><?xml version="1.0" encoding="utf-8"?>
+<ds:datastoreItem xmlns:ds="http://schemas.openxmlformats.org/officeDocument/2006/customXml" ds:itemID="{37E03DCB-5C7E-4A9E-8DCC-17F4980BEFD5}">
+  <ds:schemaRefs>
+    <ds:schemaRef ds:uri="http://schemas.microsoft.com/VisualStudio/2011/storyboarding/control"/>
+  </ds:schemaRefs>
+</ds:datastoreItem>
+</file>
+
+<file path=customXml/itemProps142.xml><?xml version="1.0" encoding="utf-8"?>
+<ds:datastoreItem xmlns:ds="http://schemas.openxmlformats.org/officeDocument/2006/customXml" ds:itemID="{401B312C-C97B-41F6-A8C4-34995EA31185}">
+  <ds:schemaRefs>
+    <ds:schemaRef ds:uri="http://schemas.microsoft.com/VisualStudio/2011/storyboarding/control"/>
+  </ds:schemaRefs>
+</ds:datastoreItem>
+</file>
+
+<file path=customXml/itemProps143.xml><?xml version="1.0" encoding="utf-8"?>
+<ds:datastoreItem xmlns:ds="http://schemas.openxmlformats.org/officeDocument/2006/customXml" ds:itemID="{09B1D1C6-C6D9-4203-A0B9-BFC73B4D3DB0}">
+  <ds:schemaRefs>
+    <ds:schemaRef ds:uri="http://schemas.microsoft.com/VisualStudio/2011/storyboarding/control"/>
+  </ds:schemaRefs>
+</ds:datastoreItem>
+</file>
+
+<file path=customXml/itemProps144.xml><?xml version="1.0" encoding="utf-8"?>
+<ds:datastoreItem xmlns:ds="http://schemas.openxmlformats.org/officeDocument/2006/customXml" ds:itemID="{5929DF06-BD79-468B-9BE1-C965B361A822}">
+  <ds:schemaRefs>
+    <ds:schemaRef ds:uri="http://schemas.microsoft.com/VisualStudio/2011/storyboarding/control"/>
+  </ds:schemaRefs>
+</ds:datastoreItem>
+</file>
+
+<file path=customXml/itemProps145.xml><?xml version="1.0" encoding="utf-8"?>
+<ds:datastoreItem xmlns:ds="http://schemas.openxmlformats.org/officeDocument/2006/customXml" ds:itemID="{9C44B927-D71A-4910-9ACD-392E2C039F35}">
+  <ds:schemaRefs>
+    <ds:schemaRef ds:uri="http://schemas.microsoft.com/VisualStudio/2011/storyboarding/control"/>
+  </ds:schemaRefs>
+</ds:datastoreItem>
+</file>
+
+<file path=customXml/itemProps146.xml><?xml version="1.0" encoding="utf-8"?>
+<ds:datastoreItem xmlns:ds="http://schemas.openxmlformats.org/officeDocument/2006/customXml" ds:itemID="{7DC28B30-7D33-4E75-8F8C-6272F67D11F6}">
+  <ds:schemaRefs>
+    <ds:schemaRef ds:uri="http://schemas.microsoft.com/VisualStudio/2011/storyboarding/control"/>
+  </ds:schemaRefs>
+</ds:datastoreItem>
+</file>
+
+<file path=customXml/itemProps147.xml><?xml version="1.0" encoding="utf-8"?>
+<ds:datastoreItem xmlns:ds="http://schemas.openxmlformats.org/officeDocument/2006/customXml" ds:itemID="{D3B05642-E779-4FEA-B43B-2935D38E10A0}">
+  <ds:schemaRefs>
+    <ds:schemaRef ds:uri="http://schemas.microsoft.com/VisualStudio/2011/storyboarding/control"/>
+  </ds:schemaRefs>
+</ds:datastoreItem>
+</file>
+
+<file path=customXml/itemProps148.xml><?xml version="1.0" encoding="utf-8"?>
+<ds:datastoreItem xmlns:ds="http://schemas.openxmlformats.org/officeDocument/2006/customXml" ds:itemID="{7098673D-343B-4808-A2E5-613F78A919CD}">
+  <ds:schemaRefs>
+    <ds:schemaRef ds:uri="http://schemas.microsoft.com/VisualStudio/2011/storyboarding/control"/>
+  </ds:schemaRefs>
+</ds:datastoreItem>
+</file>
+
+<file path=customXml/itemProps149.xml><?xml version="1.0" encoding="utf-8"?>
+<ds:datastoreItem xmlns:ds="http://schemas.openxmlformats.org/officeDocument/2006/customXml" ds:itemID="{3AC06D38-8C75-42AA-B3BD-69544DD791E1}">
+  <ds:schemaRefs>
+    <ds:schemaRef ds:uri="http://schemas.microsoft.com/VisualStudio/2011/storyboarding/control"/>
+  </ds:schemaRefs>
+</ds:datastoreItem>
+</file>
+
+<file path=customXml/itemProps15.xml><?xml version="1.0" encoding="utf-8"?>
+<ds:datastoreItem xmlns:ds="http://schemas.openxmlformats.org/officeDocument/2006/customXml" ds:itemID="{CFDA52BC-94F9-4B12-943D-D46F973360C0}">
+  <ds:schemaRefs>
+    <ds:schemaRef ds:uri="http://schemas.microsoft.com/VisualStudio/2011/storyboarding/control"/>
+  </ds:schemaRefs>
+</ds:datastoreItem>
+</file>
+
+<file path=customXml/itemProps150.xml><?xml version="1.0" encoding="utf-8"?>
+<ds:datastoreItem xmlns:ds="http://schemas.openxmlformats.org/officeDocument/2006/customXml" ds:itemID="{155B8FCF-BF8F-42DF-BCD3-CDCA20098590}">
+  <ds:schemaRefs>
+    <ds:schemaRef ds:uri="http://schemas.microsoft.com/VisualStudio/2011/storyboarding/control"/>
+  </ds:schemaRefs>
+</ds:datastoreItem>
+</file>
+
+<file path=customXml/itemProps151.xml><?xml version="1.0" encoding="utf-8"?>
+<ds:datastoreItem xmlns:ds="http://schemas.openxmlformats.org/officeDocument/2006/customXml" ds:itemID="{F5C020D3-99F4-4772-B8FC-771E4B1FF333}">
+  <ds:schemaRefs>
+    <ds:schemaRef ds:uri="http://schemas.microsoft.com/VisualStudio/2011/storyboarding/control"/>
+  </ds:schemaRefs>
+</ds:datastoreItem>
+</file>
+
+<file path=customXml/itemProps152.xml><?xml version="1.0" encoding="utf-8"?>
+<ds:datastoreItem xmlns:ds="http://schemas.openxmlformats.org/officeDocument/2006/customXml" ds:itemID="{02A26333-BC7D-4232-9C53-59A446FC036B}">
+  <ds:schemaRefs>
+    <ds:schemaRef ds:uri="http://schemas.microsoft.com/VisualStudio/2011/storyboarding/control"/>
+  </ds:schemaRefs>
+</ds:datastoreItem>
+</file>
+
+<file path=customXml/itemProps153.xml><?xml version="1.0" encoding="utf-8"?>
+<ds:datastoreItem xmlns:ds="http://schemas.openxmlformats.org/officeDocument/2006/customXml" ds:itemID="{D54BFFE3-342A-40A8-BC6E-60A523819A3E}">
+  <ds:schemaRefs>
+    <ds:schemaRef ds:uri="http://schemas.microsoft.com/VisualStudio/2011/storyboarding/control"/>
+  </ds:schemaRefs>
+</ds:datastoreItem>
+</file>
+
+<file path=customXml/itemProps154.xml><?xml version="1.0" encoding="utf-8"?>
+<ds:datastoreItem xmlns:ds="http://schemas.openxmlformats.org/officeDocument/2006/customXml" ds:itemID="{32E44B8C-FC6B-4D29-A593-11E5E82AF4E5}">
+  <ds:schemaRefs>
+    <ds:schemaRef ds:uri="http://schemas.microsoft.com/VisualStudio/2011/storyboarding/control"/>
+  </ds:schemaRefs>
+</ds:datastoreItem>
+</file>
+
+<file path=customXml/itemProps155.xml><?xml version="1.0" encoding="utf-8"?>
+<ds:datastoreItem xmlns:ds="http://schemas.openxmlformats.org/officeDocument/2006/customXml" ds:itemID="{A63E9993-7546-49DC-A2E4-1F907C5B1F91}">
+  <ds:schemaRefs>
+    <ds:schemaRef ds:uri="http://schemas.microsoft.com/VisualStudio/2011/storyboarding/control"/>
+  </ds:schemaRefs>
+</ds:datastoreItem>
+</file>
+
+<file path=customXml/itemProps156.xml><?xml version="1.0" encoding="utf-8"?>
+<ds:datastoreItem xmlns:ds="http://schemas.openxmlformats.org/officeDocument/2006/customXml" ds:itemID="{60220CA4-1D04-4B06-BAEF-217F1CB079AE}">
+  <ds:schemaRefs>
+    <ds:schemaRef ds:uri="http://schemas.microsoft.com/VisualStudio/2011/storyboarding/control"/>
+  </ds:schemaRefs>
+</ds:datastoreItem>
+</file>
+
+<file path=customXml/itemProps157.xml><?xml version="1.0" encoding="utf-8"?>
+<ds:datastoreItem xmlns:ds="http://schemas.openxmlformats.org/officeDocument/2006/customXml" ds:itemID="{1EE223AA-5CCC-41F2-B3D6-146F32BAD63B}">
+  <ds:schemaRefs>
+    <ds:schemaRef ds:uri="http://schemas.microsoft.com/VisualStudio/2011/storyboarding/control"/>
+  </ds:schemaRefs>
+</ds:datastoreItem>
+</file>
+
+<file path=customXml/itemProps158.xml><?xml version="1.0" encoding="utf-8"?>
+<ds:datastoreItem xmlns:ds="http://schemas.openxmlformats.org/officeDocument/2006/customXml" ds:itemID="{5B1B0B97-89A6-4408-B572-9C417FF3AB94}">
+  <ds:schemaRefs>
+    <ds:schemaRef ds:uri="http://schemas.microsoft.com/VisualStudio/2011/storyboarding/control"/>
+  </ds:schemaRefs>
+</ds:datastoreItem>
+</file>
+
+<file path=customXml/itemProps159.xml><?xml version="1.0" encoding="utf-8"?>
+<ds:datastoreItem xmlns:ds="http://schemas.openxmlformats.org/officeDocument/2006/customXml" ds:itemID="{93969D85-60D9-4F6B-8799-F7DB86E722FB}">
+  <ds:schemaRefs>
+    <ds:schemaRef ds:uri="http://schemas.microsoft.com/VisualStudio/2011/storyboarding/control"/>
+  </ds:schemaRefs>
+</ds:datastoreItem>
+</file>
+
+<file path=customXml/itemProps16.xml><?xml version="1.0" encoding="utf-8"?>
 <ds:datastoreItem xmlns:ds="http://schemas.openxmlformats.org/officeDocument/2006/customXml" ds:itemID="{974DB528-443C-4DE5-BBF9-753AD0613270}">
   <ds:schemaRefs>
     <ds:schemaRef ds:uri="http://schemas.microsoft.com/VisualStudio/2011/storyboarding/control"/>
@@ -19609,56 +20723,56 @@
 </ds:datastoreItem>
 </file>
 
-<file path=customXml/itemProps10.xml><?xml version="1.0" encoding="utf-8"?>
-<ds:datastoreItem xmlns:ds="http://schemas.openxmlformats.org/officeDocument/2006/customXml" ds:itemID="{D5275AD7-2249-4A8F-B1FE-589D43E34F89}">
+<file path=customXml/itemProps160.xml><?xml version="1.0" encoding="utf-8"?>
+<ds:datastoreItem xmlns:ds="http://schemas.openxmlformats.org/officeDocument/2006/customXml" ds:itemID="{8180D74F-3459-4778-BB0D-0CF2DFFC9CDA}">
   <ds:schemaRefs>
     <ds:schemaRef ds:uri="http://schemas.microsoft.com/VisualStudio/2011/storyboarding/control"/>
   </ds:schemaRefs>
 </ds:datastoreItem>
 </file>
 
-<file path=customXml/itemProps11.xml><?xml version="1.0" encoding="utf-8"?>
-<ds:datastoreItem xmlns:ds="http://schemas.openxmlformats.org/officeDocument/2006/customXml" ds:itemID="{CAEA2DC9-8CBF-493B-A219-676DC86EE2A9}">
+<file path=customXml/itemProps161.xml><?xml version="1.0" encoding="utf-8"?>
+<ds:datastoreItem xmlns:ds="http://schemas.openxmlformats.org/officeDocument/2006/customXml" ds:itemID="{510B664D-9051-4092-B32F-A78420D06AA5}">
   <ds:schemaRefs>
     <ds:schemaRef ds:uri="http://schemas.microsoft.com/VisualStudio/2011/storyboarding/control"/>
   </ds:schemaRefs>
 </ds:datastoreItem>
 </file>
 
-<file path=customXml/itemProps12.xml><?xml version="1.0" encoding="utf-8"?>
-<ds:datastoreItem xmlns:ds="http://schemas.openxmlformats.org/officeDocument/2006/customXml" ds:itemID="{423687A7-6E3F-4DD5-9CC3-FE2A2B207FBD}">
+<file path=customXml/itemProps162.xml><?xml version="1.0" encoding="utf-8"?>
+<ds:datastoreItem xmlns:ds="http://schemas.openxmlformats.org/officeDocument/2006/customXml" ds:itemID="{F39F12A4-A12C-4321-8D8B-B8FE4BC66C9B}">
   <ds:schemaRefs>
     <ds:schemaRef ds:uri="http://schemas.microsoft.com/VisualStudio/2011/storyboarding/control"/>
   </ds:schemaRefs>
 </ds:datastoreItem>
 </file>
 
-<file path=customXml/itemProps13.xml><?xml version="1.0" encoding="utf-8"?>
-<ds:datastoreItem xmlns:ds="http://schemas.openxmlformats.org/officeDocument/2006/customXml" ds:itemID="{AB54C1FC-FEDD-4C34-956D-D26CC62F50F0}">
+<file path=customXml/itemProps163.xml><?xml version="1.0" encoding="utf-8"?>
+<ds:datastoreItem xmlns:ds="http://schemas.openxmlformats.org/officeDocument/2006/customXml" ds:itemID="{775845BD-BF8E-4F08-B63D-A1A6189E21E0}">
   <ds:schemaRefs>
     <ds:schemaRef ds:uri="http://schemas.microsoft.com/VisualStudio/2011/storyboarding/control"/>
   </ds:schemaRefs>
 </ds:datastoreItem>
 </file>
 
-<file path=customXml/itemProps14.xml><?xml version="1.0" encoding="utf-8"?>
-<ds:datastoreItem xmlns:ds="http://schemas.openxmlformats.org/officeDocument/2006/customXml" ds:itemID="{2B4A03D5-4470-4553-86AB-6401919B7EC4}">
+<file path=customXml/itemProps164.xml><?xml version="1.0" encoding="utf-8"?>
+<ds:datastoreItem xmlns:ds="http://schemas.openxmlformats.org/officeDocument/2006/customXml" ds:itemID="{F6FF9950-4A78-46B9-8AC9-C9138A3B018D}">
   <ds:schemaRefs>
     <ds:schemaRef ds:uri="http://schemas.microsoft.com/VisualStudio/2011/storyboarding/control"/>
   </ds:schemaRefs>
 </ds:datastoreItem>
 </file>
 
-<file path=customXml/itemProps15.xml><?xml version="1.0" encoding="utf-8"?>
-<ds:datastoreItem xmlns:ds="http://schemas.openxmlformats.org/officeDocument/2006/customXml" ds:itemID="{ECD89AED-453D-4F9D-8FAF-94400C51181B}">
+<file path=customXml/itemProps165.xml><?xml version="1.0" encoding="utf-8"?>
+<ds:datastoreItem xmlns:ds="http://schemas.openxmlformats.org/officeDocument/2006/customXml" ds:itemID="{FD4871AC-9F5C-4252-A39A-39102FA75AF3}">
   <ds:schemaRefs>
     <ds:schemaRef ds:uri="http://schemas.microsoft.com/VisualStudio/2011/storyboarding/control"/>
   </ds:schemaRefs>
 </ds:datastoreItem>
 </file>
 
-<file path=customXml/itemProps16.xml><?xml version="1.0" encoding="utf-8"?>
-<ds:datastoreItem xmlns:ds="http://schemas.openxmlformats.org/officeDocument/2006/customXml" ds:itemID="{3F764F7C-36D1-4912-8EE3-C8B3BF60AC67}">
+<file path=customXml/itemProps166.xml><?xml version="1.0" encoding="utf-8"?>
+<ds:datastoreItem xmlns:ds="http://schemas.openxmlformats.org/officeDocument/2006/customXml" ds:itemID="{012C875D-204A-4F74-A14C-F9DA7F88DDC0}">
   <ds:schemaRefs>
     <ds:schemaRef ds:uri="http://schemas.microsoft.com/VisualStudio/2011/storyboarding/control"/>
   </ds:schemaRefs>
@@ -19666,7 +20780,7 @@
 </file>
 
 <file path=customXml/itemProps17.xml><?xml version="1.0" encoding="utf-8"?>
-<ds:datastoreItem xmlns:ds="http://schemas.openxmlformats.org/officeDocument/2006/customXml" ds:itemID="{E1DB7C28-9C55-4A48-9215-0DEFB448D534}">
+<ds:datastoreItem xmlns:ds="http://schemas.openxmlformats.org/officeDocument/2006/customXml" ds:itemID="{5579030E-4DE4-4525-9E37-DAF5C7DA6C43}">
   <ds:schemaRefs>
     <ds:schemaRef ds:uri="http://schemas.microsoft.com/VisualStudio/2011/storyboarding/control"/>
   </ds:schemaRefs>
@@ -19674,7 +20788,7 @@
 </file>
 
 <file path=customXml/itemProps18.xml><?xml version="1.0" encoding="utf-8"?>
-<ds:datastoreItem xmlns:ds="http://schemas.openxmlformats.org/officeDocument/2006/customXml" ds:itemID="{FA5AB97C-9636-4D8B-AF93-AF3526549720}">
+<ds:datastoreItem xmlns:ds="http://schemas.openxmlformats.org/officeDocument/2006/customXml" ds:itemID="{0E1B6FD3-7541-456F-A2FC-647279EB6874}">
   <ds:schemaRefs>
     <ds:schemaRef ds:uri="http://schemas.microsoft.com/VisualStudio/2011/storyboarding/control"/>
   </ds:schemaRefs>
@@ -19682,7 +20796,7 @@
 </file>
 
 <file path=customXml/itemProps19.xml><?xml version="1.0" encoding="utf-8"?>
-<ds:datastoreItem xmlns:ds="http://schemas.openxmlformats.org/officeDocument/2006/customXml" ds:itemID="{9A006404-ACD1-4521-9805-D18F4A6A3E35}">
+<ds:datastoreItem xmlns:ds="http://schemas.openxmlformats.org/officeDocument/2006/customXml" ds:itemID="{F89204ED-F85A-4C74-B774-1E631E0B0ABC}">
   <ds:schemaRefs>
     <ds:schemaRef ds:uri="http://schemas.microsoft.com/VisualStudio/2011/storyboarding/control"/>
   </ds:schemaRefs>
@@ -19690,6 +20804,70 @@
 </file>
 
 <file path=customXml/itemProps2.xml><?xml version="1.0" encoding="utf-8"?>
+<ds:datastoreItem xmlns:ds="http://schemas.openxmlformats.org/officeDocument/2006/customXml" ds:itemID="{7276D371-C687-41EF-970D-6F7B7371A4DA}">
+  <ds:schemaRefs>
+    <ds:schemaRef ds:uri="http://schemas.microsoft.com/VisualStudio/2011/storyboarding/control"/>
+  </ds:schemaRefs>
+</ds:datastoreItem>
+</file>
+
+<file path=customXml/itemProps20.xml><?xml version="1.0" encoding="utf-8"?>
+<ds:datastoreItem xmlns:ds="http://schemas.openxmlformats.org/officeDocument/2006/customXml" ds:itemID="{4C4B5E6A-7FC6-4171-B17E-68C9DE10B09C}">
+  <ds:schemaRefs>
+    <ds:schemaRef ds:uri="http://schemas.microsoft.com/VisualStudio/2011/storyboarding/control"/>
+  </ds:schemaRefs>
+</ds:datastoreItem>
+</file>
+
+<file path=customXml/itemProps21.xml><?xml version="1.0" encoding="utf-8"?>
+<ds:datastoreItem xmlns:ds="http://schemas.openxmlformats.org/officeDocument/2006/customXml" ds:itemID="{1952160D-A4B5-41FF-B93C-A3C1BD5B7DFE}">
+  <ds:schemaRefs>
+    <ds:schemaRef ds:uri="http://schemas.microsoft.com/VisualStudio/2011/storyboarding/control"/>
+  </ds:schemaRefs>
+</ds:datastoreItem>
+</file>
+
+<file path=customXml/itemProps22.xml><?xml version="1.0" encoding="utf-8"?>
+<ds:datastoreItem xmlns:ds="http://schemas.openxmlformats.org/officeDocument/2006/customXml" ds:itemID="{52F7C6C7-5744-4962-9CBB-0932E1911B15}">
+  <ds:schemaRefs>
+    <ds:schemaRef ds:uri="http://schemas.microsoft.com/VisualStudio/2011/storyboarding/control"/>
+  </ds:schemaRefs>
+</ds:datastoreItem>
+</file>
+
+<file path=customXml/itemProps23.xml><?xml version="1.0" encoding="utf-8"?>
+<ds:datastoreItem xmlns:ds="http://schemas.openxmlformats.org/officeDocument/2006/customXml" ds:itemID="{FDC98252-E04A-4490-813E-11A6E11CD622}">
+  <ds:schemaRefs>
+    <ds:schemaRef ds:uri="http://schemas.microsoft.com/VisualStudio/2011/storyboarding/control"/>
+  </ds:schemaRefs>
+</ds:datastoreItem>
+</file>
+
+<file path=customXml/itemProps24.xml><?xml version="1.0" encoding="utf-8"?>
+<ds:datastoreItem xmlns:ds="http://schemas.openxmlformats.org/officeDocument/2006/customXml" ds:itemID="{31F06A35-258D-42AD-9E8D-9CFCDDE7DD78}">
+  <ds:schemaRefs>
+    <ds:schemaRef ds:uri="http://schemas.microsoft.com/VisualStudio/2011/storyboarding/control"/>
+  </ds:schemaRefs>
+</ds:datastoreItem>
+</file>
+
+<file path=customXml/itemProps25.xml><?xml version="1.0" encoding="utf-8"?>
+<ds:datastoreItem xmlns:ds="http://schemas.openxmlformats.org/officeDocument/2006/customXml" ds:itemID="{BE5BB52B-F03A-40FE-A61C-B0B8C4FAF454}">
+  <ds:schemaRefs>
+    <ds:schemaRef ds:uri="http://schemas.microsoft.com/VisualStudio/2011/storyboarding/control"/>
+  </ds:schemaRefs>
+</ds:datastoreItem>
+</file>
+
+<file path=customXml/itemProps26.xml><?xml version="1.0" encoding="utf-8"?>
+<ds:datastoreItem xmlns:ds="http://schemas.openxmlformats.org/officeDocument/2006/customXml" ds:itemID="{6C2AB959-A638-4F04-8502-C44DE6EEA385}">
+  <ds:schemaRefs>
+    <ds:schemaRef ds:uri="http://schemas.microsoft.com/VisualStudio/2011/storyboarding/control"/>
+  </ds:schemaRefs>
+</ds:datastoreItem>
+</file>
+
+<file path=customXml/itemProps27.xml><?xml version="1.0" encoding="utf-8"?>
 <ds:datastoreItem xmlns:ds="http://schemas.openxmlformats.org/officeDocument/2006/customXml" ds:itemID="{E6466703-ADDE-4AAC-B9CD-4AF4A9FE8F34}">
   <ds:schemaRefs>
     <ds:schemaRef ds:uri="http://schemas.microsoft.com/VisualStudio/2011/storyboarding/control"/>
@@ -19697,183 +20875,7 @@
 </ds:datastoreItem>
 </file>
 
-<file path=customXml/itemProps20.xml><?xml version="1.0" encoding="utf-8"?>
-<ds:datastoreItem xmlns:ds="http://schemas.openxmlformats.org/officeDocument/2006/customXml" ds:itemID="{98CDE5FC-1369-462A-B461-8737A1752E74}">
-  <ds:schemaRefs>
-    <ds:schemaRef ds:uri="http://schemas.microsoft.com/VisualStudio/2011/storyboarding/control"/>
-  </ds:schemaRefs>
-</ds:datastoreItem>
-</file>
-
-<file path=customXml/itemProps21.xml><?xml version="1.0" encoding="utf-8"?>
-<ds:datastoreItem xmlns:ds="http://schemas.openxmlformats.org/officeDocument/2006/customXml" ds:itemID="{3991839D-FCA1-4AE4-B9EA-02B11D16FC43}">
-  <ds:schemaRefs>
-    <ds:schemaRef ds:uri="http://schemas.microsoft.com/VisualStudio/2011/storyboarding/control"/>
-  </ds:schemaRefs>
-</ds:datastoreItem>
-</file>
-
-<file path=customXml/itemProps22.xml><?xml version="1.0" encoding="utf-8"?>
-<ds:datastoreItem xmlns:ds="http://schemas.openxmlformats.org/officeDocument/2006/customXml" ds:itemID="{E04D4427-3A0F-417E-B511-F2501A56E5BE}">
-  <ds:schemaRefs>
-    <ds:schemaRef ds:uri="http://schemas.microsoft.com/VisualStudio/2011/storyboarding/control"/>
-  </ds:schemaRefs>
-</ds:datastoreItem>
-</file>
-
-<file path=customXml/itemProps23.xml><?xml version="1.0" encoding="utf-8"?>
-<ds:datastoreItem xmlns:ds="http://schemas.openxmlformats.org/officeDocument/2006/customXml" ds:itemID="{9461729E-EF7F-481D-9CCA-DB382A8886C4}">
-  <ds:schemaRefs>
-    <ds:schemaRef ds:uri="http://schemas.microsoft.com/VisualStudio/2011/storyboarding/control"/>
-  </ds:schemaRefs>
-</ds:datastoreItem>
-</file>
-
-<file path=customXml/itemProps24.xml><?xml version="1.0" encoding="utf-8"?>
-<ds:datastoreItem xmlns:ds="http://schemas.openxmlformats.org/officeDocument/2006/customXml" ds:itemID="{49F788A8-E3CA-4053-86BD-27B7AE93263A}">
-  <ds:schemaRefs>
-    <ds:schemaRef ds:uri="http://schemas.microsoft.com/VisualStudio/2011/storyboarding/control"/>
-  </ds:schemaRefs>
-</ds:datastoreItem>
-</file>
-
-<file path=customXml/itemProps25.xml><?xml version="1.0" encoding="utf-8"?>
-<ds:datastoreItem xmlns:ds="http://schemas.openxmlformats.org/officeDocument/2006/customXml" ds:itemID="{885C0D53-DBB4-4BBB-888E-D3A5F81946D3}">
-  <ds:schemaRefs>
-    <ds:schemaRef ds:uri="http://schemas.microsoft.com/VisualStudio/2011/storyboarding/control"/>
-  </ds:schemaRefs>
-</ds:datastoreItem>
-</file>
-
-<file path=customXml/itemProps26.xml><?xml version="1.0" encoding="utf-8"?>
-<ds:datastoreItem xmlns:ds="http://schemas.openxmlformats.org/officeDocument/2006/customXml" ds:itemID="{30788A3B-5413-4DD4-885A-ABD66A994E2C}">
-  <ds:schemaRefs>
-    <ds:schemaRef ds:uri="http://schemas.microsoft.com/VisualStudio/2011/storyboarding/control"/>
-  </ds:schemaRefs>
-</ds:datastoreItem>
-</file>
-
-<file path=customXml/itemProps27.xml><?xml version="1.0" encoding="utf-8"?>
-<ds:datastoreItem xmlns:ds="http://schemas.openxmlformats.org/officeDocument/2006/customXml" ds:itemID="{765A257F-473D-4FE9-8AD8-1520377A6BBE}">
-  <ds:schemaRefs>
-    <ds:schemaRef ds:uri="http://schemas.microsoft.com/VisualStudio/2011/storyboarding/control"/>
-  </ds:schemaRefs>
-</ds:datastoreItem>
-</file>
-
 <file path=customXml/itemProps28.xml><?xml version="1.0" encoding="utf-8"?>
-<ds:datastoreItem xmlns:ds="http://schemas.openxmlformats.org/officeDocument/2006/customXml" ds:itemID="{88453F2B-BF7B-428A-BB98-BBCE8CA80A59}">
-  <ds:schemaRefs>
-    <ds:schemaRef ds:uri="http://schemas.microsoft.com/VisualStudio/2011/storyboarding/control"/>
-  </ds:schemaRefs>
-</ds:datastoreItem>
-</file>
-
-<file path=customXml/itemProps29.xml><?xml version="1.0" encoding="utf-8"?>
-<ds:datastoreItem xmlns:ds="http://schemas.openxmlformats.org/officeDocument/2006/customXml" ds:itemID="{195D4AF7-72BE-49CA-A3B2-E9D893E8FD50}">
-  <ds:schemaRefs>
-    <ds:schemaRef ds:uri="http://schemas.microsoft.com/VisualStudio/2011/storyboarding/control"/>
-  </ds:schemaRefs>
-</ds:datastoreItem>
-</file>
-
-<file path=customXml/itemProps3.xml><?xml version="1.0" encoding="utf-8"?>
-<ds:datastoreItem xmlns:ds="http://schemas.openxmlformats.org/officeDocument/2006/customXml" ds:itemID="{B871A8D1-203A-4C86-91A7-CD5EA7CBD08A}">
-  <ds:schemaRefs>
-    <ds:schemaRef ds:uri="http://schemas.microsoft.com/VisualStudio/2011/storyboarding/control"/>
-  </ds:schemaRefs>
-</ds:datastoreItem>
-</file>
-
-<file path=customXml/itemProps30.xml><?xml version="1.0" encoding="utf-8"?>
-<ds:datastoreItem xmlns:ds="http://schemas.openxmlformats.org/officeDocument/2006/customXml" ds:itemID="{4F5A9A6F-65C7-46A8-94CC-A3E676B69DF2}">
-  <ds:schemaRefs>
-    <ds:schemaRef ds:uri="http://schemas.microsoft.com/VisualStudio/2011/storyboarding/control"/>
-  </ds:schemaRefs>
-</ds:datastoreItem>
-</file>
-
-<file path=customXml/itemProps31.xml><?xml version="1.0" encoding="utf-8"?>
-<ds:datastoreItem xmlns:ds="http://schemas.openxmlformats.org/officeDocument/2006/customXml" ds:itemID="{C8C60423-EB87-45D6-A957-1864F9BAFC67}">
-  <ds:schemaRefs>
-    <ds:schemaRef ds:uri="http://schemas.microsoft.com/VisualStudio/2011/storyboarding/control"/>
-  </ds:schemaRefs>
-</ds:datastoreItem>
-</file>
-
-<file path=customXml/itemProps32.xml><?xml version="1.0" encoding="utf-8"?>
-<ds:datastoreItem xmlns:ds="http://schemas.openxmlformats.org/officeDocument/2006/customXml" ds:itemID="{5837A29F-AD1E-47A1-81FF-08D831A96AD0}">
-  <ds:schemaRefs>
-    <ds:schemaRef ds:uri="http://schemas.microsoft.com/VisualStudio/2011/storyboarding/control"/>
-  </ds:schemaRefs>
-</ds:datastoreItem>
-</file>
-
-<file path=customXml/itemProps33.xml><?xml version="1.0" encoding="utf-8"?>
-<ds:datastoreItem xmlns:ds="http://schemas.openxmlformats.org/officeDocument/2006/customXml" ds:itemID="{1CA3848C-C2A0-4A7B-B831-EFFE26AFD849}">
-  <ds:schemaRefs>
-    <ds:schemaRef ds:uri="http://schemas.microsoft.com/VisualStudio/2011/storyboarding/control"/>
-  </ds:schemaRefs>
-</ds:datastoreItem>
-</file>
-
-<file path=customXml/itemProps34.xml><?xml version="1.0" encoding="utf-8"?>
-<ds:datastoreItem xmlns:ds="http://schemas.openxmlformats.org/officeDocument/2006/customXml" ds:itemID="{FEB7DD79-5F86-4ACF-B046-E6D2CEB83B9D}">
-  <ds:schemaRefs>
-    <ds:schemaRef ds:uri="http://schemas.microsoft.com/VisualStudio/2011/storyboarding/control"/>
-  </ds:schemaRefs>
-</ds:datastoreItem>
-</file>
-
-<file path=customXml/itemProps35.xml><?xml version="1.0" encoding="utf-8"?>
-<ds:datastoreItem xmlns:ds="http://schemas.openxmlformats.org/officeDocument/2006/customXml" ds:itemID="{4B732E27-1694-4AAA-9639-FA862105E5DF}">
-  <ds:schemaRefs>
-    <ds:schemaRef ds:uri="http://schemas.microsoft.com/VisualStudio/2011/storyboarding/control"/>
-  </ds:schemaRefs>
-</ds:datastoreItem>
-</file>
-
-<file path=customXml/itemProps36.xml><?xml version="1.0" encoding="utf-8"?>
-<ds:datastoreItem xmlns:ds="http://schemas.openxmlformats.org/officeDocument/2006/customXml" ds:itemID="{3D5C5E78-A75B-4479-BEC3-3412E3BCB7A9}">
-  <ds:schemaRefs>
-    <ds:schemaRef ds:uri="http://schemas.microsoft.com/VisualStudio/2011/storyboarding/control"/>
-  </ds:schemaRefs>
-</ds:datastoreItem>
-</file>
-
-<file path=customXml/itemProps37.xml><?xml version="1.0" encoding="utf-8"?>
-<ds:datastoreItem xmlns:ds="http://schemas.openxmlformats.org/officeDocument/2006/customXml" ds:itemID="{34D82384-F03D-4C89-AD25-9BE5A352BA6D}">
-  <ds:schemaRefs>
-    <ds:schemaRef ds:uri="http://schemas.microsoft.com/VisualStudio/2011/storyboarding/control"/>
-  </ds:schemaRefs>
-</ds:datastoreItem>
-</file>
-
-<file path=customXml/itemProps38.xml><?xml version="1.0" encoding="utf-8"?>
-<ds:datastoreItem xmlns:ds="http://schemas.openxmlformats.org/officeDocument/2006/customXml" ds:itemID="{1F5354C9-F1A5-422D-B104-5836DAD34E7A}">
-  <ds:schemaRefs>
-    <ds:schemaRef ds:uri="http://schemas.microsoft.com/VisualStudio/2011/storyboarding/control"/>
-  </ds:schemaRefs>
-</ds:datastoreItem>
-</file>
-
-<file path=customXml/itemProps39.xml><?xml version="1.0" encoding="utf-8"?>
-<ds:datastoreItem xmlns:ds="http://schemas.openxmlformats.org/officeDocument/2006/customXml" ds:itemID="{059080CE-9A11-4F43-975A-8B3948DEBC9A}">
-  <ds:schemaRefs>
-    <ds:schemaRef ds:uri="http://schemas.microsoft.com/VisualStudio/2011/storyboarding/control"/>
-  </ds:schemaRefs>
-</ds:datastoreItem>
-</file>
-
-<file path=customXml/itemProps4.xml><?xml version="1.0" encoding="utf-8"?>
-<ds:datastoreItem xmlns:ds="http://schemas.openxmlformats.org/officeDocument/2006/customXml" ds:itemID="{52F7C6C7-5744-4962-9CBB-0932E1911B15}">
-  <ds:schemaRefs>
-    <ds:schemaRef ds:uri="http://schemas.microsoft.com/VisualStudio/2011/storyboarding/control"/>
-  </ds:schemaRefs>
-</ds:datastoreItem>
-</file>
-
-<file path=customXml/itemProps40.xml><?xml version="1.0" encoding="utf-8"?>
 <ds:datastoreItem xmlns:ds="http://schemas.openxmlformats.org/officeDocument/2006/customXml" ds:itemID="{4D22EF59-9F2A-4258-B1A7-6202FE5F1746}">
   <ds:schemaRefs>
     <ds:schemaRef ds:uri="http://schemas.microsoft.com/VisualStudio/2011/storyboarding/control"/>
@@ -19881,39 +20883,7 @@
 </ds:datastoreItem>
 </file>
 
-<file path=customXml/itemProps41.xml><?xml version="1.0" encoding="utf-8"?>
-<ds:datastoreItem xmlns:ds="http://schemas.openxmlformats.org/officeDocument/2006/customXml" ds:itemID="{66E55E83-FE18-4439-85D3-480F7E487006}">
-  <ds:schemaRefs>
-    <ds:schemaRef ds:uri="http://schemas.microsoft.com/VisualStudio/2011/storyboarding/control"/>
-  </ds:schemaRefs>
-</ds:datastoreItem>
-</file>
-
-<file path=customXml/itemProps42.xml><?xml version="1.0" encoding="utf-8"?>
-<ds:datastoreItem xmlns:ds="http://schemas.openxmlformats.org/officeDocument/2006/customXml" ds:itemID="{09DEC759-9CBE-41FA-B445-08BEAE6D7E07}">
-  <ds:schemaRefs>
-    <ds:schemaRef ds:uri="http://schemas.microsoft.com/VisualStudio/2011/storyboarding/control"/>
-  </ds:schemaRefs>
-</ds:datastoreItem>
-</file>
-
-<file path=customXml/itemProps43.xml><?xml version="1.0" encoding="utf-8"?>
-<ds:datastoreItem xmlns:ds="http://schemas.openxmlformats.org/officeDocument/2006/customXml" ds:itemID="{378981F8-4A49-4219-A049-5C5C55C1AB3F}">
-  <ds:schemaRefs>
-    <ds:schemaRef ds:uri="http://schemas.microsoft.com/VisualStudio/2011/storyboarding/control"/>
-  </ds:schemaRefs>
-</ds:datastoreItem>
-</file>
-
-<file path=customXml/itemProps44.xml><?xml version="1.0" encoding="utf-8"?>
-<ds:datastoreItem xmlns:ds="http://schemas.openxmlformats.org/officeDocument/2006/customXml" ds:itemID="{4C4B5E6A-7FC6-4171-B17E-68C9DE10B09C}">
-  <ds:schemaRefs>
-    <ds:schemaRef ds:uri="http://schemas.microsoft.com/VisualStudio/2011/storyboarding/control"/>
-  </ds:schemaRefs>
-</ds:datastoreItem>
-</file>
-
-<file path=customXml/itemProps45.xml><?xml version="1.0" encoding="utf-8"?>
+<file path=customXml/itemProps29.xml><?xml version="1.0" encoding="utf-8"?>
 <ds:datastoreItem xmlns:ds="http://schemas.openxmlformats.org/officeDocument/2006/customXml" ds:itemID="{E9554D9D-4059-47C9-9119-D66E51BCC594}">
   <ds:schemaRefs>
     <ds:schemaRef ds:uri="http://schemas.microsoft.com/VisualStudio/2011/storyboarding/control"/>
@@ -19921,32 +20891,176 @@
 </ds:datastoreItem>
 </file>
 
-<file path=customXml/itemProps46.xml><?xml version="1.0" encoding="utf-8"?>
-<ds:datastoreItem xmlns:ds="http://schemas.openxmlformats.org/officeDocument/2006/customXml" ds:itemID="{E67EBC04-5744-42F7-9F37-49E6D747B1B9}">
+<file path=customXml/itemProps3.xml><?xml version="1.0" encoding="utf-8"?>
+<ds:datastoreItem xmlns:ds="http://schemas.openxmlformats.org/officeDocument/2006/customXml" ds:itemID="{20DB3F4E-3F06-4EC8-8159-A457182695CB}">
   <ds:schemaRefs>
     <ds:schemaRef ds:uri="http://schemas.microsoft.com/VisualStudio/2011/storyboarding/control"/>
   </ds:schemaRefs>
 </ds:datastoreItem>
 </file>
 
-<file path=customXml/itemProps47.xml><?xml version="1.0" encoding="utf-8"?>
-<ds:datastoreItem xmlns:ds="http://schemas.openxmlformats.org/officeDocument/2006/customXml" ds:itemID="{7276D371-C687-41EF-970D-6F7B7371A4DA}">
+<file path=customXml/itemProps30.xml><?xml version="1.0" encoding="utf-8"?>
+<ds:datastoreItem xmlns:ds="http://schemas.openxmlformats.org/officeDocument/2006/customXml" ds:itemID="{8ED716A6-ED00-4F98-8368-F042632B2554}">
   <ds:schemaRefs>
     <ds:schemaRef ds:uri="http://schemas.microsoft.com/VisualStudio/2011/storyboarding/control"/>
   </ds:schemaRefs>
 </ds:datastoreItem>
 </file>
 
-<file path=customXml/itemProps48.xml><?xml version="1.0" encoding="utf-8"?>
-<ds:datastoreItem xmlns:ds="http://schemas.openxmlformats.org/officeDocument/2006/customXml" ds:itemID="{E2FD4741-E395-490C-999E-5E236192B853}">
+<file path=customXml/itemProps31.xml><?xml version="1.0" encoding="utf-8"?>
+<ds:datastoreItem xmlns:ds="http://schemas.openxmlformats.org/officeDocument/2006/customXml" ds:itemID="{6F84D04C-6C51-4FA3-821D-A719F9128C3D}">
   <ds:schemaRefs>
     <ds:schemaRef ds:uri="http://schemas.microsoft.com/VisualStudio/2011/storyboarding/control"/>
   </ds:schemaRefs>
 </ds:datastoreItem>
 </file>
 
+<file path=customXml/itemProps32.xml><?xml version="1.0" encoding="utf-8"?>
+<ds:datastoreItem xmlns:ds="http://schemas.openxmlformats.org/officeDocument/2006/customXml" ds:itemID="{BA8E7BA0-1D5D-4333-B39E-C414802D5484}">
+  <ds:schemaRefs>
+    <ds:schemaRef ds:uri="http://schemas.microsoft.com/VisualStudio/2011/storyboarding/control"/>
+  </ds:schemaRefs>
+</ds:datastoreItem>
+</file>
+
+<file path=customXml/itemProps33.xml><?xml version="1.0" encoding="utf-8"?>
+<ds:datastoreItem xmlns:ds="http://schemas.openxmlformats.org/officeDocument/2006/customXml" ds:itemID="{8E73D2BF-F35C-4C5D-B131-DD8E8DA09795}">
+  <ds:schemaRefs>
+    <ds:schemaRef ds:uri="http://schemas.microsoft.com/VisualStudio/2011/storyboarding/control"/>
+  </ds:schemaRefs>
+</ds:datastoreItem>
+</file>
+
+<file path=customXml/itemProps34.xml><?xml version="1.0" encoding="utf-8"?>
+<ds:datastoreItem xmlns:ds="http://schemas.openxmlformats.org/officeDocument/2006/customXml" ds:itemID="{E2E195F6-C207-4FE7-BED4-EE83BDD3E508}">
+  <ds:schemaRefs>
+    <ds:schemaRef ds:uri="http://schemas.microsoft.com/VisualStudio/2011/storyboarding/control"/>
+  </ds:schemaRefs>
+</ds:datastoreItem>
+</file>
+
+<file path=customXml/itemProps35.xml><?xml version="1.0" encoding="utf-8"?>
+<ds:datastoreItem xmlns:ds="http://schemas.openxmlformats.org/officeDocument/2006/customXml" ds:itemID="{EF6644F9-6C20-493F-B54F-18418F3575A8}">
+  <ds:schemaRefs>
+    <ds:schemaRef ds:uri="http://schemas.microsoft.com/VisualStudio/2011/storyboarding/control"/>
+  </ds:schemaRefs>
+</ds:datastoreItem>
+</file>
+
+<file path=customXml/itemProps36.xml><?xml version="1.0" encoding="utf-8"?>
+<ds:datastoreItem xmlns:ds="http://schemas.openxmlformats.org/officeDocument/2006/customXml" ds:itemID="{C3F62056-0283-461A-94BD-CD941706E74D}">
+  <ds:schemaRefs>
+    <ds:schemaRef ds:uri="http://schemas.microsoft.com/VisualStudio/2011/storyboarding/control"/>
+  </ds:schemaRefs>
+</ds:datastoreItem>
+</file>
+
+<file path=customXml/itemProps37.xml><?xml version="1.0" encoding="utf-8"?>
+<ds:datastoreItem xmlns:ds="http://schemas.openxmlformats.org/officeDocument/2006/customXml" ds:itemID="{8F85347D-C23A-4133-895F-C670BCF6DC54}">
+  <ds:schemaRefs>
+    <ds:schemaRef ds:uri="http://schemas.microsoft.com/VisualStudio/2011/storyboarding/control"/>
+  </ds:schemaRefs>
+</ds:datastoreItem>
+</file>
+
+<file path=customXml/itemProps38.xml><?xml version="1.0" encoding="utf-8"?>
+<ds:datastoreItem xmlns:ds="http://schemas.openxmlformats.org/officeDocument/2006/customXml" ds:itemID="{CFE492A1-7FEC-4BB6-8B21-E5169EE7835D}">
+  <ds:schemaRefs>
+    <ds:schemaRef ds:uri="http://schemas.microsoft.com/VisualStudio/2011/storyboarding/control"/>
+  </ds:schemaRefs>
+</ds:datastoreItem>
+</file>
+
+<file path=customXml/itemProps39.xml><?xml version="1.0" encoding="utf-8"?>
+<ds:datastoreItem xmlns:ds="http://schemas.openxmlformats.org/officeDocument/2006/customXml" ds:itemID="{BC0DBAFF-7365-4009-9F10-78AD4673367A}">
+  <ds:schemaRefs>
+    <ds:schemaRef ds:uri="http://schemas.microsoft.com/VisualStudio/2011/storyboarding/control"/>
+  </ds:schemaRefs>
+</ds:datastoreItem>
+</file>
+
+<file path=customXml/itemProps4.xml><?xml version="1.0" encoding="utf-8"?>
+<ds:datastoreItem xmlns:ds="http://schemas.openxmlformats.org/officeDocument/2006/customXml" ds:itemID="{27089FB8-EDB0-4E85-8D7F-D4ADEA535F1F}">
+  <ds:schemaRefs>
+    <ds:schemaRef ds:uri="http://schemas.microsoft.com/VisualStudio/2011/storyboarding/control"/>
+  </ds:schemaRefs>
+</ds:datastoreItem>
+</file>
+
+<file path=customXml/itemProps40.xml><?xml version="1.0" encoding="utf-8"?>
+<ds:datastoreItem xmlns:ds="http://schemas.openxmlformats.org/officeDocument/2006/customXml" ds:itemID="{E5E600F1-3C92-4CC5-9220-0B4D5A237E90}">
+  <ds:schemaRefs>
+    <ds:schemaRef ds:uri="http://schemas.microsoft.com/VisualStudio/2011/storyboarding/control"/>
+  </ds:schemaRefs>
+</ds:datastoreItem>
+</file>
+
+<file path=customXml/itemProps41.xml><?xml version="1.0" encoding="utf-8"?>
+<ds:datastoreItem xmlns:ds="http://schemas.openxmlformats.org/officeDocument/2006/customXml" ds:itemID="{094A1E9A-2834-4313-9D88-85EFFB493B04}">
+  <ds:schemaRefs>
+    <ds:schemaRef ds:uri="http://schemas.microsoft.com/VisualStudio/2011/storyboarding/control"/>
+  </ds:schemaRefs>
+</ds:datastoreItem>
+</file>
+
+<file path=customXml/itemProps42.xml><?xml version="1.0" encoding="utf-8"?>
+<ds:datastoreItem xmlns:ds="http://schemas.openxmlformats.org/officeDocument/2006/customXml" ds:itemID="{49DB5072-F0A9-4574-BE45-075C743E16D4}">
+  <ds:schemaRefs>
+    <ds:schemaRef ds:uri="http://schemas.microsoft.com/VisualStudio/2011/storyboarding/control"/>
+  </ds:schemaRefs>
+</ds:datastoreItem>
+</file>
+
+<file path=customXml/itemProps43.xml><?xml version="1.0" encoding="utf-8"?>
+<ds:datastoreItem xmlns:ds="http://schemas.openxmlformats.org/officeDocument/2006/customXml" ds:itemID="{354E4DB6-917A-44A8-92B1-9FB4F55CA4A8}">
+  <ds:schemaRefs>
+    <ds:schemaRef ds:uri="http://schemas.microsoft.com/VisualStudio/2011/storyboarding/control"/>
+  </ds:schemaRefs>
+</ds:datastoreItem>
+</file>
+
+<file path=customXml/itemProps44.xml><?xml version="1.0" encoding="utf-8"?>
+<ds:datastoreItem xmlns:ds="http://schemas.openxmlformats.org/officeDocument/2006/customXml" ds:itemID="{8D4B30DF-93F9-4653-92B9-D2BCCFFB78DB}">
+  <ds:schemaRefs>
+    <ds:schemaRef ds:uri="http://schemas.microsoft.com/VisualStudio/2011/storyboarding/control"/>
+  </ds:schemaRefs>
+</ds:datastoreItem>
+</file>
+
+<file path=customXml/itemProps45.xml><?xml version="1.0" encoding="utf-8"?>
+<ds:datastoreItem xmlns:ds="http://schemas.openxmlformats.org/officeDocument/2006/customXml" ds:itemID="{FC3D2E31-9E71-43BB-B84F-510CE5037A9D}">
+  <ds:schemaRefs>
+    <ds:schemaRef ds:uri="http://schemas.microsoft.com/VisualStudio/2011/storyboarding/control"/>
+  </ds:schemaRefs>
+</ds:datastoreItem>
+</file>
+
+<file path=customXml/itemProps46.xml><?xml version="1.0" encoding="utf-8"?>
+<ds:datastoreItem xmlns:ds="http://schemas.openxmlformats.org/officeDocument/2006/customXml" ds:itemID="{5548DFDF-7D28-4C84-A1F6-50C01F125C55}">
+  <ds:schemaRefs>
+    <ds:schemaRef ds:uri="http://schemas.microsoft.com/VisualStudio/2011/storyboarding/control"/>
+  </ds:schemaRefs>
+</ds:datastoreItem>
+</file>
+
+<file path=customXml/itemProps47.xml><?xml version="1.0" encoding="utf-8"?>
+<ds:datastoreItem xmlns:ds="http://schemas.openxmlformats.org/officeDocument/2006/customXml" ds:itemID="{FB58E955-BA62-4E23-A752-D646E6B50BAE}">
+  <ds:schemaRefs>
+    <ds:schemaRef ds:uri="http://schemas.microsoft.com/VisualStudio/2011/storyboarding/control"/>
+  </ds:schemaRefs>
+</ds:datastoreItem>
+</file>
+
+<file path=customXml/itemProps48.xml><?xml version="1.0" encoding="utf-8"?>
+<ds:datastoreItem xmlns:ds="http://schemas.openxmlformats.org/officeDocument/2006/customXml" ds:itemID="{699B0B08-126B-4E87-8FC8-B08844EFEFD6}">
+  <ds:schemaRefs>
+    <ds:schemaRef ds:uri="http://schemas.microsoft.com/VisualStudio/2011/storyboarding/control"/>
+  </ds:schemaRefs>
+</ds:datastoreItem>
+</file>
+
 <file path=customXml/itemProps49.xml><?xml version="1.0" encoding="utf-8"?>
-<ds:datastoreItem xmlns:ds="http://schemas.openxmlformats.org/officeDocument/2006/customXml" ds:itemID="{0E1B6FD3-7541-456F-A2FC-647279EB6874}">
+<ds:datastoreItem xmlns:ds="http://schemas.openxmlformats.org/officeDocument/2006/customXml" ds:itemID="{EAE2352D-1A15-465D-BA6D-BD6DF6E3922B}">
   <ds:schemaRefs>
     <ds:schemaRef ds:uri="http://schemas.microsoft.com/VisualStudio/2011/storyboarding/control"/>
   </ds:schemaRefs>
@@ -19962,7 +21076,7 @@
 </file>
 
 <file path=customXml/itemProps50.xml><?xml version="1.0" encoding="utf-8"?>
-<ds:datastoreItem xmlns:ds="http://schemas.openxmlformats.org/officeDocument/2006/customXml" ds:itemID="{31F06A35-258D-42AD-9E8D-9CFCDDE7DD78}">
+<ds:datastoreItem xmlns:ds="http://schemas.openxmlformats.org/officeDocument/2006/customXml" ds:itemID="{2D014853-796B-486B-93F1-DDAB166E180E}">
   <ds:schemaRefs>
     <ds:schemaRef ds:uri="http://schemas.microsoft.com/VisualStudio/2011/storyboarding/control"/>
   </ds:schemaRefs>
@@ -19970,7 +21084,7 @@
 </file>
 
 <file path=customXml/itemProps51.xml><?xml version="1.0" encoding="utf-8"?>
-<ds:datastoreItem xmlns:ds="http://schemas.openxmlformats.org/officeDocument/2006/customXml" ds:itemID="{A19CDA03-C65E-43BC-BFE8-244BE297D47C}">
+<ds:datastoreItem xmlns:ds="http://schemas.openxmlformats.org/officeDocument/2006/customXml" ds:itemID="{959FD3A3-A6AB-4BE5-9DCF-4CDBC359B9D6}">
   <ds:schemaRefs>
     <ds:schemaRef ds:uri="http://schemas.microsoft.com/VisualStudio/2011/storyboarding/control"/>
   </ds:schemaRefs>
@@ -19978,7 +21092,7 @@
 </file>
 
 <file path=customXml/itemProps52.xml><?xml version="1.0" encoding="utf-8"?>
-<ds:datastoreItem xmlns:ds="http://schemas.openxmlformats.org/officeDocument/2006/customXml" ds:itemID="{1952160D-A4B5-41FF-B93C-A3C1BD5B7DFE}">
+<ds:datastoreItem xmlns:ds="http://schemas.openxmlformats.org/officeDocument/2006/customXml" ds:itemID="{C9DDC81C-F527-4A1D-AFA6-95F204C38A02}">
   <ds:schemaRefs>
     <ds:schemaRef ds:uri="http://schemas.microsoft.com/VisualStudio/2011/storyboarding/control"/>
   </ds:schemaRefs>
@@ -19986,7 +21100,7 @@
 </file>
 
 <file path=customXml/itemProps53.xml><?xml version="1.0" encoding="utf-8"?>
-<ds:datastoreItem xmlns:ds="http://schemas.openxmlformats.org/officeDocument/2006/customXml" ds:itemID="{20DB3F4E-3F06-4EC8-8159-A457182695CB}">
+<ds:datastoreItem xmlns:ds="http://schemas.openxmlformats.org/officeDocument/2006/customXml" ds:itemID="{5730D8BE-8567-440A-9B7E-C162FFDCA3D2}">
   <ds:schemaRefs>
     <ds:schemaRef ds:uri="http://schemas.microsoft.com/VisualStudio/2011/storyboarding/control"/>
   </ds:schemaRefs>
@@ -19994,7 +21108,7 @@
 </file>
 
 <file path=customXml/itemProps54.xml><?xml version="1.0" encoding="utf-8"?>
-<ds:datastoreItem xmlns:ds="http://schemas.openxmlformats.org/officeDocument/2006/customXml" ds:itemID="{CFDA52BC-94F9-4B12-943D-D46F973360C0}">
+<ds:datastoreItem xmlns:ds="http://schemas.openxmlformats.org/officeDocument/2006/customXml" ds:itemID="{A875CA39-3609-423C-A3FE-30FB9235A370}">
   <ds:schemaRefs>
     <ds:schemaRef ds:uri="http://schemas.microsoft.com/VisualStudio/2011/storyboarding/control"/>
   </ds:schemaRefs>
@@ -20002,7 +21116,7 @@
 </file>
 
 <file path=customXml/itemProps55.xml><?xml version="1.0" encoding="utf-8"?>
-<ds:datastoreItem xmlns:ds="http://schemas.openxmlformats.org/officeDocument/2006/customXml" ds:itemID="{BE5BB52B-F03A-40FE-A61C-B0B8C4FAF454}">
+<ds:datastoreItem xmlns:ds="http://schemas.openxmlformats.org/officeDocument/2006/customXml" ds:itemID="{7D83B45F-09E9-4C5A-963D-A9DCF2901833}">
   <ds:schemaRefs>
     <ds:schemaRef ds:uri="http://schemas.microsoft.com/VisualStudio/2011/storyboarding/control"/>
   </ds:schemaRefs>
@@ -20010,6 +21124,214 @@
 </file>
 
 <file path=customXml/itemProps56.xml><?xml version="1.0" encoding="utf-8"?>
+<ds:datastoreItem xmlns:ds="http://schemas.openxmlformats.org/officeDocument/2006/customXml" ds:itemID="{E93789A2-7068-419A-835A-7FF9AE008287}">
+  <ds:schemaRefs>
+    <ds:schemaRef ds:uri="http://schemas.microsoft.com/VisualStudio/2011/storyboarding/control"/>
+  </ds:schemaRefs>
+</ds:datastoreItem>
+</file>
+
+<file path=customXml/itemProps57.xml><?xml version="1.0" encoding="utf-8"?>
+<ds:datastoreItem xmlns:ds="http://schemas.openxmlformats.org/officeDocument/2006/customXml" ds:itemID="{FBEA3610-2B57-4559-9C6D-992AEB90803D}">
+  <ds:schemaRefs>
+    <ds:schemaRef ds:uri="http://schemas.microsoft.com/VisualStudio/2011/storyboarding/control"/>
+  </ds:schemaRefs>
+</ds:datastoreItem>
+</file>
+
+<file path=customXml/itemProps58.xml><?xml version="1.0" encoding="utf-8"?>
+<ds:datastoreItem xmlns:ds="http://schemas.openxmlformats.org/officeDocument/2006/customXml" ds:itemID="{4352E7BF-A4F9-4B05-BB94-89192F45E919}">
+  <ds:schemaRefs>
+    <ds:schemaRef ds:uri="http://schemas.microsoft.com/VisualStudio/2011/storyboarding/control"/>
+  </ds:schemaRefs>
+</ds:datastoreItem>
+</file>
+
+<file path=customXml/itemProps59.xml><?xml version="1.0" encoding="utf-8"?>
+<ds:datastoreItem xmlns:ds="http://schemas.openxmlformats.org/officeDocument/2006/customXml" ds:itemID="{704DA238-2AE3-4393-A7D4-7A3BEBD07059}">
+  <ds:schemaRefs>
+    <ds:schemaRef ds:uri="http://schemas.microsoft.com/VisualStudio/2011/storyboarding/control"/>
+  </ds:schemaRefs>
+</ds:datastoreItem>
+</file>
+
+<file path=customXml/itemProps6.xml><?xml version="1.0" encoding="utf-8"?>
+<ds:datastoreItem xmlns:ds="http://schemas.openxmlformats.org/officeDocument/2006/customXml" ds:itemID="{378981F8-4A49-4219-A049-5C5C55C1AB3F}">
+  <ds:schemaRefs>
+    <ds:schemaRef ds:uri="http://schemas.microsoft.com/VisualStudio/2011/storyboarding/control"/>
+  </ds:schemaRefs>
+</ds:datastoreItem>
+</file>
+
+<file path=customXml/itemProps60.xml><?xml version="1.0" encoding="utf-8"?>
+<ds:datastoreItem xmlns:ds="http://schemas.openxmlformats.org/officeDocument/2006/customXml" ds:itemID="{5BB61253-6A1A-45AD-A0B8-2251E4FA90C5}">
+  <ds:schemaRefs>
+    <ds:schemaRef ds:uri="http://schemas.microsoft.com/VisualStudio/2011/storyboarding/control"/>
+  </ds:schemaRefs>
+</ds:datastoreItem>
+</file>
+
+<file path=customXml/itemProps61.xml><?xml version="1.0" encoding="utf-8"?>
+<ds:datastoreItem xmlns:ds="http://schemas.openxmlformats.org/officeDocument/2006/customXml" ds:itemID="{E418AEFC-7A87-495E-AC3F-49BF68DA90C7}">
+  <ds:schemaRefs>
+    <ds:schemaRef ds:uri="http://schemas.microsoft.com/VisualStudio/2011/storyboarding/control"/>
+  </ds:schemaRefs>
+</ds:datastoreItem>
+</file>
+
+<file path=customXml/itemProps62.xml><?xml version="1.0" encoding="utf-8"?>
+<ds:datastoreItem xmlns:ds="http://schemas.openxmlformats.org/officeDocument/2006/customXml" ds:itemID="{D8B875FB-2ECD-47A6-97DA-8B4727A21E29}">
+  <ds:schemaRefs>
+    <ds:schemaRef ds:uri="http://schemas.microsoft.com/VisualStudio/2011/storyboarding/control"/>
+  </ds:schemaRefs>
+</ds:datastoreItem>
+</file>
+
+<file path=customXml/itemProps63.xml><?xml version="1.0" encoding="utf-8"?>
+<ds:datastoreItem xmlns:ds="http://schemas.openxmlformats.org/officeDocument/2006/customXml" ds:itemID="{7B4E7A4B-F88F-4486-956A-92742F9CE009}">
+  <ds:schemaRefs>
+    <ds:schemaRef ds:uri="http://schemas.microsoft.com/VisualStudio/2011/storyboarding/control"/>
+  </ds:schemaRefs>
+</ds:datastoreItem>
+</file>
+
+<file path=customXml/itemProps64.xml><?xml version="1.0" encoding="utf-8"?>
+<ds:datastoreItem xmlns:ds="http://schemas.openxmlformats.org/officeDocument/2006/customXml" ds:itemID="{9DA1AF05-91B8-488D-A1F0-C33707033F4F}">
+  <ds:schemaRefs>
+    <ds:schemaRef ds:uri="http://schemas.microsoft.com/VisualStudio/2011/storyboarding/control"/>
+  </ds:schemaRefs>
+</ds:datastoreItem>
+</file>
+
+<file path=customXml/itemProps65.xml><?xml version="1.0" encoding="utf-8"?>
+<ds:datastoreItem xmlns:ds="http://schemas.openxmlformats.org/officeDocument/2006/customXml" ds:itemID="{A5F9754F-A814-488E-B054-CFE7DDA91539}">
+  <ds:schemaRefs>
+    <ds:schemaRef ds:uri="http://schemas.microsoft.com/VisualStudio/2011/storyboarding/control"/>
+  </ds:schemaRefs>
+</ds:datastoreItem>
+</file>
+
+<file path=customXml/itemProps66.xml><?xml version="1.0" encoding="utf-8"?>
+<ds:datastoreItem xmlns:ds="http://schemas.openxmlformats.org/officeDocument/2006/customXml" ds:itemID="{92015AC7-7F12-4CB0-B8E1-E5A29FF3C78C}">
+  <ds:schemaRefs>
+    <ds:schemaRef ds:uri="http://schemas.microsoft.com/VisualStudio/2011/storyboarding/control"/>
+  </ds:schemaRefs>
+</ds:datastoreItem>
+</file>
+
+<file path=customXml/itemProps67.xml><?xml version="1.0" encoding="utf-8"?>
+<ds:datastoreItem xmlns:ds="http://schemas.openxmlformats.org/officeDocument/2006/customXml" ds:itemID="{1FAC39FA-9959-447F-BC3F-14B05559DC8E}">
+  <ds:schemaRefs>
+    <ds:schemaRef ds:uri="http://schemas.microsoft.com/VisualStudio/2011/storyboarding/control"/>
+  </ds:schemaRefs>
+</ds:datastoreItem>
+</file>
+
+<file path=customXml/itemProps68.xml><?xml version="1.0" encoding="utf-8"?>
+<ds:datastoreItem xmlns:ds="http://schemas.openxmlformats.org/officeDocument/2006/customXml" ds:itemID="{2A159B95-FB2B-4838-A637-EE0F6821731E}">
+  <ds:schemaRefs>
+    <ds:schemaRef ds:uri="http://schemas.microsoft.com/VisualStudio/2011/storyboarding/control"/>
+  </ds:schemaRefs>
+</ds:datastoreItem>
+</file>
+
+<file path=customXml/itemProps69.xml><?xml version="1.0" encoding="utf-8"?>
+<ds:datastoreItem xmlns:ds="http://schemas.openxmlformats.org/officeDocument/2006/customXml" ds:itemID="{DBD01C0A-831A-4734-917D-3F63511485CB}">
+  <ds:schemaRefs>
+    <ds:schemaRef ds:uri="http://schemas.microsoft.com/VisualStudio/2011/storyboarding/control"/>
+  </ds:schemaRefs>
+</ds:datastoreItem>
+</file>
+
+<file path=customXml/itemProps7.xml><?xml version="1.0" encoding="utf-8"?>
+<ds:datastoreItem xmlns:ds="http://schemas.openxmlformats.org/officeDocument/2006/customXml" ds:itemID="{E2FD4741-E395-490C-999E-5E236192B853}">
+  <ds:schemaRefs>
+    <ds:schemaRef ds:uri="http://schemas.microsoft.com/VisualStudio/2011/storyboarding/control"/>
+  </ds:schemaRefs>
+</ds:datastoreItem>
+</file>
+
+<file path=customXml/itemProps70.xml><?xml version="1.0" encoding="utf-8"?>
+<ds:datastoreItem xmlns:ds="http://schemas.openxmlformats.org/officeDocument/2006/customXml" ds:itemID="{FB7C8C62-1FDF-4253-A858-0353E1D1AB80}">
+  <ds:schemaRefs>
+    <ds:schemaRef ds:uri="http://schemas.microsoft.com/VisualStudio/2011/storyboarding/control"/>
+  </ds:schemaRefs>
+</ds:datastoreItem>
+</file>
+
+<file path=customXml/itemProps71.xml><?xml version="1.0" encoding="utf-8"?>
+<ds:datastoreItem xmlns:ds="http://schemas.openxmlformats.org/officeDocument/2006/customXml" ds:itemID="{CFB4FD4D-3450-4F97-855B-45C9ECDD74A3}">
+  <ds:schemaRefs>
+    <ds:schemaRef ds:uri="http://schemas.microsoft.com/VisualStudio/2011/storyboarding/control"/>
+  </ds:schemaRefs>
+</ds:datastoreItem>
+</file>
+
+<file path=customXml/itemProps72.xml><?xml version="1.0" encoding="utf-8"?>
+<ds:datastoreItem xmlns:ds="http://schemas.openxmlformats.org/officeDocument/2006/customXml" ds:itemID="{DFBA13E8-1F01-4E6B-9DBC-216B1DD28F04}">
+  <ds:schemaRefs>
+    <ds:schemaRef ds:uri="http://schemas.microsoft.com/VisualStudio/2011/storyboarding/control"/>
+  </ds:schemaRefs>
+</ds:datastoreItem>
+</file>
+
+<file path=customXml/itemProps73.xml><?xml version="1.0" encoding="utf-8"?>
+<ds:datastoreItem xmlns:ds="http://schemas.openxmlformats.org/officeDocument/2006/customXml" ds:itemID="{15A1C2CB-0EB8-43E3-916C-24D0AE4A087C}">
+  <ds:schemaRefs>
+    <ds:schemaRef ds:uri="http://schemas.microsoft.com/VisualStudio/2011/storyboarding/control"/>
+  </ds:schemaRefs>
+</ds:datastoreItem>
+</file>
+
+<file path=customXml/itemProps74.xml><?xml version="1.0" encoding="utf-8"?>
+<ds:datastoreItem xmlns:ds="http://schemas.openxmlformats.org/officeDocument/2006/customXml" ds:itemID="{748B9562-EFCF-4A6E-AB37-A650F65F5482}">
+  <ds:schemaRefs>
+    <ds:schemaRef ds:uri="http://schemas.microsoft.com/VisualStudio/2011/storyboarding/control"/>
+  </ds:schemaRefs>
+</ds:datastoreItem>
+</file>
+
+<file path=customXml/itemProps75.xml><?xml version="1.0" encoding="utf-8"?>
+<ds:datastoreItem xmlns:ds="http://schemas.openxmlformats.org/officeDocument/2006/customXml" ds:itemID="{761A84C3-2B3A-4036-8B40-4AA722E18156}">
+  <ds:schemaRefs>
+    <ds:schemaRef ds:uri="http://schemas.microsoft.com/VisualStudio/2011/storyboarding/control"/>
+  </ds:schemaRefs>
+</ds:datastoreItem>
+</file>
+
+<file path=customXml/itemProps76.xml><?xml version="1.0" encoding="utf-8"?>
+<ds:datastoreItem xmlns:ds="http://schemas.openxmlformats.org/officeDocument/2006/customXml" ds:itemID="{2A35FEA4-D61B-4226-8137-672250819A4B}">
+  <ds:schemaRefs>
+    <ds:schemaRef ds:uri="http://schemas.microsoft.com/VisualStudio/2011/storyboarding/control"/>
+  </ds:schemaRefs>
+</ds:datastoreItem>
+</file>
+
+<file path=customXml/itemProps77.xml><?xml version="1.0" encoding="utf-8"?>
+<ds:datastoreItem xmlns:ds="http://schemas.openxmlformats.org/officeDocument/2006/customXml" ds:itemID="{2F3FEEB9-9821-441D-9CDE-D16AA4889909}">
+  <ds:schemaRefs>
+    <ds:schemaRef ds:uri="http://schemas.microsoft.com/VisualStudio/2011/storyboarding/control"/>
+  </ds:schemaRefs>
+</ds:datastoreItem>
+</file>
+
+<file path=customXml/itemProps78.xml><?xml version="1.0" encoding="utf-8"?>
+<ds:datastoreItem xmlns:ds="http://schemas.openxmlformats.org/officeDocument/2006/customXml" ds:itemID="{6333C675-3611-4BD7-B9A9-F40C8CB69BCC}">
+  <ds:schemaRefs>
+    <ds:schemaRef ds:uri="http://schemas.microsoft.com/VisualStudio/2011/storyboarding/control"/>
+  </ds:schemaRefs>
+</ds:datastoreItem>
+</file>
+
+<file path=customXml/itemProps79.xml><?xml version="1.0" encoding="utf-8"?>
+<ds:datastoreItem xmlns:ds="http://schemas.openxmlformats.org/officeDocument/2006/customXml" ds:itemID="{01635B46-1A7D-42A2-913F-266408D26817}">
+  <ds:schemaRefs>
+    <ds:schemaRef ds:uri="http://schemas.microsoft.com/VisualStudio/2011/storyboarding/control"/>
+  </ds:schemaRefs>
+</ds:datastoreItem>
+</file>
+
+<file path=customXml/itemProps8.xml><?xml version="1.0" encoding="utf-8"?>
 <ds:datastoreItem xmlns:ds="http://schemas.openxmlformats.org/officeDocument/2006/customXml" ds:itemID="{8A5DE178-3494-4D17-89D9-6F5276246D07}">
   <ds:schemaRefs>
     <ds:schemaRef ds:uri="http://schemas.microsoft.com/VisualStudio/2011/storyboarding/control"/>
@@ -20017,207 +21339,87 @@
 </ds:datastoreItem>
 </file>
 
-<file path=customXml/itemProps57.xml><?xml version="1.0" encoding="utf-8"?>
-<ds:datastoreItem xmlns:ds="http://schemas.openxmlformats.org/officeDocument/2006/customXml" ds:itemID="{F89204ED-F85A-4C74-B774-1E631E0B0ABC}">
+<file path=customXml/itemProps80.xml><?xml version="1.0" encoding="utf-8"?>
+<ds:datastoreItem xmlns:ds="http://schemas.openxmlformats.org/officeDocument/2006/customXml" ds:itemID="{8679EC26-44F2-4275-B040-7AF5DD135838}">
   <ds:schemaRefs>
     <ds:schemaRef ds:uri="http://schemas.microsoft.com/VisualStudio/2011/storyboarding/control"/>
   </ds:schemaRefs>
 </ds:datastoreItem>
 </file>
 
-<file path=customXml/itemProps58.xml><?xml version="1.0" encoding="utf-8"?>
-<ds:datastoreItem xmlns:ds="http://schemas.openxmlformats.org/officeDocument/2006/customXml" ds:itemID="{27089FB8-EDB0-4E85-8D7F-D4ADEA535F1F}">
+<file path=customXml/itemProps81.xml><?xml version="1.0" encoding="utf-8"?>
+<ds:datastoreItem xmlns:ds="http://schemas.openxmlformats.org/officeDocument/2006/customXml" ds:itemID="{8368E42B-C658-4C38-B4D3-1B2D7181E2DD}">
   <ds:schemaRefs>
     <ds:schemaRef ds:uri="http://schemas.microsoft.com/VisualStudio/2011/storyboarding/control"/>
   </ds:schemaRefs>
 </ds:datastoreItem>
 </file>
 
-<file path=customXml/itemProps59.xml><?xml version="1.0" encoding="utf-8"?>
-<ds:datastoreItem xmlns:ds="http://schemas.openxmlformats.org/officeDocument/2006/customXml" ds:itemID="{297CE730-D3A5-4545-8BAC-66650F3C2B29}">
+<file path=customXml/itemProps82.xml><?xml version="1.0" encoding="utf-8"?>
+<ds:datastoreItem xmlns:ds="http://schemas.openxmlformats.org/officeDocument/2006/customXml" ds:itemID="{2961DA4D-35E2-4AC7-AA57-37A86B8EBA47}">
   <ds:schemaRefs>
     <ds:schemaRef ds:uri="http://schemas.microsoft.com/VisualStudio/2011/storyboarding/control"/>
   </ds:schemaRefs>
 </ds:datastoreItem>
 </file>
 
-<file path=customXml/itemProps6.xml><?xml version="1.0" encoding="utf-8"?>
-<ds:datastoreItem xmlns:ds="http://schemas.openxmlformats.org/officeDocument/2006/customXml" ds:itemID="{5579030E-4DE4-4525-9E37-DAF5C7DA6C43}">
+<file path=customXml/itemProps83.xml><?xml version="1.0" encoding="utf-8"?>
+<ds:datastoreItem xmlns:ds="http://schemas.openxmlformats.org/officeDocument/2006/customXml" ds:itemID="{A195C4C5-3E3C-44F3-A1F9-82EE06704852}">
   <ds:schemaRefs>
     <ds:schemaRef ds:uri="http://schemas.microsoft.com/VisualStudio/2011/storyboarding/control"/>
   </ds:schemaRefs>
 </ds:datastoreItem>
 </file>
 
-<file path=customXml/itemProps60.xml><?xml version="1.0" encoding="utf-8"?>
-<ds:datastoreItem xmlns:ds="http://schemas.openxmlformats.org/officeDocument/2006/customXml" ds:itemID="{907AB834-6797-4CBC-AEFD-4E46363CB667}">
+<file path=customXml/itemProps84.xml><?xml version="1.0" encoding="utf-8"?>
+<ds:datastoreItem xmlns:ds="http://schemas.openxmlformats.org/officeDocument/2006/customXml" ds:itemID="{F622E8BB-9207-457D-A763-07B6EA27B9C7}">
   <ds:schemaRefs>
     <ds:schemaRef ds:uri="http://schemas.microsoft.com/VisualStudio/2011/storyboarding/control"/>
   </ds:schemaRefs>
 </ds:datastoreItem>
 </file>
 
-<file path=customXml/itemProps61.xml><?xml version="1.0" encoding="utf-8"?>
-<ds:datastoreItem xmlns:ds="http://schemas.openxmlformats.org/officeDocument/2006/customXml" ds:itemID="{47B7E64A-D423-48F8-9E9D-71F8539EC7A7}">
+<file path=customXml/itemProps85.xml><?xml version="1.0" encoding="utf-8"?>
+<ds:datastoreItem xmlns:ds="http://schemas.openxmlformats.org/officeDocument/2006/customXml" ds:itemID="{CDB02F84-41D7-4275-8DC4-E0CC727E9D3C}">
   <ds:schemaRefs>
     <ds:schemaRef ds:uri="http://schemas.microsoft.com/VisualStudio/2011/storyboarding/control"/>
   </ds:schemaRefs>
 </ds:datastoreItem>
 </file>
 
-<file path=customXml/itemProps62.xml><?xml version="1.0" encoding="utf-8"?>
-<ds:datastoreItem xmlns:ds="http://schemas.openxmlformats.org/officeDocument/2006/customXml" ds:itemID="{82A9FACC-4F00-4CD1-A36A-55F2FFB72C6D}">
+<file path=customXml/itemProps86.xml><?xml version="1.0" encoding="utf-8"?>
+<ds:datastoreItem xmlns:ds="http://schemas.openxmlformats.org/officeDocument/2006/customXml" ds:itemID="{8AC7CF0B-79B8-4D58-8B08-9516D665983C}">
   <ds:schemaRefs>
     <ds:schemaRef ds:uri="http://schemas.microsoft.com/VisualStudio/2011/storyboarding/control"/>
   </ds:schemaRefs>
 </ds:datastoreItem>
 </file>
 
-<file path=customXml/itemProps63.xml><?xml version="1.0" encoding="utf-8"?>
-<ds:datastoreItem xmlns:ds="http://schemas.openxmlformats.org/officeDocument/2006/customXml" ds:itemID="{3E3EC078-FAA2-4845-9629-5AD5A10A98CD}">
+<file path=customXml/itemProps87.xml><?xml version="1.0" encoding="utf-8"?>
+<ds:datastoreItem xmlns:ds="http://schemas.openxmlformats.org/officeDocument/2006/customXml" ds:itemID="{E33F1548-B400-462B-8B7D-6D12A377DFE9}">
   <ds:schemaRefs>
     <ds:schemaRef ds:uri="http://schemas.microsoft.com/VisualStudio/2011/storyboarding/control"/>
   </ds:schemaRefs>
 </ds:datastoreItem>
 </file>
 
-<file path=customXml/itemProps64.xml><?xml version="1.0" encoding="utf-8"?>
-<ds:datastoreItem xmlns:ds="http://schemas.openxmlformats.org/officeDocument/2006/customXml" ds:itemID="{292D7295-A4E5-4FF3-B369-EF124E9D1173}">
+<file path=customXml/itemProps88.xml><?xml version="1.0" encoding="utf-8"?>
+<ds:datastoreItem xmlns:ds="http://schemas.openxmlformats.org/officeDocument/2006/customXml" ds:itemID="{7522784A-0912-4AE2-9F49-3FF2AD385F35}">
   <ds:schemaRefs>
     <ds:schemaRef ds:uri="http://schemas.microsoft.com/VisualStudio/2011/storyboarding/control"/>
   </ds:schemaRefs>
 </ds:datastoreItem>
 </file>
 
-<file path=customXml/itemProps65.xml><?xml version="1.0" encoding="utf-8"?>
-<ds:datastoreItem xmlns:ds="http://schemas.openxmlformats.org/officeDocument/2006/customXml" ds:itemID="{5E81C22A-9F3C-4428-B31E-BDA1FC9B356D}">
+<file path=customXml/itemProps89.xml><?xml version="1.0" encoding="utf-8"?>
+<ds:datastoreItem xmlns:ds="http://schemas.openxmlformats.org/officeDocument/2006/customXml" ds:itemID="{F645F756-0CD0-4510-A3B3-E5AD1629B7D7}">
   <ds:schemaRefs>
     <ds:schemaRef ds:uri="http://schemas.microsoft.com/VisualStudio/2011/storyboarding/control"/>
   </ds:schemaRefs>
 </ds:datastoreItem>
 </file>
 
-<file path=customXml/itemProps66.xml><?xml version="1.0" encoding="utf-8"?>
-<ds:datastoreItem xmlns:ds="http://schemas.openxmlformats.org/officeDocument/2006/customXml" ds:itemID="{CD831E86-4C3A-4B09-B63A-5F8A08564835}">
-  <ds:schemaRefs>
-    <ds:schemaRef ds:uri="http://schemas.microsoft.com/VisualStudio/2011/storyboarding/control"/>
-  </ds:schemaRefs>
-</ds:datastoreItem>
-</file>
-
-<file path=customXml/itemProps67.xml><?xml version="1.0" encoding="utf-8"?>
-<ds:datastoreItem xmlns:ds="http://schemas.openxmlformats.org/officeDocument/2006/customXml" ds:itemID="{1C0FD606-25E9-457B-9769-D239A34A3577}">
-  <ds:schemaRefs>
-    <ds:schemaRef ds:uri="http://schemas.microsoft.com/VisualStudio/2011/storyboarding/control"/>
-  </ds:schemaRefs>
-</ds:datastoreItem>
-</file>
-
-<file path=customXml/itemProps68.xml><?xml version="1.0" encoding="utf-8"?>
-<ds:datastoreItem xmlns:ds="http://schemas.openxmlformats.org/officeDocument/2006/customXml" ds:itemID="{50153CB9-0878-4D7A-A47C-CBDE4C1AF04C}">
-  <ds:schemaRefs>
-    <ds:schemaRef ds:uri="http://schemas.microsoft.com/VisualStudio/2011/storyboarding/control"/>
-  </ds:schemaRefs>
-</ds:datastoreItem>
-</file>
-
-<file path=customXml/itemProps69.xml><?xml version="1.0" encoding="utf-8"?>
-<ds:datastoreItem xmlns:ds="http://schemas.openxmlformats.org/officeDocument/2006/customXml" ds:itemID="{3F346692-8083-4814-94A8-DA3BEF340101}">
-  <ds:schemaRefs>
-    <ds:schemaRef ds:uri="http://schemas.microsoft.com/VisualStudio/2011/storyboarding/control"/>
-  </ds:schemaRefs>
-</ds:datastoreItem>
-</file>
-
-<file path=customXml/itemProps7.xml><?xml version="1.0" encoding="utf-8"?>
-<ds:datastoreItem xmlns:ds="http://schemas.openxmlformats.org/officeDocument/2006/customXml" ds:itemID="{6C2AB959-A638-4F04-8502-C44DE6EEA385}">
-  <ds:schemaRefs>
-    <ds:schemaRef ds:uri="http://schemas.microsoft.com/VisualStudio/2011/storyboarding/control"/>
-  </ds:schemaRefs>
-</ds:datastoreItem>
-</file>
-
-<file path=customXml/itemProps70.xml><?xml version="1.0" encoding="utf-8"?>
-<ds:datastoreItem xmlns:ds="http://schemas.openxmlformats.org/officeDocument/2006/customXml" ds:itemID="{D2A7E4CF-C1E3-4403-BC53-C8C4AAE58B78}">
-  <ds:schemaRefs>
-    <ds:schemaRef ds:uri="http://schemas.microsoft.com/VisualStudio/2011/storyboarding/control"/>
-  </ds:schemaRefs>
-</ds:datastoreItem>
-</file>
-
-<file path=customXml/itemProps71.xml><?xml version="1.0" encoding="utf-8"?>
-<ds:datastoreItem xmlns:ds="http://schemas.openxmlformats.org/officeDocument/2006/customXml" ds:itemID="{41883D42-87AB-4F5D-8886-DAE895B85A96}">
-  <ds:schemaRefs>
-    <ds:schemaRef ds:uri="http://schemas.microsoft.com/VisualStudio/2011/storyboarding/control"/>
-  </ds:schemaRefs>
-</ds:datastoreItem>
-</file>
-
-<file path=customXml/itemProps72.xml><?xml version="1.0" encoding="utf-8"?>
-<ds:datastoreItem xmlns:ds="http://schemas.openxmlformats.org/officeDocument/2006/customXml" ds:itemID="{133C609E-52A2-4076-9130-1EA40E51292A}">
-  <ds:schemaRefs>
-    <ds:schemaRef ds:uri="http://schemas.microsoft.com/VisualStudio/2011/storyboarding/control"/>
-  </ds:schemaRefs>
-</ds:datastoreItem>
-</file>
-
-<file path=customXml/itemProps73.xml><?xml version="1.0" encoding="utf-8"?>
-<ds:datastoreItem xmlns:ds="http://schemas.openxmlformats.org/officeDocument/2006/customXml" ds:itemID="{2743457C-C155-487A-926A-090767E645E5}">
-  <ds:schemaRefs>
-    <ds:schemaRef ds:uri="http://schemas.microsoft.com/VisualStudio/2011/storyboarding/control"/>
-  </ds:schemaRefs>
-</ds:datastoreItem>
-</file>
-
-<file path=customXml/itemProps74.xml><?xml version="1.0" encoding="utf-8"?>
-<ds:datastoreItem xmlns:ds="http://schemas.openxmlformats.org/officeDocument/2006/customXml" ds:itemID="{A2F2D91D-85D4-434E-BB35-4DA1EA5F7632}">
-  <ds:schemaRefs>
-    <ds:schemaRef ds:uri="http://schemas.microsoft.com/VisualStudio/2011/storyboarding/control"/>
-  </ds:schemaRefs>
-</ds:datastoreItem>
-</file>
-
-<file path=customXml/itemProps75.xml><?xml version="1.0" encoding="utf-8"?>
-<ds:datastoreItem xmlns:ds="http://schemas.openxmlformats.org/officeDocument/2006/customXml" ds:itemID="{A94F0DC1-4267-4C1D-BE7D-942F1BB16A73}">
-  <ds:schemaRefs>
-    <ds:schemaRef ds:uri="http://schemas.microsoft.com/VisualStudio/2011/storyboarding/control"/>
-  </ds:schemaRefs>
-</ds:datastoreItem>
-</file>
-
-<file path=customXml/itemProps76.xml><?xml version="1.0" encoding="utf-8"?>
-<ds:datastoreItem xmlns:ds="http://schemas.openxmlformats.org/officeDocument/2006/customXml" ds:itemID="{085E9AC8-515D-4C1C-ABCD-E419EE44EBF9}">
-  <ds:schemaRefs>
-    <ds:schemaRef ds:uri="http://schemas.microsoft.com/VisualStudio/2011/storyboarding/control"/>
-  </ds:schemaRefs>
-</ds:datastoreItem>
-</file>
-
-<file path=customXml/itemProps77.xml><?xml version="1.0" encoding="utf-8"?>
-<ds:datastoreItem xmlns:ds="http://schemas.openxmlformats.org/officeDocument/2006/customXml" ds:itemID="{90BE61BA-A6CD-4D18-8EFD-BDB7FF208049}">
-  <ds:schemaRefs>
-    <ds:schemaRef ds:uri="http://schemas.microsoft.com/VisualStudio/2011/storyboarding/control"/>
-  </ds:schemaRefs>
-</ds:datastoreItem>
-</file>
-
-<file path=customXml/itemProps78.xml><?xml version="1.0" encoding="utf-8"?>
-<ds:datastoreItem xmlns:ds="http://schemas.openxmlformats.org/officeDocument/2006/customXml" ds:itemID="{8446CBDA-4E7B-4E92-93A2-F12A4FC1598F}">
-  <ds:schemaRefs>
-    <ds:schemaRef ds:uri="http://schemas.microsoft.com/VisualStudio/2011/storyboarding/control"/>
-  </ds:schemaRefs>
-</ds:datastoreItem>
-</file>
-
-<file path=customXml/itemProps79.xml><?xml version="1.0" encoding="utf-8"?>
-<ds:datastoreItem xmlns:ds="http://schemas.openxmlformats.org/officeDocument/2006/customXml" ds:itemID="{87570D2B-6F7F-4335-BEDF-D40335727799}">
-  <ds:schemaRefs>
-    <ds:schemaRef ds:uri="http://schemas.microsoft.com/VisualStudio/2011/storyboarding/control"/>
-  </ds:schemaRefs>
-</ds:datastoreItem>
-</file>
-
-<file path=customXml/itemProps8.xml><?xml version="1.0" encoding="utf-8"?>
+<file path=customXml/itemProps9.xml><?xml version="1.0" encoding="utf-8"?>
 <ds:datastoreItem xmlns:ds="http://schemas.openxmlformats.org/officeDocument/2006/customXml" ds:itemID="{9AD8946B-1E7A-40AE-9DC0-055225B25387}">
   <ds:schemaRefs>
     <ds:schemaRef ds:uri="http://schemas.microsoft.com/VisualStudio/2011/storyboarding/control"/>
@@ -20225,16 +21427,80 @@
 </ds:datastoreItem>
 </file>
 
-<file path=customXml/itemProps80.xml><?xml version="1.0" encoding="utf-8"?>
-<ds:datastoreItem xmlns:ds="http://schemas.openxmlformats.org/officeDocument/2006/customXml" ds:itemID="{F55C45AE-8DA0-46F9-9790-C952919D26DC}">
+<file path=customXml/itemProps90.xml><?xml version="1.0" encoding="utf-8"?>
+<ds:datastoreItem xmlns:ds="http://schemas.openxmlformats.org/officeDocument/2006/customXml" ds:itemID="{551DC865-6321-4A50-8DCD-545954BC2CFD}">
   <ds:schemaRefs>
     <ds:schemaRef ds:uri="http://schemas.microsoft.com/VisualStudio/2011/storyboarding/control"/>
   </ds:schemaRefs>
 </ds:datastoreItem>
 </file>
 
-<file path=customXml/itemProps9.xml><?xml version="1.0" encoding="utf-8"?>
-<ds:datastoreItem xmlns:ds="http://schemas.openxmlformats.org/officeDocument/2006/customXml" ds:itemID="{FDC98252-E04A-4490-813E-11A6E11CD622}">
+<file path=customXml/itemProps91.xml><?xml version="1.0" encoding="utf-8"?>
+<ds:datastoreItem xmlns:ds="http://schemas.openxmlformats.org/officeDocument/2006/customXml" ds:itemID="{874F05E9-9824-437F-A098-A6426816E89F}">
+  <ds:schemaRefs>
+    <ds:schemaRef ds:uri="http://schemas.microsoft.com/VisualStudio/2011/storyboarding/control"/>
+  </ds:schemaRefs>
+</ds:datastoreItem>
+</file>
+
+<file path=customXml/itemProps92.xml><?xml version="1.0" encoding="utf-8"?>
+<ds:datastoreItem xmlns:ds="http://schemas.openxmlformats.org/officeDocument/2006/customXml" ds:itemID="{4E47156E-04A9-4AB7-A19B-A0A07FCD00EF}">
+  <ds:schemaRefs>
+    <ds:schemaRef ds:uri="http://schemas.microsoft.com/VisualStudio/2011/storyboarding/control"/>
+  </ds:schemaRefs>
+</ds:datastoreItem>
+</file>
+
+<file path=customXml/itemProps93.xml><?xml version="1.0" encoding="utf-8"?>
+<ds:datastoreItem xmlns:ds="http://schemas.openxmlformats.org/officeDocument/2006/customXml" ds:itemID="{13744545-18D0-45D2-B26D-3B35B0758E6D}">
+  <ds:schemaRefs>
+    <ds:schemaRef ds:uri="http://schemas.microsoft.com/VisualStudio/2011/storyboarding/control"/>
+  </ds:schemaRefs>
+</ds:datastoreItem>
+</file>
+
+<file path=customXml/itemProps94.xml><?xml version="1.0" encoding="utf-8"?>
+<ds:datastoreItem xmlns:ds="http://schemas.openxmlformats.org/officeDocument/2006/customXml" ds:itemID="{BD3FEB3E-308F-4289-B69B-835D7E9F7666}">
+  <ds:schemaRefs>
+    <ds:schemaRef ds:uri="http://schemas.microsoft.com/VisualStudio/2011/storyboarding/control"/>
+  </ds:schemaRefs>
+</ds:datastoreItem>
+</file>
+
+<file path=customXml/itemProps95.xml><?xml version="1.0" encoding="utf-8"?>
+<ds:datastoreItem xmlns:ds="http://schemas.openxmlformats.org/officeDocument/2006/customXml" ds:itemID="{EB56307A-19CB-441B-916F-66AD4AAF5461}">
+  <ds:schemaRefs>
+    <ds:schemaRef ds:uri="http://schemas.microsoft.com/VisualStudio/2011/storyboarding/control"/>
+  </ds:schemaRefs>
+</ds:datastoreItem>
+</file>
+
+<file path=customXml/itemProps96.xml><?xml version="1.0" encoding="utf-8"?>
+<ds:datastoreItem xmlns:ds="http://schemas.openxmlformats.org/officeDocument/2006/customXml" ds:itemID="{7BD3D0D0-D770-4841-AAA8-88A5BA7524A6}">
+  <ds:schemaRefs>
+    <ds:schemaRef ds:uri="http://schemas.microsoft.com/VisualStudio/2011/storyboarding/control"/>
+  </ds:schemaRefs>
+</ds:datastoreItem>
+</file>
+
+<file path=customXml/itemProps97.xml><?xml version="1.0" encoding="utf-8"?>
+<ds:datastoreItem xmlns:ds="http://schemas.openxmlformats.org/officeDocument/2006/customXml" ds:itemID="{F296DB94-C730-4A52-87DB-50C2822D078A}">
+  <ds:schemaRefs>
+    <ds:schemaRef ds:uri="http://schemas.microsoft.com/VisualStudio/2011/storyboarding/control"/>
+  </ds:schemaRefs>
+</ds:datastoreItem>
+</file>
+
+<file path=customXml/itemProps98.xml><?xml version="1.0" encoding="utf-8"?>
+<ds:datastoreItem xmlns:ds="http://schemas.openxmlformats.org/officeDocument/2006/customXml" ds:itemID="{25177E4F-0C54-4093-81CC-83084DA6F678}">
+  <ds:schemaRefs>
+    <ds:schemaRef ds:uri="http://schemas.microsoft.com/VisualStudio/2011/storyboarding/control"/>
+  </ds:schemaRefs>
+</ds:datastoreItem>
+</file>
+
+<file path=customXml/itemProps99.xml><?xml version="1.0" encoding="utf-8"?>
+<ds:datastoreItem xmlns:ds="http://schemas.openxmlformats.org/officeDocument/2006/customXml" ds:itemID="{D6FD5D8B-8766-46F0-A514-858BB33808B2}">
   <ds:schemaRefs>
     <ds:schemaRef ds:uri="http://schemas.microsoft.com/VisualStudio/2011/storyboarding/control"/>
   </ds:schemaRefs>
